--- a/python_engineers/part_2/python_data_engineers_2.pptx
+++ b/python_engineers/part_2/python_data_engineers_2.pptx
@@ -7,37 +7,38 @@
   <p:sldIdLst>
     <p:sldId id="256" r:id="rId2"/>
     <p:sldId id="257" r:id="rId3"/>
-    <p:sldId id="267" r:id="rId4"/>
-    <p:sldId id="258" r:id="rId5"/>
-    <p:sldId id="298" r:id="rId6"/>
-    <p:sldId id="296" r:id="rId7"/>
-    <p:sldId id="297" r:id="rId8"/>
-    <p:sldId id="310" r:id="rId9"/>
-    <p:sldId id="311" r:id="rId10"/>
-    <p:sldId id="300" r:id="rId11"/>
-    <p:sldId id="309" r:id="rId12"/>
-    <p:sldId id="303" r:id="rId13"/>
+    <p:sldId id="326" r:id="rId4"/>
+    <p:sldId id="267" r:id="rId5"/>
+    <p:sldId id="258" r:id="rId6"/>
+    <p:sldId id="298" r:id="rId7"/>
+    <p:sldId id="296" r:id="rId8"/>
+    <p:sldId id="297" r:id="rId9"/>
+    <p:sldId id="310" r:id="rId10"/>
+    <p:sldId id="311" r:id="rId11"/>
+    <p:sldId id="300" r:id="rId12"/>
+    <p:sldId id="309" r:id="rId13"/>
     <p:sldId id="305" r:id="rId14"/>
-    <p:sldId id="312" r:id="rId15"/>
-    <p:sldId id="314" r:id="rId16"/>
-    <p:sldId id="313" r:id="rId17"/>
-    <p:sldId id="306" r:id="rId18"/>
-    <p:sldId id="315" r:id="rId19"/>
-    <p:sldId id="316" r:id="rId20"/>
-    <p:sldId id="317" r:id="rId21"/>
-    <p:sldId id="319" r:id="rId22"/>
-    <p:sldId id="318" r:id="rId23"/>
-    <p:sldId id="320" r:id="rId24"/>
-    <p:sldId id="321" r:id="rId25"/>
-    <p:sldId id="302" r:id="rId26"/>
-    <p:sldId id="304" r:id="rId27"/>
-    <p:sldId id="323" r:id="rId28"/>
-    <p:sldId id="324" r:id="rId29"/>
-    <p:sldId id="325" r:id="rId30"/>
-    <p:sldId id="322" r:id="rId31"/>
-    <p:sldId id="261" r:id="rId32"/>
-    <p:sldId id="301" r:id="rId33"/>
-    <p:sldId id="295" r:id="rId34"/>
+    <p:sldId id="303" r:id="rId15"/>
+    <p:sldId id="312" r:id="rId16"/>
+    <p:sldId id="314" r:id="rId17"/>
+    <p:sldId id="313" r:id="rId18"/>
+    <p:sldId id="306" r:id="rId19"/>
+    <p:sldId id="315" r:id="rId20"/>
+    <p:sldId id="316" r:id="rId21"/>
+    <p:sldId id="317" r:id="rId22"/>
+    <p:sldId id="319" r:id="rId23"/>
+    <p:sldId id="318" r:id="rId24"/>
+    <p:sldId id="320" r:id="rId25"/>
+    <p:sldId id="321" r:id="rId26"/>
+    <p:sldId id="302" r:id="rId27"/>
+    <p:sldId id="304" r:id="rId28"/>
+    <p:sldId id="323" r:id="rId29"/>
+    <p:sldId id="324" r:id="rId30"/>
+    <p:sldId id="325" r:id="rId31"/>
+    <p:sldId id="322" r:id="rId32"/>
+    <p:sldId id="261" r:id="rId33"/>
+    <p:sldId id="301" r:id="rId34"/>
+    <p:sldId id="295" r:id="rId35"/>
   </p:sldIdLst>
   <p:sldSz cx="12192000" cy="6858000"/>
   <p:notesSz cx="6858000" cy="9144000"/>
@@ -305,7 +306,7 @@
           <a:p>
             <a:fld id="{0EBB069A-003F-4FC0-8534-236B0C5C7B5F}" type="datetimeFigureOut">
               <a:rPr lang="en-NL" smtClean="0"/>
-              <a:t>12/12/2022</a:t>
+              <a:t>13/12/2022</a:t>
             </a:fld>
             <a:endParaRPr lang="en-NL"/>
           </a:p>
@@ -505,7 +506,7 @@
           <a:p>
             <a:fld id="{0EBB069A-003F-4FC0-8534-236B0C5C7B5F}" type="datetimeFigureOut">
               <a:rPr lang="en-NL" smtClean="0"/>
-              <a:t>12/12/2022</a:t>
+              <a:t>13/12/2022</a:t>
             </a:fld>
             <a:endParaRPr lang="en-NL"/>
           </a:p>
@@ -715,7 +716,7 @@
           <a:p>
             <a:fld id="{0EBB069A-003F-4FC0-8534-236B0C5C7B5F}" type="datetimeFigureOut">
               <a:rPr lang="en-NL" smtClean="0"/>
-              <a:t>12/12/2022</a:t>
+              <a:t>13/12/2022</a:t>
             </a:fld>
             <a:endParaRPr lang="en-NL"/>
           </a:p>
@@ -915,7 +916,7 @@
           <a:p>
             <a:fld id="{0EBB069A-003F-4FC0-8534-236B0C5C7B5F}" type="datetimeFigureOut">
               <a:rPr lang="en-NL" smtClean="0"/>
-              <a:t>12/12/2022</a:t>
+              <a:t>13/12/2022</a:t>
             </a:fld>
             <a:endParaRPr lang="en-NL"/>
           </a:p>
@@ -1191,7 +1192,7 @@
           <a:p>
             <a:fld id="{0EBB069A-003F-4FC0-8534-236B0C5C7B5F}" type="datetimeFigureOut">
               <a:rPr lang="en-NL" smtClean="0"/>
-              <a:t>12/12/2022</a:t>
+              <a:t>13/12/2022</a:t>
             </a:fld>
             <a:endParaRPr lang="en-NL"/>
           </a:p>
@@ -1459,7 +1460,7 @@
           <a:p>
             <a:fld id="{0EBB069A-003F-4FC0-8534-236B0C5C7B5F}" type="datetimeFigureOut">
               <a:rPr lang="en-NL" smtClean="0"/>
-              <a:t>12/12/2022</a:t>
+              <a:t>13/12/2022</a:t>
             </a:fld>
             <a:endParaRPr lang="en-NL"/>
           </a:p>
@@ -1874,7 +1875,7 @@
           <a:p>
             <a:fld id="{0EBB069A-003F-4FC0-8534-236B0C5C7B5F}" type="datetimeFigureOut">
               <a:rPr lang="en-NL" smtClean="0"/>
-              <a:t>12/12/2022</a:t>
+              <a:t>13/12/2022</a:t>
             </a:fld>
             <a:endParaRPr lang="en-NL"/>
           </a:p>
@@ -2016,7 +2017,7 @@
           <a:p>
             <a:fld id="{0EBB069A-003F-4FC0-8534-236B0C5C7B5F}" type="datetimeFigureOut">
               <a:rPr lang="en-NL" smtClean="0"/>
-              <a:t>12/12/2022</a:t>
+              <a:t>13/12/2022</a:t>
             </a:fld>
             <a:endParaRPr lang="en-NL"/>
           </a:p>
@@ -2129,7 +2130,7 @@
           <a:p>
             <a:fld id="{0EBB069A-003F-4FC0-8534-236B0C5C7B5F}" type="datetimeFigureOut">
               <a:rPr lang="en-NL" smtClean="0"/>
-              <a:t>12/12/2022</a:t>
+              <a:t>13/12/2022</a:t>
             </a:fld>
             <a:endParaRPr lang="en-NL"/>
           </a:p>
@@ -2442,7 +2443,7 @@
           <a:p>
             <a:fld id="{0EBB069A-003F-4FC0-8534-236B0C5C7B5F}" type="datetimeFigureOut">
               <a:rPr lang="en-NL" smtClean="0"/>
-              <a:t>12/12/2022</a:t>
+              <a:t>13/12/2022</a:t>
             </a:fld>
             <a:endParaRPr lang="en-NL"/>
           </a:p>
@@ -2731,7 +2732,7 @@
           <a:p>
             <a:fld id="{0EBB069A-003F-4FC0-8534-236B0C5C7B5F}" type="datetimeFigureOut">
               <a:rPr lang="en-NL" smtClean="0"/>
-              <a:t>12/12/2022</a:t>
+              <a:t>13/12/2022</a:t>
             </a:fld>
             <a:endParaRPr lang="en-NL"/>
           </a:p>
@@ -2974,7 +2975,7 @@
           <a:p>
             <a:fld id="{0EBB069A-003F-4FC0-8534-236B0C5C7B5F}" type="datetimeFigureOut">
               <a:rPr lang="en-NL" smtClean="0"/>
-              <a:t>12/12/2022</a:t>
+              <a:t>13/12/2022</a:t>
             </a:fld>
             <a:endParaRPr lang="en-NL"/>
           </a:p>
@@ -3479,10 +3480,681 @@
       </p:grpSpPr>
       <p:sp>
         <p:nvSpPr>
-          <p:cNvPr id="4" name="Title 3">
-            <a:extLst>
-              <a:ext uri="{FF2B5EF4-FFF2-40B4-BE49-F238E27FC236}">
-                <a16:creationId xmlns:a16="http://schemas.microsoft.com/office/drawing/2014/main" id="{72C925CA-BCA3-3701-E08E-95652380B32E}"/>
+          <p:cNvPr id="5" name="Rectangle 4">
+            <a:extLst>
+              <a:ext uri="{FF2B5EF4-FFF2-40B4-BE49-F238E27FC236}">
+                <a16:creationId xmlns:a16="http://schemas.microsoft.com/office/drawing/2014/main" id="{E29DAE97-165D-2317-E548-C65CD2E2B3EF}"/>
+              </a:ext>
+            </a:extLst>
+          </p:cNvPr>
+          <p:cNvSpPr/>
+          <p:nvPr/>
+        </p:nvSpPr>
+        <p:spPr>
+          <a:xfrm>
+            <a:off x="838198" y="2139950"/>
+            <a:ext cx="4571999" cy="2362200"/>
+          </a:xfrm>
+          <a:prstGeom prst="rect">
+            <a:avLst/>
+          </a:prstGeom>
+        </p:spPr>
+        <p:style>
+          <a:lnRef idx="1">
+            <a:schemeClr val="accent3"/>
+          </a:lnRef>
+          <a:fillRef idx="2">
+            <a:schemeClr val="accent3"/>
+          </a:fillRef>
+          <a:effectRef idx="1">
+            <a:schemeClr val="accent3"/>
+          </a:effectRef>
+          <a:fontRef idx="minor">
+            <a:schemeClr val="dk1"/>
+          </a:fontRef>
+        </p:style>
+        <p:txBody>
+          <a:bodyPr rtlCol="0" anchor="ctr"/>
+          <a:lstStyle/>
+          <a:p>
+            <a:pPr algn="ctr"/>
+            <a:endParaRPr lang="en-NL"/>
+          </a:p>
+        </p:txBody>
+      </p:sp>
+      <p:sp>
+        <p:nvSpPr>
+          <p:cNvPr id="3" name="Content Placeholder 2">
+            <a:extLst>
+              <a:ext uri="{FF2B5EF4-FFF2-40B4-BE49-F238E27FC236}">
+                <a16:creationId xmlns:a16="http://schemas.microsoft.com/office/drawing/2014/main" id="{F4C2D286-E049-0AAB-1360-B7157E11AD7E}"/>
+              </a:ext>
+            </a:extLst>
+          </p:cNvPr>
+          <p:cNvSpPr>
+            <a:spLocks noGrp="1"/>
+          </p:cNvSpPr>
+          <p:nvPr>
+            <p:ph idx="1"/>
+          </p:nvPr>
+        </p:nvSpPr>
+        <p:spPr>
+          <a:xfrm>
+            <a:off x="838200" y="1456267"/>
+            <a:ext cx="4571999" cy="4720696"/>
+          </a:xfrm>
+        </p:spPr>
+        <p:txBody>
+          <a:bodyPr>
+            <a:normAutofit/>
+          </a:bodyPr>
+          <a:lstStyle/>
+          <a:p>
+            <a:pPr marL="0" indent="0">
+              <a:buNone/>
+            </a:pPr>
+            <a:r>
+              <a:rPr lang="nl-NL" sz="2000" b="1" noProof="0" dirty="0" err="1"/>
+              <a:t>Mutable</a:t>
+            </a:r>
+            <a:r>
+              <a:rPr lang="nl-NL" sz="2000" b="1" noProof="0" dirty="0"/>
+              <a:t> data</a:t>
+            </a:r>
+          </a:p>
+          <a:p>
+            <a:pPr marL="0" indent="0">
+              <a:buNone/>
+            </a:pPr>
+            <a:endParaRPr lang="nl-NL" sz="2000" noProof="0" dirty="0"/>
+          </a:p>
+          <a:p>
+            <a:pPr marL="0" indent="0">
+              <a:buNone/>
+            </a:pPr>
+            <a:r>
+              <a:rPr lang="nl-NL" sz="2000" b="1" dirty="0" err="1">
+                <a:latin typeface="Courier New" panose="02070309020205020404" pitchFamily="49" charset="0"/>
+                <a:cs typeface="Courier New" panose="02070309020205020404" pitchFamily="49" charset="0"/>
+              </a:rPr>
+              <a:t>def</a:t>
+            </a:r>
+            <a:r>
+              <a:rPr lang="nl-NL" sz="2000" b="1" dirty="0">
+                <a:latin typeface="Courier New" panose="02070309020205020404" pitchFamily="49" charset="0"/>
+                <a:cs typeface="Courier New" panose="02070309020205020404" pitchFamily="49" charset="0"/>
+              </a:rPr>
+              <a:t> test(</a:t>
+            </a:r>
+            <a:r>
+              <a:rPr lang="nl-NL" sz="2000" b="1" dirty="0" err="1">
+                <a:latin typeface="Courier New" panose="02070309020205020404" pitchFamily="49" charset="0"/>
+                <a:cs typeface="Courier New" panose="02070309020205020404" pitchFamily="49" charset="0"/>
+              </a:rPr>
+              <a:t>values</a:t>
+            </a:r>
+            <a:r>
+              <a:rPr lang="nl-NL" sz="2000" b="1" dirty="0">
+                <a:latin typeface="Courier New" panose="02070309020205020404" pitchFamily="49" charset="0"/>
+                <a:cs typeface="Courier New" panose="02070309020205020404" pitchFamily="49" charset="0"/>
+              </a:rPr>
+              <a:t>):</a:t>
+            </a:r>
+          </a:p>
+          <a:p>
+            <a:pPr marL="0" indent="0">
+              <a:buNone/>
+            </a:pPr>
+            <a:r>
+              <a:rPr lang="nl-NL" sz="2000" dirty="0">
+                <a:latin typeface="Courier New" panose="02070309020205020404" pitchFamily="49" charset="0"/>
+                <a:cs typeface="Courier New" panose="02070309020205020404" pitchFamily="49" charset="0"/>
+              </a:rPr>
+              <a:t>  </a:t>
+            </a:r>
+            <a:r>
+              <a:rPr lang="nl-NL" sz="2000" dirty="0" err="1">
+                <a:latin typeface="Courier New" panose="02070309020205020404" pitchFamily="49" charset="0"/>
+                <a:cs typeface="Courier New" panose="02070309020205020404" pitchFamily="49" charset="0"/>
+              </a:rPr>
+              <a:t>values</a:t>
+            </a:r>
+            <a:r>
+              <a:rPr lang="nl-NL" sz="2000" dirty="0">
+                <a:latin typeface="Courier New" panose="02070309020205020404" pitchFamily="49" charset="0"/>
+                <a:cs typeface="Courier New" panose="02070309020205020404" pitchFamily="49" charset="0"/>
+              </a:rPr>
+              <a:t>[0] = None</a:t>
+            </a:r>
+          </a:p>
+          <a:p>
+            <a:pPr marL="0" indent="0">
+              <a:buNone/>
+            </a:pPr>
+            <a:endParaRPr lang="nl-NL" sz="2000" dirty="0">
+              <a:latin typeface="Courier New" panose="02070309020205020404" pitchFamily="49" charset="0"/>
+              <a:cs typeface="Courier New" panose="02070309020205020404" pitchFamily="49" charset="0"/>
+            </a:endParaRPr>
+          </a:p>
+          <a:p>
+            <a:pPr marL="0" indent="0">
+              <a:buNone/>
+            </a:pPr>
+            <a:r>
+              <a:rPr lang="nl-NL" sz="2000" dirty="0" err="1">
+                <a:latin typeface="Courier New" panose="02070309020205020404" pitchFamily="49" charset="0"/>
+                <a:cs typeface="Courier New" panose="02070309020205020404" pitchFamily="49" charset="0"/>
+              </a:rPr>
+              <a:t>values</a:t>
+            </a:r>
+            <a:r>
+              <a:rPr lang="nl-NL" sz="2000" dirty="0">
+                <a:latin typeface="Courier New" panose="02070309020205020404" pitchFamily="49" charset="0"/>
+                <a:cs typeface="Courier New" panose="02070309020205020404" pitchFamily="49" charset="0"/>
+              </a:rPr>
+              <a:t> = [1, 2, 3]</a:t>
+            </a:r>
+            <a:endParaRPr lang="nl-NL" sz="2000" noProof="0" dirty="0">
+              <a:latin typeface="Courier New" panose="02070309020205020404" pitchFamily="49" charset="0"/>
+              <a:cs typeface="Courier New" panose="02070309020205020404" pitchFamily="49" charset="0"/>
+            </a:endParaRPr>
+          </a:p>
+          <a:p>
+            <a:pPr marL="0" indent="0">
+              <a:buNone/>
+            </a:pPr>
+            <a:r>
+              <a:rPr lang="nl-NL" sz="2000" dirty="0">
+                <a:latin typeface="Courier New" panose="02070309020205020404" pitchFamily="49" charset="0"/>
+                <a:cs typeface="Courier New" panose="02070309020205020404" pitchFamily="49" charset="0"/>
+              </a:rPr>
+              <a:t>test(</a:t>
+            </a:r>
+            <a:r>
+              <a:rPr lang="nl-NL" sz="2000" dirty="0" err="1">
+                <a:latin typeface="Courier New" panose="02070309020205020404" pitchFamily="49" charset="0"/>
+                <a:cs typeface="Courier New" panose="02070309020205020404" pitchFamily="49" charset="0"/>
+              </a:rPr>
+              <a:t>values</a:t>
+            </a:r>
+            <a:r>
+              <a:rPr lang="nl-NL" sz="2000" dirty="0">
+                <a:latin typeface="Courier New" panose="02070309020205020404" pitchFamily="49" charset="0"/>
+                <a:cs typeface="Courier New" panose="02070309020205020404" pitchFamily="49" charset="0"/>
+              </a:rPr>
+              <a:t>)</a:t>
+            </a:r>
+          </a:p>
+          <a:p>
+            <a:pPr marL="0" indent="0">
+              <a:buNone/>
+            </a:pPr>
+            <a:endParaRPr lang="nl-NL" sz="2000" noProof="0" dirty="0"/>
+          </a:p>
+          <a:p>
+            <a:pPr marL="0" indent="0">
+              <a:buNone/>
+            </a:pPr>
+            <a:endParaRPr lang="nl-NL" sz="2000" dirty="0"/>
+          </a:p>
+          <a:p>
+            <a:pPr marL="0" indent="0">
+              <a:buNone/>
+            </a:pPr>
+            <a:endParaRPr lang="nl-NL" sz="2000" dirty="0"/>
+          </a:p>
+          <a:p>
+            <a:pPr marL="0" indent="0">
+              <a:buNone/>
+            </a:pPr>
+            <a:r>
+              <a:rPr lang="nl-NL" sz="2000" dirty="0"/>
+              <a:t>Wat is de waarde van </a:t>
+            </a:r>
+            <a:r>
+              <a:rPr lang="nl-NL" sz="2000" dirty="0" err="1">
+                <a:latin typeface="Courier New" panose="02070309020205020404" pitchFamily="49" charset="0"/>
+                <a:cs typeface="Courier New" panose="02070309020205020404" pitchFamily="49" charset="0"/>
+              </a:rPr>
+              <a:t>values</a:t>
+            </a:r>
+            <a:r>
+              <a:rPr lang="nl-NL" sz="2000" dirty="0"/>
+              <a:t>?</a:t>
+            </a:r>
+            <a:endParaRPr lang="nl-NL" sz="2000" noProof="0" dirty="0"/>
+          </a:p>
+        </p:txBody>
+      </p:sp>
+      <p:sp>
+        <p:nvSpPr>
+          <p:cNvPr id="7" name="Rectangle 6">
+            <a:extLst>
+              <a:ext uri="{FF2B5EF4-FFF2-40B4-BE49-F238E27FC236}">
+                <a16:creationId xmlns:a16="http://schemas.microsoft.com/office/drawing/2014/main" id="{337A1CA8-B3F4-84C3-6FE9-2787FC91D918}"/>
+              </a:ext>
+            </a:extLst>
+          </p:cNvPr>
+          <p:cNvSpPr/>
+          <p:nvPr/>
+        </p:nvSpPr>
+        <p:spPr>
+          <a:xfrm>
+            <a:off x="5985937" y="2139950"/>
+            <a:ext cx="4571999" cy="2362200"/>
+          </a:xfrm>
+          <a:prstGeom prst="rect">
+            <a:avLst/>
+          </a:prstGeom>
+        </p:spPr>
+        <p:style>
+          <a:lnRef idx="1">
+            <a:schemeClr val="accent3"/>
+          </a:lnRef>
+          <a:fillRef idx="2">
+            <a:schemeClr val="accent3"/>
+          </a:fillRef>
+          <a:effectRef idx="1">
+            <a:schemeClr val="accent3"/>
+          </a:effectRef>
+          <a:fontRef idx="minor">
+            <a:schemeClr val="dk1"/>
+          </a:fontRef>
+        </p:style>
+        <p:txBody>
+          <a:bodyPr rtlCol="0" anchor="ctr"/>
+          <a:lstStyle/>
+          <a:p>
+            <a:pPr algn="ctr"/>
+            <a:endParaRPr lang="en-NL"/>
+          </a:p>
+        </p:txBody>
+      </p:sp>
+      <p:sp>
+        <p:nvSpPr>
+          <p:cNvPr id="4" name="Content Placeholder 2">
+            <a:extLst>
+              <a:ext uri="{FF2B5EF4-FFF2-40B4-BE49-F238E27FC236}">
+                <a16:creationId xmlns:a16="http://schemas.microsoft.com/office/drawing/2014/main" id="{98EFE1E9-4D56-5081-678F-F94DE9C3DCC6}"/>
+              </a:ext>
+            </a:extLst>
+          </p:cNvPr>
+          <p:cNvSpPr txBox="1">
+            <a:spLocks/>
+          </p:cNvSpPr>
+          <p:nvPr/>
+        </p:nvSpPr>
+        <p:spPr>
+          <a:xfrm>
+            <a:off x="5985937" y="1456267"/>
+            <a:ext cx="4571998" cy="4720696"/>
+          </a:xfrm>
+          <a:prstGeom prst="rect">
+            <a:avLst/>
+          </a:prstGeom>
+        </p:spPr>
+        <p:txBody>
+          <a:bodyPr vert="horz" lIns="91440" tIns="45720" rIns="91440" bIns="45720" rtlCol="0">
+            <a:normAutofit/>
+          </a:bodyPr>
+          <a:lstStyle>
+            <a:lvl1pPr marL="228600" indent="-228600" algn="l" defTabSz="914400" rtl="0" eaLnBrk="1" latinLnBrk="0" hangingPunct="1">
+              <a:lnSpc>
+                <a:spcPct val="90000"/>
+              </a:lnSpc>
+              <a:spcBef>
+                <a:spcPts val="1000"/>
+              </a:spcBef>
+              <a:buFont typeface="Arial" panose="020B0604020202020204" pitchFamily="34" charset="0"/>
+              <a:buChar char="•"/>
+              <a:defRPr sz="2800" kern="1200">
+                <a:solidFill>
+                  <a:schemeClr val="tx1"/>
+                </a:solidFill>
+                <a:latin typeface="+mn-lt"/>
+                <a:ea typeface="+mn-ea"/>
+                <a:cs typeface="+mn-cs"/>
+              </a:defRPr>
+            </a:lvl1pPr>
+            <a:lvl2pPr marL="685800" indent="-228600" algn="l" defTabSz="914400" rtl="0" eaLnBrk="1" latinLnBrk="0" hangingPunct="1">
+              <a:lnSpc>
+                <a:spcPct val="90000"/>
+              </a:lnSpc>
+              <a:spcBef>
+                <a:spcPts val="500"/>
+              </a:spcBef>
+              <a:buFont typeface="Arial" panose="020B0604020202020204" pitchFamily="34" charset="0"/>
+              <a:buChar char="•"/>
+              <a:defRPr sz="2400" kern="1200">
+                <a:solidFill>
+                  <a:schemeClr val="tx1"/>
+                </a:solidFill>
+                <a:latin typeface="+mn-lt"/>
+                <a:ea typeface="+mn-ea"/>
+                <a:cs typeface="+mn-cs"/>
+              </a:defRPr>
+            </a:lvl2pPr>
+            <a:lvl3pPr marL="1143000" indent="-228600" algn="l" defTabSz="914400" rtl="0" eaLnBrk="1" latinLnBrk="0" hangingPunct="1">
+              <a:lnSpc>
+                <a:spcPct val="90000"/>
+              </a:lnSpc>
+              <a:spcBef>
+                <a:spcPts val="500"/>
+              </a:spcBef>
+              <a:buFont typeface="Arial" panose="020B0604020202020204" pitchFamily="34" charset="0"/>
+              <a:buChar char="•"/>
+              <a:defRPr sz="2000" kern="1200">
+                <a:solidFill>
+                  <a:schemeClr val="tx1"/>
+                </a:solidFill>
+                <a:latin typeface="+mn-lt"/>
+                <a:ea typeface="+mn-ea"/>
+                <a:cs typeface="+mn-cs"/>
+              </a:defRPr>
+            </a:lvl3pPr>
+            <a:lvl4pPr marL="1600200" indent="-228600" algn="l" defTabSz="914400" rtl="0" eaLnBrk="1" latinLnBrk="0" hangingPunct="1">
+              <a:lnSpc>
+                <a:spcPct val="90000"/>
+              </a:lnSpc>
+              <a:spcBef>
+                <a:spcPts val="500"/>
+              </a:spcBef>
+              <a:buFont typeface="Arial" panose="020B0604020202020204" pitchFamily="34" charset="0"/>
+              <a:buChar char="•"/>
+              <a:defRPr sz="1800" kern="1200">
+                <a:solidFill>
+                  <a:schemeClr val="tx1"/>
+                </a:solidFill>
+                <a:latin typeface="+mn-lt"/>
+                <a:ea typeface="+mn-ea"/>
+                <a:cs typeface="+mn-cs"/>
+              </a:defRPr>
+            </a:lvl4pPr>
+            <a:lvl5pPr marL="2057400" indent="-228600" algn="l" defTabSz="914400" rtl="0" eaLnBrk="1" latinLnBrk="0" hangingPunct="1">
+              <a:lnSpc>
+                <a:spcPct val="90000"/>
+              </a:lnSpc>
+              <a:spcBef>
+                <a:spcPts val="500"/>
+              </a:spcBef>
+              <a:buFont typeface="Arial" panose="020B0604020202020204" pitchFamily="34" charset="0"/>
+              <a:buChar char="•"/>
+              <a:defRPr sz="1800" kern="1200">
+                <a:solidFill>
+                  <a:schemeClr val="tx1"/>
+                </a:solidFill>
+                <a:latin typeface="+mn-lt"/>
+                <a:ea typeface="+mn-ea"/>
+                <a:cs typeface="+mn-cs"/>
+              </a:defRPr>
+            </a:lvl5pPr>
+            <a:lvl6pPr marL="2514600" indent="-228600" algn="l" defTabSz="914400" rtl="0" eaLnBrk="1" latinLnBrk="0" hangingPunct="1">
+              <a:lnSpc>
+                <a:spcPct val="90000"/>
+              </a:lnSpc>
+              <a:spcBef>
+                <a:spcPts val="500"/>
+              </a:spcBef>
+              <a:buFont typeface="Arial" panose="020B0604020202020204" pitchFamily="34" charset="0"/>
+              <a:buChar char="•"/>
+              <a:defRPr sz="1800" kern="1200">
+                <a:solidFill>
+                  <a:schemeClr val="tx1"/>
+                </a:solidFill>
+                <a:latin typeface="+mn-lt"/>
+                <a:ea typeface="+mn-ea"/>
+                <a:cs typeface="+mn-cs"/>
+              </a:defRPr>
+            </a:lvl6pPr>
+            <a:lvl7pPr marL="2971800" indent="-228600" algn="l" defTabSz="914400" rtl="0" eaLnBrk="1" latinLnBrk="0" hangingPunct="1">
+              <a:lnSpc>
+                <a:spcPct val="90000"/>
+              </a:lnSpc>
+              <a:spcBef>
+                <a:spcPts val="500"/>
+              </a:spcBef>
+              <a:buFont typeface="Arial" panose="020B0604020202020204" pitchFamily="34" charset="0"/>
+              <a:buChar char="•"/>
+              <a:defRPr sz="1800" kern="1200">
+                <a:solidFill>
+                  <a:schemeClr val="tx1"/>
+                </a:solidFill>
+                <a:latin typeface="+mn-lt"/>
+                <a:ea typeface="+mn-ea"/>
+                <a:cs typeface="+mn-cs"/>
+              </a:defRPr>
+            </a:lvl7pPr>
+            <a:lvl8pPr marL="3429000" indent="-228600" algn="l" defTabSz="914400" rtl="0" eaLnBrk="1" latinLnBrk="0" hangingPunct="1">
+              <a:lnSpc>
+                <a:spcPct val="90000"/>
+              </a:lnSpc>
+              <a:spcBef>
+                <a:spcPts val="500"/>
+              </a:spcBef>
+              <a:buFont typeface="Arial" panose="020B0604020202020204" pitchFamily="34" charset="0"/>
+              <a:buChar char="•"/>
+              <a:defRPr sz="1800" kern="1200">
+                <a:solidFill>
+                  <a:schemeClr val="tx1"/>
+                </a:solidFill>
+                <a:latin typeface="+mn-lt"/>
+                <a:ea typeface="+mn-ea"/>
+                <a:cs typeface="+mn-cs"/>
+              </a:defRPr>
+            </a:lvl8pPr>
+            <a:lvl9pPr marL="3886200" indent="-228600" algn="l" defTabSz="914400" rtl="0" eaLnBrk="1" latinLnBrk="0" hangingPunct="1">
+              <a:lnSpc>
+                <a:spcPct val="90000"/>
+              </a:lnSpc>
+              <a:spcBef>
+                <a:spcPts val="500"/>
+              </a:spcBef>
+              <a:buFont typeface="Arial" panose="020B0604020202020204" pitchFamily="34" charset="0"/>
+              <a:buChar char="•"/>
+              <a:defRPr sz="1800" kern="1200">
+                <a:solidFill>
+                  <a:schemeClr val="tx1"/>
+                </a:solidFill>
+                <a:latin typeface="+mn-lt"/>
+                <a:ea typeface="+mn-ea"/>
+                <a:cs typeface="+mn-cs"/>
+              </a:defRPr>
+            </a:lvl9pPr>
+          </a:lstStyle>
+          <a:p>
+            <a:pPr marL="0" indent="0">
+              <a:buNone/>
+            </a:pPr>
+            <a:r>
+              <a:rPr lang="nl-NL" sz="2000" b="1" dirty="0" err="1"/>
+              <a:t>Immutable</a:t>
+            </a:r>
+            <a:r>
+              <a:rPr lang="nl-NL" sz="2000" b="1" dirty="0"/>
+              <a:t> data</a:t>
+            </a:r>
+          </a:p>
+          <a:p>
+            <a:pPr marL="0" indent="0">
+              <a:buNone/>
+            </a:pPr>
+            <a:endParaRPr lang="nl-NL" sz="2000" dirty="0"/>
+          </a:p>
+          <a:p>
+            <a:pPr marL="0" indent="0">
+              <a:buNone/>
+            </a:pPr>
+            <a:r>
+              <a:rPr lang="nl-NL" sz="2000" b="1" dirty="0" err="1">
+                <a:latin typeface="Courier New" panose="02070309020205020404" pitchFamily="49" charset="0"/>
+                <a:cs typeface="Courier New" panose="02070309020205020404" pitchFamily="49" charset="0"/>
+              </a:rPr>
+              <a:t>def</a:t>
+            </a:r>
+            <a:r>
+              <a:rPr lang="nl-NL" sz="2000" b="1" dirty="0">
+                <a:latin typeface="Courier New" panose="02070309020205020404" pitchFamily="49" charset="0"/>
+                <a:cs typeface="Courier New" panose="02070309020205020404" pitchFamily="49" charset="0"/>
+              </a:rPr>
+              <a:t> test(</a:t>
+            </a:r>
+            <a:r>
+              <a:rPr lang="nl-NL" sz="2000" b="1" dirty="0" err="1">
+                <a:latin typeface="Courier New" panose="02070309020205020404" pitchFamily="49" charset="0"/>
+                <a:cs typeface="Courier New" panose="02070309020205020404" pitchFamily="49" charset="0"/>
+              </a:rPr>
+              <a:t>value</a:t>
+            </a:r>
+            <a:r>
+              <a:rPr lang="nl-NL" sz="2000" b="1" dirty="0">
+                <a:latin typeface="Courier New" panose="02070309020205020404" pitchFamily="49" charset="0"/>
+                <a:cs typeface="Courier New" panose="02070309020205020404" pitchFamily="49" charset="0"/>
+              </a:rPr>
+              <a:t>):</a:t>
+            </a:r>
+          </a:p>
+          <a:p>
+            <a:pPr marL="0" indent="0">
+              <a:buNone/>
+            </a:pPr>
+            <a:r>
+              <a:rPr lang="nl-NL" sz="2000" dirty="0">
+                <a:latin typeface="Courier New" panose="02070309020205020404" pitchFamily="49" charset="0"/>
+                <a:cs typeface="Courier New" panose="02070309020205020404" pitchFamily="49" charset="0"/>
+              </a:rPr>
+              <a:t>  </a:t>
+            </a:r>
+            <a:r>
+              <a:rPr lang="nl-NL" sz="2000" dirty="0" err="1">
+                <a:latin typeface="Courier New" panose="02070309020205020404" pitchFamily="49" charset="0"/>
+                <a:cs typeface="Courier New" panose="02070309020205020404" pitchFamily="49" charset="0"/>
+              </a:rPr>
+              <a:t>value</a:t>
+            </a:r>
+            <a:r>
+              <a:rPr lang="nl-NL" sz="2000" dirty="0">
+                <a:latin typeface="Courier New" panose="02070309020205020404" pitchFamily="49" charset="0"/>
+                <a:cs typeface="Courier New" panose="02070309020205020404" pitchFamily="49" charset="0"/>
+              </a:rPr>
+              <a:t> = None</a:t>
+            </a:r>
+          </a:p>
+          <a:p>
+            <a:pPr marL="0" indent="0">
+              <a:buNone/>
+            </a:pPr>
+            <a:endParaRPr lang="nl-NL" sz="2000" dirty="0">
+              <a:latin typeface="Courier New" panose="02070309020205020404" pitchFamily="49" charset="0"/>
+              <a:cs typeface="Courier New" panose="02070309020205020404" pitchFamily="49" charset="0"/>
+            </a:endParaRPr>
+          </a:p>
+          <a:p>
+            <a:pPr marL="0" indent="0">
+              <a:buNone/>
+            </a:pPr>
+            <a:r>
+              <a:rPr lang="nl-NL" sz="2000" dirty="0" err="1">
+                <a:latin typeface="Courier New" panose="02070309020205020404" pitchFamily="49" charset="0"/>
+                <a:cs typeface="Courier New" panose="02070309020205020404" pitchFamily="49" charset="0"/>
+              </a:rPr>
+              <a:t>value</a:t>
+            </a:r>
+            <a:r>
+              <a:rPr lang="nl-NL" sz="2000" dirty="0">
+                <a:latin typeface="Courier New" panose="02070309020205020404" pitchFamily="49" charset="0"/>
+                <a:cs typeface="Courier New" panose="02070309020205020404" pitchFamily="49" charset="0"/>
+              </a:rPr>
+              <a:t> = 3</a:t>
+            </a:r>
+          </a:p>
+          <a:p>
+            <a:pPr marL="0" indent="0">
+              <a:buNone/>
+            </a:pPr>
+            <a:r>
+              <a:rPr lang="nl-NL" sz="2000" dirty="0">
+                <a:latin typeface="Courier New" panose="02070309020205020404" pitchFamily="49" charset="0"/>
+                <a:cs typeface="Courier New" panose="02070309020205020404" pitchFamily="49" charset="0"/>
+              </a:rPr>
+              <a:t>test(</a:t>
+            </a:r>
+            <a:r>
+              <a:rPr lang="nl-NL" sz="2000" dirty="0" err="1">
+                <a:latin typeface="Courier New" panose="02070309020205020404" pitchFamily="49" charset="0"/>
+                <a:cs typeface="Courier New" panose="02070309020205020404" pitchFamily="49" charset="0"/>
+              </a:rPr>
+              <a:t>value</a:t>
+            </a:r>
+            <a:r>
+              <a:rPr lang="nl-NL" sz="2000" dirty="0">
+                <a:latin typeface="Courier New" panose="02070309020205020404" pitchFamily="49" charset="0"/>
+                <a:cs typeface="Courier New" panose="02070309020205020404" pitchFamily="49" charset="0"/>
+              </a:rPr>
+              <a:t>)</a:t>
+            </a:r>
+          </a:p>
+          <a:p>
+            <a:pPr marL="0" indent="0">
+              <a:buNone/>
+            </a:pPr>
+            <a:endParaRPr lang="nl-NL" sz="2000" dirty="0">
+              <a:latin typeface="Courier New" panose="02070309020205020404" pitchFamily="49" charset="0"/>
+              <a:cs typeface="Courier New" panose="02070309020205020404" pitchFamily="49" charset="0"/>
+            </a:endParaRPr>
+          </a:p>
+          <a:p>
+            <a:pPr marL="0" indent="0">
+              <a:buNone/>
+            </a:pPr>
+            <a:endParaRPr lang="nl-NL" sz="2000" dirty="0">
+              <a:cs typeface="Courier New" panose="02070309020205020404" pitchFamily="49" charset="0"/>
+            </a:endParaRPr>
+          </a:p>
+          <a:p>
+            <a:pPr marL="0" indent="0">
+              <a:buNone/>
+            </a:pPr>
+            <a:endParaRPr lang="nl-NL" sz="2000" dirty="0">
+              <a:cs typeface="Courier New" panose="02070309020205020404" pitchFamily="49" charset="0"/>
+            </a:endParaRPr>
+          </a:p>
+          <a:p>
+            <a:pPr marL="0" indent="0">
+              <a:buNone/>
+            </a:pPr>
+            <a:r>
+              <a:rPr lang="nl-NL" sz="2000" dirty="0"/>
+              <a:t>Wat is de waarde van </a:t>
+            </a:r>
+            <a:r>
+              <a:rPr lang="nl-NL" sz="2000" dirty="0" err="1">
+                <a:latin typeface="Courier New" panose="02070309020205020404" pitchFamily="49" charset="0"/>
+                <a:cs typeface="Courier New" panose="02070309020205020404" pitchFamily="49" charset="0"/>
+              </a:rPr>
+              <a:t>value</a:t>
+            </a:r>
+            <a:r>
+              <a:rPr lang="nl-NL" sz="2000" dirty="0"/>
+              <a:t>?</a:t>
+            </a:r>
+            <a:endParaRPr lang="nl-NL" sz="2000" noProof="0" dirty="0"/>
+          </a:p>
+          <a:p>
+            <a:pPr marL="0" indent="0">
+              <a:buNone/>
+            </a:pPr>
+            <a:endParaRPr lang="nl-NL" sz="2000" dirty="0">
+              <a:cs typeface="Courier New" panose="02070309020205020404" pitchFamily="49" charset="0"/>
+            </a:endParaRPr>
+          </a:p>
+        </p:txBody>
+      </p:sp>
+      <p:sp>
+        <p:nvSpPr>
+          <p:cNvPr id="2" name="Title 1">
+            <a:extLst>
+              <a:ext uri="{FF2B5EF4-FFF2-40B4-BE49-F238E27FC236}">
+                <a16:creationId xmlns:a16="http://schemas.microsoft.com/office/drawing/2014/main" id="{39A1D606-8DD1-369C-5C09-471CDD551AD5}"/>
               </a:ext>
             </a:extLst>
           </p:cNvPr>
@@ -3493,48 +4165,67 @@
             <p:ph type="title"/>
           </p:nvPr>
         </p:nvSpPr>
-        <p:spPr/>
+        <p:spPr>
+          <a:xfrm>
+            <a:off x="838200" y="365126"/>
+            <a:ext cx="10515600" cy="718608"/>
+          </a:xfrm>
+        </p:spPr>
         <p:txBody>
-          <a:bodyPr/>
+          <a:bodyPr>
+            <a:normAutofit/>
+          </a:bodyPr>
           <a:lstStyle/>
           <a:p>
             <a:r>
-              <a:rPr lang="nl-NL" noProof="0" dirty="0" err="1"/>
-              <a:t>Logging</a:t>
-            </a:r>
-            <a:endParaRPr lang="nl-NL" noProof="0" dirty="0"/>
+              <a:rPr lang="nl-NL" sz="3600" noProof="0" dirty="0"/>
+              <a:t>Waarom is het relevant?</a:t>
+            </a:r>
           </a:p>
         </p:txBody>
       </p:sp>
-      <p:sp>
-        <p:nvSpPr>
-          <p:cNvPr id="5" name="Text Placeholder 4">
-            <a:extLst>
-              <a:ext uri="{FF2B5EF4-FFF2-40B4-BE49-F238E27FC236}">
-                <a16:creationId xmlns:a16="http://schemas.microsoft.com/office/drawing/2014/main" id="{1AB31C95-91AF-DF13-FB58-0DA5F2D9F6F7}"/>
-              </a:ext>
-            </a:extLst>
-          </p:cNvPr>
-          <p:cNvSpPr>
-            <a:spLocks noGrp="1"/>
-          </p:cNvSpPr>
-          <p:nvPr>
-            <p:ph type="body" idx="1"/>
-          </p:nvPr>
-        </p:nvSpPr>
-        <p:spPr/>
-        <p:txBody>
-          <a:bodyPr/>
-          <a:lstStyle/>
-          <a:p>
-            <a:endParaRPr lang="en-NL"/>
-          </a:p>
-        </p:txBody>
-      </p:sp>
+      <p:cxnSp>
+        <p:nvCxnSpPr>
+          <p:cNvPr id="6" name="Straight Connector 5">
+            <a:extLst>
+              <a:ext uri="{FF2B5EF4-FFF2-40B4-BE49-F238E27FC236}">
+                <a16:creationId xmlns:a16="http://schemas.microsoft.com/office/drawing/2014/main" id="{7F162173-AD9E-1ED9-F92B-186066229DD6}"/>
+              </a:ext>
+            </a:extLst>
+          </p:cNvPr>
+          <p:cNvCxnSpPr>
+            <a:cxnSpLocks/>
+          </p:cNvCxnSpPr>
+          <p:nvPr/>
+        </p:nvCxnSpPr>
+        <p:spPr>
+          <a:xfrm>
+            <a:off x="5655733" y="1456267"/>
+            <a:ext cx="0" cy="4809066"/>
+          </a:xfrm>
+          <a:prstGeom prst="line">
+            <a:avLst/>
+          </a:prstGeom>
+        </p:spPr>
+        <p:style>
+          <a:lnRef idx="3">
+            <a:schemeClr val="dk1"/>
+          </a:lnRef>
+          <a:fillRef idx="0">
+            <a:schemeClr val="dk1"/>
+          </a:fillRef>
+          <a:effectRef idx="2">
+            <a:schemeClr val="dk1"/>
+          </a:effectRef>
+          <a:fontRef idx="minor">
+            <a:schemeClr val="tx1"/>
+          </a:fontRef>
+        </p:style>
+      </p:cxnSp>
     </p:spTree>
     <p:extLst>
       <p:ext uri="{BB962C8B-B14F-4D97-AF65-F5344CB8AC3E}">
-        <p14:creationId xmlns:p14="http://schemas.microsoft.com/office/powerpoint/2010/main" val="530448944"/>
+        <p14:creationId xmlns:p14="http://schemas.microsoft.com/office/powerpoint/2010/main" val="1145985773"/>
       </p:ext>
     </p:extLst>
   </p:cSld>
@@ -3563,6 +4254,90 @@
       </p:grpSpPr>
       <p:sp>
         <p:nvSpPr>
+          <p:cNvPr id="4" name="Title 3">
+            <a:extLst>
+              <a:ext uri="{FF2B5EF4-FFF2-40B4-BE49-F238E27FC236}">
+                <a16:creationId xmlns:a16="http://schemas.microsoft.com/office/drawing/2014/main" id="{72C925CA-BCA3-3701-E08E-95652380B32E}"/>
+              </a:ext>
+            </a:extLst>
+          </p:cNvPr>
+          <p:cNvSpPr>
+            <a:spLocks noGrp="1"/>
+          </p:cNvSpPr>
+          <p:nvPr>
+            <p:ph type="title"/>
+          </p:nvPr>
+        </p:nvSpPr>
+        <p:spPr/>
+        <p:txBody>
+          <a:bodyPr/>
+          <a:lstStyle/>
+          <a:p>
+            <a:r>
+              <a:rPr lang="nl-NL" noProof="0" dirty="0" err="1"/>
+              <a:t>Logging</a:t>
+            </a:r>
+            <a:endParaRPr lang="nl-NL" noProof="0" dirty="0"/>
+          </a:p>
+        </p:txBody>
+      </p:sp>
+      <p:sp>
+        <p:nvSpPr>
+          <p:cNvPr id="5" name="Text Placeholder 4">
+            <a:extLst>
+              <a:ext uri="{FF2B5EF4-FFF2-40B4-BE49-F238E27FC236}">
+                <a16:creationId xmlns:a16="http://schemas.microsoft.com/office/drawing/2014/main" id="{1AB31C95-91AF-DF13-FB58-0DA5F2D9F6F7}"/>
+              </a:ext>
+            </a:extLst>
+          </p:cNvPr>
+          <p:cNvSpPr>
+            <a:spLocks noGrp="1"/>
+          </p:cNvSpPr>
+          <p:nvPr>
+            <p:ph type="body" idx="1"/>
+          </p:nvPr>
+        </p:nvSpPr>
+        <p:spPr/>
+        <p:txBody>
+          <a:bodyPr/>
+          <a:lstStyle/>
+          <a:p>
+            <a:endParaRPr lang="en-NL"/>
+          </a:p>
+        </p:txBody>
+      </p:sp>
+    </p:spTree>
+    <p:extLst>
+      <p:ext uri="{BB962C8B-B14F-4D97-AF65-F5344CB8AC3E}">
+        <p14:creationId xmlns:p14="http://schemas.microsoft.com/office/powerpoint/2010/main" val="530448944"/>
+      </p:ext>
+    </p:extLst>
+  </p:cSld>
+  <p:clrMapOvr>
+    <a:masterClrMapping/>
+  </p:clrMapOvr>
+</p:sld>
+</file>
+
+<file path=ppt/slides/slide12.xml><?xml version="1.0" encoding="utf-8"?>
+<p:sld xmlns:a="http://schemas.openxmlformats.org/drawingml/2006/main" xmlns:r="http://schemas.openxmlformats.org/officeDocument/2006/relationships" xmlns:p="http://schemas.openxmlformats.org/presentationml/2006/main">
+  <p:cSld>
+    <p:spTree>
+      <p:nvGrpSpPr>
+        <p:cNvPr id="1" name=""/>
+        <p:cNvGrpSpPr/>
+        <p:nvPr/>
+      </p:nvGrpSpPr>
+      <p:grpSpPr>
+        <a:xfrm>
+          <a:off x="0" y="0"/>
+          <a:ext cx="0" cy="0"/>
+          <a:chOff x="0" y="0"/>
+          <a:chExt cx="0" cy="0"/>
+        </a:xfrm>
+      </p:grpSpPr>
+      <p:sp>
+        <p:nvSpPr>
           <p:cNvPr id="2" name="Title 1">
             <a:extLst>
               <a:ext uri="{FF2B5EF4-FFF2-40B4-BE49-F238E27FC236}">
@@ -3590,13 +4365,14 @@
           <a:lstStyle/>
           <a:p>
             <a:r>
+              <a:rPr lang="nl-NL" sz="3600" noProof="0" dirty="0"/>
+              <a:t>Print versus </a:t>
+            </a:r>
+            <a:r>
               <a:rPr lang="nl-NL" sz="3600" noProof="0" dirty="0" err="1"/>
-              <a:t>Logging</a:t>
-            </a:r>
-            <a:r>
-              <a:rPr lang="nl-NL" sz="3600" noProof="0" dirty="0"/>
-              <a:t> versus print</a:t>
-            </a:r>
+              <a:t>logging</a:t>
+            </a:r>
+            <a:endParaRPr lang="nl-NL" sz="3600" noProof="0" dirty="0"/>
           </a:p>
         </p:txBody>
       </p:sp>
@@ -3632,70 +4408,92 @@
               <a:buNone/>
             </a:pPr>
             <a:r>
-              <a:rPr lang="nl-NL" sz="2000" b="1" noProof="0" dirty="0" err="1"/>
-              <a:t>Logging</a:t>
-            </a:r>
-            <a:endParaRPr lang="nl-NL" sz="2000" b="1" noProof="0" dirty="0"/>
-          </a:p>
-          <a:p>
-            <a:pPr marL="0" indent="0">
-              <a:buNone/>
-            </a:pPr>
-            <a:endParaRPr lang="nl-NL" sz="2000" noProof="0" dirty="0"/>
-          </a:p>
-          <a:p>
-            <a:pPr marL="0" indent="0">
-              <a:buNone/>
-            </a:pPr>
-            <a:r>
-              <a:rPr lang="nl-NL" sz="2000" noProof="0" dirty="0"/>
-              <a:t>Helpt codebase stabiel draaiend te houden.</a:t>
-            </a:r>
-          </a:p>
-          <a:p>
-            <a:pPr marL="0" indent="0">
-              <a:buNone/>
-            </a:pPr>
-            <a:endParaRPr lang="nl-NL" sz="2000" noProof="0" dirty="0"/>
-          </a:p>
-          <a:p>
-            <a:pPr marL="0" indent="0">
-              <a:buNone/>
-            </a:pPr>
-            <a:r>
-              <a:rPr lang="nl-NL" sz="2000" noProof="0" dirty="0"/>
-              <a:t>Geeft meer controle door verschillende niveaus (vb. debug / info / error).</a:t>
-            </a:r>
-          </a:p>
-          <a:p>
-            <a:pPr marL="0" indent="0">
-              <a:buNone/>
-            </a:pPr>
-            <a:endParaRPr lang="nl-NL" sz="2000" noProof="0" dirty="0"/>
-          </a:p>
-          <a:p>
-            <a:pPr marL="0" indent="0">
-              <a:buNone/>
-            </a:pPr>
-            <a:r>
-              <a:rPr lang="nl-NL" sz="2000" noProof="0" dirty="0"/>
-              <a:t>Geeft standaard extra informatie mee, zoals tijdstip, locatie in de code.</a:t>
-            </a:r>
-          </a:p>
-          <a:p>
-            <a:pPr marL="0" indent="0">
-              <a:buNone/>
-            </a:pPr>
-            <a:endParaRPr lang="nl-NL" sz="2000" noProof="0" dirty="0"/>
-          </a:p>
-          <a:p>
-            <a:pPr marL="0" indent="0">
-              <a:buNone/>
-            </a:pPr>
-            <a:r>
-              <a:rPr lang="nl-NL" sz="2000" noProof="0" dirty="0"/>
-              <a:t>Meer kanalen dan alleen de terminal.</a:t>
-            </a:r>
+              <a:rPr lang="nl-NL" sz="2000" b="1" dirty="0"/>
+              <a:t>Print</a:t>
+            </a:r>
+          </a:p>
+          <a:p>
+            <a:pPr marL="0" indent="0">
+              <a:buNone/>
+            </a:pPr>
+            <a:endParaRPr lang="nl-NL" sz="2000" dirty="0"/>
+          </a:p>
+          <a:p>
+            <a:pPr marL="0" indent="0">
+              <a:buNone/>
+            </a:pPr>
+            <a:r>
+              <a:rPr lang="nl-NL" sz="2000" dirty="0"/>
+              <a:t>Handig voor snelle, eenvoudige</a:t>
+            </a:r>
+          </a:p>
+          <a:p>
+            <a:pPr marL="0" indent="0">
+              <a:buNone/>
+            </a:pPr>
+            <a:r>
+              <a:rPr lang="nl-NL" sz="2000" dirty="0"/>
+              <a:t>interactieve </a:t>
+            </a:r>
+            <a:r>
+              <a:rPr lang="nl-NL" sz="2000" dirty="0" err="1"/>
+              <a:t>debugging</a:t>
+            </a:r>
+            <a:r>
+              <a:rPr lang="nl-NL" sz="2000" dirty="0"/>
+              <a:t>.</a:t>
+            </a:r>
+          </a:p>
+          <a:p>
+            <a:pPr marL="0" indent="0">
+              <a:buNone/>
+            </a:pPr>
+            <a:endParaRPr lang="nl-NL" sz="2000" dirty="0"/>
+          </a:p>
+          <a:p>
+            <a:pPr marL="0" indent="0">
+              <a:buNone/>
+            </a:pPr>
+            <a:r>
+              <a:rPr lang="nl-NL" sz="2000" dirty="0"/>
+              <a:t>Print alleen naar de terminal.</a:t>
+            </a:r>
+          </a:p>
+          <a:p>
+            <a:pPr marL="0" indent="0">
+              <a:buNone/>
+            </a:pPr>
+            <a:endParaRPr lang="nl-NL" sz="2000" dirty="0"/>
+          </a:p>
+          <a:p>
+            <a:pPr marL="0" indent="0">
+              <a:buNone/>
+            </a:pPr>
+            <a:r>
+              <a:rPr lang="nl-NL" sz="2000" dirty="0"/>
+              <a:t>Print alleen wat je opgeeft; geen extra diagnostische informatie.</a:t>
+            </a:r>
+          </a:p>
+          <a:p>
+            <a:pPr marL="0" indent="0">
+              <a:buNone/>
+            </a:pPr>
+            <a:endParaRPr lang="nl-NL" sz="2000" dirty="0"/>
+          </a:p>
+          <a:p>
+            <a:pPr marL="0" indent="0">
+              <a:buNone/>
+            </a:pPr>
+            <a:r>
+              <a:rPr lang="nl-NL" sz="2000" dirty="0"/>
+              <a:t>Print kent geen verschillende niveaus; je print iets wel of niet.</a:t>
+            </a:r>
+          </a:p>
+          <a:p>
+            <a:pPr marL="0" indent="0">
+              <a:buNone/>
+            </a:pPr>
+            <a:endParaRPr lang="nl-NL" sz="2000" dirty="0"/>
           </a:p>
         </p:txBody>
       </p:sp>
@@ -3895,76 +4693,75 @@
               <a:buNone/>
             </a:pPr>
             <a:r>
-              <a:rPr lang="nl-NL" sz="2000" b="1" dirty="0"/>
-              <a:t>Print</a:t>
-            </a:r>
-          </a:p>
-          <a:p>
-            <a:pPr marL="0" indent="0">
-              <a:buNone/>
-            </a:pPr>
-            <a:endParaRPr lang="nl-NL" sz="2000" dirty="0"/>
-          </a:p>
-          <a:p>
-            <a:pPr marL="0" indent="0">
-              <a:buNone/>
-            </a:pPr>
-            <a:r>
-              <a:rPr lang="nl-NL" sz="2000" dirty="0"/>
-              <a:t>Handig voor snelle, eenvoudige, interactieve </a:t>
-            </a:r>
-            <a:r>
-              <a:rPr lang="nl-NL" sz="2000" dirty="0" err="1"/>
-              <a:t>debugging</a:t>
-            </a:r>
-            <a:r>
-              <a:rPr lang="nl-NL" sz="2000" dirty="0"/>
-              <a:t>.</a:t>
-            </a:r>
-          </a:p>
-          <a:p>
-            <a:pPr marL="0" indent="0">
-              <a:buNone/>
-            </a:pPr>
-            <a:endParaRPr lang="nl-NL" sz="2000" dirty="0"/>
-          </a:p>
-          <a:p>
-            <a:pPr marL="0" indent="0">
-              <a:buNone/>
-            </a:pPr>
-            <a:r>
-              <a:rPr lang="nl-NL" sz="2000" dirty="0"/>
-              <a:t>Print kent geen verschillende niveaus; je print iets wel of niet.</a:t>
-            </a:r>
-          </a:p>
-          <a:p>
-            <a:pPr marL="0" indent="0">
-              <a:buNone/>
-            </a:pPr>
-            <a:endParaRPr lang="nl-NL" sz="2000" dirty="0"/>
-          </a:p>
-          <a:p>
-            <a:pPr marL="0" indent="0">
-              <a:buNone/>
-            </a:pPr>
-            <a:r>
-              <a:rPr lang="nl-NL" sz="2000" dirty="0"/>
-              <a:t>Extra informatie moet via eigen code worden toegevoegd.</a:t>
-            </a:r>
-          </a:p>
-          <a:p>
-            <a:pPr marL="0" indent="0">
-              <a:buNone/>
-            </a:pPr>
-            <a:endParaRPr lang="nl-NL" sz="2000" dirty="0"/>
-          </a:p>
-          <a:p>
-            <a:pPr marL="0" indent="0">
-              <a:buNone/>
-            </a:pPr>
-            <a:r>
-              <a:rPr lang="nl-NL" sz="2000" dirty="0"/>
-              <a:t>Print alleen naar de terminal.</a:t>
+              <a:rPr lang="nl-NL" sz="2000" b="1" noProof="0" dirty="0" err="1"/>
+              <a:t>Logging</a:t>
+            </a:r>
+            <a:endParaRPr lang="nl-NL" sz="2000" b="1" noProof="0" dirty="0"/>
+          </a:p>
+          <a:p>
+            <a:pPr marL="0" indent="0">
+              <a:buNone/>
+            </a:pPr>
+            <a:endParaRPr lang="nl-NL" sz="2000" noProof="0" dirty="0"/>
+          </a:p>
+          <a:p>
+            <a:pPr marL="0" indent="0">
+              <a:buNone/>
+            </a:pPr>
+            <a:r>
+              <a:rPr lang="nl-NL" sz="2000" noProof="0" dirty="0"/>
+              <a:t>Helpt codebase stabiel draaiend te houden.</a:t>
+            </a:r>
+          </a:p>
+          <a:p>
+            <a:pPr marL="0" indent="0">
+              <a:buNone/>
+            </a:pPr>
+            <a:endParaRPr lang="nl-NL" sz="2000" noProof="0" dirty="0"/>
+          </a:p>
+          <a:p>
+            <a:pPr marL="0" indent="0">
+              <a:buNone/>
+            </a:pPr>
+            <a:endParaRPr lang="nl-NL" sz="2000" noProof="0" dirty="0"/>
+          </a:p>
+          <a:p>
+            <a:pPr marL="0" indent="0">
+              <a:buNone/>
+            </a:pPr>
+            <a:r>
+              <a:rPr lang="nl-NL" sz="2000" noProof="0" dirty="0"/>
+              <a:t>Meer kanalen dan alleen de terminal.</a:t>
+            </a:r>
+          </a:p>
+          <a:p>
+            <a:pPr marL="0" indent="0">
+              <a:buNone/>
+            </a:pPr>
+            <a:endParaRPr lang="nl-NL" sz="2000" noProof="0" dirty="0"/>
+          </a:p>
+          <a:p>
+            <a:pPr marL="0" indent="0">
+              <a:buNone/>
+            </a:pPr>
+            <a:r>
+              <a:rPr lang="nl-NL" sz="2000" noProof="0" dirty="0"/>
+              <a:t>Extra informatie beschikbaar, zoals tijdstip, regelnummer, functienaam.</a:t>
+            </a:r>
+          </a:p>
+          <a:p>
+            <a:pPr marL="0" indent="0">
+              <a:buNone/>
+            </a:pPr>
+            <a:endParaRPr lang="nl-NL" sz="2000" noProof="0" dirty="0"/>
+          </a:p>
+          <a:p>
+            <a:pPr marL="0" indent="0">
+              <a:buNone/>
+            </a:pPr>
+            <a:r>
+              <a:rPr lang="nl-NL" sz="2000" noProof="0" dirty="0"/>
+              <a:t>Geeft meer controle door verschillende niveaus (vb. debug / info / error).</a:t>
             </a:r>
           </a:p>
         </p:txBody>
@@ -4020,7 +4817,7 @@
 </p:sld>
 </file>
 
-<file path=ppt/slides/slide12.xml><?xml version="1.0" encoding="utf-8"?>
+<file path=ppt/slides/slide13.xml><?xml version="1.0" encoding="utf-8"?>
 <p:sld xmlns:a="http://schemas.openxmlformats.org/drawingml/2006/main" xmlns:r="http://schemas.openxmlformats.org/officeDocument/2006/relationships" xmlns:p="http://schemas.openxmlformats.org/presentationml/2006/main">
   <p:cSld>
     <p:spTree>
@@ -4234,22 +5031,7 @@
             </a:pPr>
             <a:r>
               <a:rPr lang="nl-NL" sz="2000" dirty="0"/>
-              <a:t>Python maakt altijd een root logger aan.</a:t>
-            </a:r>
-          </a:p>
-          <a:p>
-            <a:pPr marL="0" indent="0">
-              <a:buNone/>
-            </a:pPr>
-            <a:endParaRPr lang="nl-NL" sz="2000" dirty="0"/>
-          </a:p>
-          <a:p>
-            <a:pPr marL="0" indent="0">
-              <a:buNone/>
-            </a:pPr>
-            <a:r>
-              <a:rPr lang="nl-NL" sz="2000" dirty="0"/>
-              <a:t>Deze root logger is direct toegankelijk via:</a:t>
+              <a:t>Je kunt loggen op 5 niveaus:</a:t>
             </a:r>
           </a:p>
           <a:p>
@@ -4257,7 +5039,24 @@
               <a:buFontTx/>
               <a:buChar char="-"/>
             </a:pPr>
-            <a:endParaRPr lang="nl-NL" sz="2000" dirty="0"/>
+            <a:r>
+              <a:rPr lang="nl-NL" sz="1800" dirty="0">
+                <a:latin typeface="Courier New" panose="02070309020205020404" pitchFamily="49" charset="0"/>
+                <a:cs typeface="Courier New" panose="02070309020205020404" pitchFamily="49" charset="0"/>
+              </a:rPr>
+              <a:t>10 = </a:t>
+            </a:r>
+            <a:r>
+              <a:rPr lang="nl-NL" sz="1800" dirty="0" err="1">
+                <a:latin typeface="Courier New" panose="02070309020205020404" pitchFamily="49" charset="0"/>
+                <a:cs typeface="Courier New" panose="02070309020205020404" pitchFamily="49" charset="0"/>
+              </a:rPr>
+              <a:t>logging.DEBUG</a:t>
+            </a:r>
+            <a:endParaRPr lang="nl-NL" sz="1800" dirty="0">
+              <a:latin typeface="Courier New" panose="02070309020205020404" pitchFamily="49" charset="0"/>
+              <a:cs typeface="Courier New" panose="02070309020205020404" pitchFamily="49" charset="0"/>
+            </a:endParaRPr>
           </a:p>
           <a:p>
             <a:pPr>
@@ -4265,13 +5064,33 @@
               <a:buChar char="-"/>
             </a:pPr>
             <a:r>
-              <a:rPr lang="nl-NL" sz="2000" dirty="0" err="1">
-                <a:latin typeface="Courier New" panose="02070309020205020404" pitchFamily="49" charset="0"/>
-                <a:cs typeface="Courier New" panose="02070309020205020404" pitchFamily="49" charset="0"/>
-              </a:rPr>
-              <a:t>logging</a:t>
-            </a:r>
-            <a:endParaRPr lang="nl-NL" sz="2000" dirty="0">
+              <a:rPr lang="nl-NL" sz="1800" dirty="0">
+                <a:latin typeface="Courier New" panose="02070309020205020404" pitchFamily="49" charset="0"/>
+                <a:cs typeface="Courier New" panose="02070309020205020404" pitchFamily="49" charset="0"/>
+              </a:rPr>
+              <a:t>20 = logging.INFO</a:t>
+            </a:r>
+          </a:p>
+          <a:p>
+            <a:pPr>
+              <a:buFontTx/>
+              <a:buChar char="-"/>
+            </a:pPr>
+            <a:r>
+              <a:rPr lang="nl-NL" sz="1800" dirty="0">
+                <a:latin typeface="Courier New" panose="02070309020205020404" pitchFamily="49" charset="0"/>
+                <a:cs typeface="Courier New" panose="02070309020205020404" pitchFamily="49" charset="0"/>
+              </a:rPr>
+              <a:t>30 = </a:t>
+            </a:r>
+            <a:r>
+              <a:rPr lang="nl-NL" sz="1800" dirty="0" err="1">
+                <a:latin typeface="Courier New" panose="02070309020205020404" pitchFamily="49" charset="0"/>
+                <a:cs typeface="Courier New" panose="02070309020205020404" pitchFamily="49" charset="0"/>
+              </a:rPr>
+              <a:t>logging.WARNING</a:t>
+            </a:r>
+            <a:endParaRPr lang="nl-NL" sz="1800" dirty="0">
               <a:latin typeface="Courier New" panose="02070309020205020404" pitchFamily="49" charset="0"/>
               <a:cs typeface="Courier New" panose="02070309020205020404" pitchFamily="49" charset="0"/>
             </a:endParaRPr>
@@ -4282,42 +5101,148 @@
               <a:buChar char="-"/>
             </a:pPr>
             <a:r>
-              <a:rPr lang="nl-NL" sz="2000" dirty="0" err="1">
-                <a:latin typeface="Courier New" panose="02070309020205020404" pitchFamily="49" charset="0"/>
-                <a:cs typeface="Courier New" panose="02070309020205020404" pitchFamily="49" charset="0"/>
-              </a:rPr>
-              <a:t>logging.getLogger</a:t>
-            </a:r>
+              <a:rPr lang="nl-NL" sz="1800" dirty="0">
+                <a:latin typeface="Courier New" panose="02070309020205020404" pitchFamily="49" charset="0"/>
+                <a:cs typeface="Courier New" panose="02070309020205020404" pitchFamily="49" charset="0"/>
+              </a:rPr>
+              <a:t>40 = </a:t>
+            </a:r>
+            <a:r>
+              <a:rPr lang="nl-NL" sz="1800" dirty="0" err="1">
+                <a:latin typeface="Courier New" panose="02070309020205020404" pitchFamily="49" charset="0"/>
+                <a:cs typeface="Courier New" panose="02070309020205020404" pitchFamily="49" charset="0"/>
+              </a:rPr>
+              <a:t>logging.ERROR</a:t>
+            </a:r>
+            <a:endParaRPr lang="nl-NL" sz="1800" dirty="0">
+              <a:latin typeface="Courier New" panose="02070309020205020404" pitchFamily="49" charset="0"/>
+              <a:cs typeface="Courier New" panose="02070309020205020404" pitchFamily="49" charset="0"/>
+            </a:endParaRPr>
+          </a:p>
+          <a:p>
+            <a:pPr>
+              <a:buFontTx/>
+              <a:buChar char="-"/>
+            </a:pPr>
+            <a:r>
+              <a:rPr lang="nl-NL" sz="1800" dirty="0">
+                <a:latin typeface="Courier New" panose="02070309020205020404" pitchFamily="49" charset="0"/>
+                <a:cs typeface="Courier New" panose="02070309020205020404" pitchFamily="49" charset="0"/>
+              </a:rPr>
+              <a:t>50 = </a:t>
+            </a:r>
+            <a:r>
+              <a:rPr lang="nl-NL" sz="1800" dirty="0" err="1">
+                <a:latin typeface="Courier New" panose="02070309020205020404" pitchFamily="49" charset="0"/>
+                <a:cs typeface="Courier New" panose="02070309020205020404" pitchFamily="49" charset="0"/>
+              </a:rPr>
+              <a:t>logging.CRITICAL</a:t>
+            </a:r>
+            <a:endParaRPr lang="nl-NL" sz="1800" dirty="0">
+              <a:latin typeface="Courier New" panose="02070309020205020404" pitchFamily="49" charset="0"/>
+              <a:cs typeface="Courier New" panose="02070309020205020404" pitchFamily="49" charset="0"/>
+            </a:endParaRPr>
+          </a:p>
+          <a:p>
+            <a:pPr marL="0" indent="0">
+              <a:buNone/>
+            </a:pPr>
+            <a:endParaRPr lang="nl-NL" sz="1800" dirty="0">
+              <a:cs typeface="Courier New" panose="02070309020205020404" pitchFamily="49" charset="0"/>
+            </a:endParaRPr>
+          </a:p>
+          <a:p>
+            <a:pPr marL="0" indent="0">
+              <a:buNone/>
+            </a:pPr>
             <a:r>
               <a:rPr lang="nl-NL" sz="2000" dirty="0">
-                <a:latin typeface="Courier New" panose="02070309020205020404" pitchFamily="49" charset="0"/>
-                <a:cs typeface="Courier New" panose="02070309020205020404" pitchFamily="49" charset="0"/>
-              </a:rPr>
-              <a:t>()</a:t>
-            </a:r>
-          </a:p>
-          <a:p>
-            <a:pPr marL="0" indent="0">
-              <a:buNone/>
-            </a:pPr>
-            <a:endParaRPr lang="nl-NL" sz="2000" dirty="0"/>
-          </a:p>
-          <a:p>
-            <a:pPr marL="0" indent="0">
-              <a:buNone/>
-            </a:pPr>
-            <a:r>
-              <a:rPr lang="nl-NL" sz="2000" b="1" dirty="0"/>
-              <a:t>Goed gebruik:</a:t>
-            </a:r>
-          </a:p>
-          <a:p>
-            <a:pPr marL="0" indent="0">
-              <a:buNone/>
-            </a:pPr>
-            <a:r>
-              <a:rPr lang="nl-NL" sz="2000" dirty="0"/>
-              <a:t>Eindgebruiker configureert de root logger.</a:t>
+                <a:cs typeface="Courier New" panose="02070309020205020404" pitchFamily="49" charset="0"/>
+              </a:rPr>
+              <a:t>Niveaus zijn hiërarchisch: met </a:t>
+            </a:r>
+            <a:r>
+              <a:rPr lang="nl-NL" sz="2000" dirty="0">
+                <a:latin typeface="Courier New" panose="02070309020205020404" pitchFamily="49" charset="0"/>
+                <a:cs typeface="Courier New" panose="02070309020205020404" pitchFamily="49" charset="0"/>
+              </a:rPr>
+              <a:t>WARNING</a:t>
+            </a:r>
+            <a:r>
+              <a:rPr lang="nl-NL" sz="2000" dirty="0">
+                <a:cs typeface="Courier New" panose="02070309020205020404" pitchFamily="49" charset="0"/>
+              </a:rPr>
+              <a:t> krijg je ook </a:t>
+            </a:r>
+            <a:r>
+              <a:rPr lang="nl-NL" sz="2000" dirty="0">
+                <a:latin typeface="Courier New" panose="02070309020205020404" pitchFamily="49" charset="0"/>
+                <a:cs typeface="Courier New" panose="02070309020205020404" pitchFamily="49" charset="0"/>
+              </a:rPr>
+              <a:t>ERROR</a:t>
+            </a:r>
+            <a:r>
+              <a:rPr lang="nl-NL" sz="2000" dirty="0">
+                <a:cs typeface="Courier New" panose="02070309020205020404" pitchFamily="49" charset="0"/>
+              </a:rPr>
+              <a:t> / </a:t>
+            </a:r>
+            <a:r>
+              <a:rPr lang="nl-NL" sz="2000" dirty="0">
+                <a:latin typeface="Courier New" panose="02070309020205020404" pitchFamily="49" charset="0"/>
+                <a:cs typeface="Courier New" panose="02070309020205020404" pitchFamily="49" charset="0"/>
+              </a:rPr>
+              <a:t>CRITICAL</a:t>
+            </a:r>
+            <a:r>
+              <a:rPr lang="nl-NL" sz="2000" dirty="0">
+                <a:cs typeface="Courier New" panose="02070309020205020404" pitchFamily="49" charset="0"/>
+              </a:rPr>
+              <a:t>.</a:t>
+            </a:r>
+          </a:p>
+          <a:p>
+            <a:pPr marL="0" indent="0">
+              <a:buNone/>
+            </a:pPr>
+            <a:endParaRPr lang="nl-NL" sz="1800" dirty="0">
+              <a:cs typeface="Courier New" panose="02070309020205020404" pitchFamily="49" charset="0"/>
+            </a:endParaRPr>
+          </a:p>
+          <a:p>
+            <a:pPr marL="0" indent="0">
+              <a:buNone/>
+            </a:pPr>
+            <a:r>
+              <a:rPr lang="nl-NL" sz="1800" dirty="0">
+                <a:latin typeface="Courier New" panose="02070309020205020404" pitchFamily="49" charset="0"/>
+                <a:cs typeface="Courier New" panose="02070309020205020404" pitchFamily="49" charset="0"/>
+              </a:rPr>
+              <a:t>DEBUG:</a:t>
+            </a:r>
+            <a:r>
+              <a:rPr lang="nl-NL" sz="2000" dirty="0">
+                <a:cs typeface="Courier New" panose="02070309020205020404" pitchFamily="49" charset="0"/>
+              </a:rPr>
+              <a:t> alle details voor ontwikkelaars.</a:t>
+            </a:r>
+          </a:p>
+          <a:p>
+            <a:pPr marL="0" indent="0">
+              <a:buNone/>
+            </a:pPr>
+            <a:r>
+              <a:rPr lang="nl-NL" sz="1800" dirty="0">
+                <a:latin typeface="Courier New" panose="02070309020205020404" pitchFamily="49" charset="0"/>
+                <a:cs typeface="Courier New" panose="02070309020205020404" pitchFamily="49" charset="0"/>
+              </a:rPr>
+              <a:t>INFO:</a:t>
+            </a:r>
+            <a:r>
+              <a:rPr lang="nl-NL" sz="1800" dirty="0">
+                <a:cs typeface="Courier New" panose="02070309020205020404" pitchFamily="49" charset="0"/>
+              </a:rPr>
+              <a:t> Rode draad / flow van het programma.</a:t>
             </a:r>
           </a:p>
         </p:txBody>
@@ -4352,15 +5277,7 @@
           <a:p>
             <a:r>
               <a:rPr lang="nl-NL" sz="3600" noProof="0" dirty="0"/>
-              <a:t>Hoe zet je </a:t>
-            </a:r>
-            <a:r>
-              <a:rPr lang="nl-NL" sz="3600" noProof="0" dirty="0" err="1"/>
-              <a:t>logging</a:t>
-            </a:r>
-            <a:r>
-              <a:rPr lang="nl-NL" sz="3600" noProof="0" dirty="0"/>
-              <a:t> op?</a:t>
+              <a:t>Berichten en niveaus</a:t>
             </a:r>
           </a:p>
         </p:txBody>
@@ -4598,916 +5515,6 @@
             <a:pPr marL="0" indent="0">
               <a:buNone/>
             </a:pPr>
-            <a:r>
-              <a:rPr lang="nl-NL" sz="1600" b="1" dirty="0">
-                <a:latin typeface="Courier New" panose="02070309020205020404" pitchFamily="49" charset="0"/>
-                <a:cs typeface="Courier New" panose="02070309020205020404" pitchFamily="49" charset="0"/>
-              </a:rPr>
-              <a:t>import </a:t>
-            </a:r>
-            <a:r>
-              <a:rPr lang="nl-NL" sz="1600" b="1" dirty="0" err="1">
-                <a:latin typeface="Courier New" panose="02070309020205020404" pitchFamily="49" charset="0"/>
-                <a:cs typeface="Courier New" panose="02070309020205020404" pitchFamily="49" charset="0"/>
-              </a:rPr>
-              <a:t>logging</a:t>
-            </a:r>
-            <a:endParaRPr lang="nl-NL" sz="1600" b="1" dirty="0">
-              <a:latin typeface="Courier New" panose="02070309020205020404" pitchFamily="49" charset="0"/>
-              <a:cs typeface="Courier New" panose="02070309020205020404" pitchFamily="49" charset="0"/>
-            </a:endParaRPr>
-          </a:p>
-          <a:p>
-            <a:pPr marL="0" indent="0">
-              <a:buNone/>
-            </a:pPr>
-            <a:endParaRPr lang="nl-NL" sz="1600" dirty="0">
-              <a:latin typeface="Courier New" panose="02070309020205020404" pitchFamily="49" charset="0"/>
-              <a:cs typeface="Courier New" panose="02070309020205020404" pitchFamily="49" charset="0"/>
-            </a:endParaRPr>
-          </a:p>
-          <a:p>
-            <a:pPr marL="0" indent="0">
-              <a:buNone/>
-            </a:pPr>
-            <a:r>
-              <a:rPr lang="nl-NL" sz="1600" dirty="0">
-                <a:latin typeface="Courier New" panose="02070309020205020404" pitchFamily="49" charset="0"/>
-                <a:cs typeface="Courier New" panose="02070309020205020404" pitchFamily="49" charset="0"/>
-              </a:rPr>
-              <a:t># Referentie naar de root logger</a:t>
-            </a:r>
-          </a:p>
-          <a:p>
-            <a:pPr marL="0" indent="0">
-              <a:buNone/>
-            </a:pPr>
-            <a:r>
-              <a:rPr lang="nl-NL" sz="1600" b="1" dirty="0" err="1">
-                <a:latin typeface="Courier New" panose="02070309020205020404" pitchFamily="49" charset="0"/>
-                <a:cs typeface="Courier New" panose="02070309020205020404" pitchFamily="49" charset="0"/>
-              </a:rPr>
-              <a:t>root_logger</a:t>
-            </a:r>
-            <a:r>
-              <a:rPr lang="nl-NL" sz="1600" b="1" dirty="0">
-                <a:latin typeface="Courier New" panose="02070309020205020404" pitchFamily="49" charset="0"/>
-                <a:cs typeface="Courier New" panose="02070309020205020404" pitchFamily="49" charset="0"/>
-              </a:rPr>
-              <a:t> = </a:t>
-            </a:r>
-            <a:r>
-              <a:rPr lang="nl-NL" sz="1600" b="1" dirty="0" err="1">
-                <a:latin typeface="Courier New" panose="02070309020205020404" pitchFamily="49" charset="0"/>
-                <a:cs typeface="Courier New" panose="02070309020205020404" pitchFamily="49" charset="0"/>
-              </a:rPr>
-              <a:t>logging.getLogger</a:t>
-            </a:r>
-            <a:r>
-              <a:rPr lang="nl-NL" sz="1600" b="1" dirty="0">
-                <a:latin typeface="Courier New" panose="02070309020205020404" pitchFamily="49" charset="0"/>
-                <a:cs typeface="Courier New" panose="02070309020205020404" pitchFamily="49" charset="0"/>
-              </a:rPr>
-              <a:t>()</a:t>
-            </a:r>
-            <a:endParaRPr lang="nl-NL" sz="1600" dirty="0">
-              <a:latin typeface="Courier New" panose="02070309020205020404" pitchFamily="49" charset="0"/>
-              <a:cs typeface="Courier New" panose="02070309020205020404" pitchFamily="49" charset="0"/>
-            </a:endParaRPr>
-          </a:p>
-          <a:p>
-            <a:pPr marL="0" indent="0">
-              <a:buNone/>
-            </a:pPr>
-            <a:endParaRPr lang="nl-NL" sz="1600" dirty="0">
-              <a:latin typeface="Courier New" panose="02070309020205020404" pitchFamily="49" charset="0"/>
-              <a:cs typeface="Courier New" panose="02070309020205020404" pitchFamily="49" charset="0"/>
-            </a:endParaRPr>
-          </a:p>
-          <a:p>
-            <a:pPr marL="0" indent="0">
-              <a:buNone/>
-            </a:pPr>
-            <a:r>
-              <a:rPr lang="nl-NL" sz="1600" dirty="0">
-                <a:latin typeface="Courier New" panose="02070309020205020404" pitchFamily="49" charset="0"/>
-                <a:cs typeface="Courier New" panose="02070309020205020404" pitchFamily="49" charset="0"/>
-              </a:rPr>
-              <a:t># Configureer de root logger</a:t>
-            </a:r>
-          </a:p>
-          <a:p>
-            <a:pPr marL="0" indent="0">
-              <a:buNone/>
-            </a:pPr>
-            <a:r>
-              <a:rPr lang="nl-NL" sz="1600" dirty="0">
-                <a:latin typeface="Courier New" panose="02070309020205020404" pitchFamily="49" charset="0"/>
-                <a:cs typeface="Courier New" panose="02070309020205020404" pitchFamily="49" charset="0"/>
-              </a:rPr>
-              <a:t># Kan alleen VOOR eerste logbericht!</a:t>
-            </a:r>
-          </a:p>
-          <a:p>
-            <a:pPr marL="0" indent="0">
-              <a:buNone/>
-            </a:pPr>
-            <a:r>
-              <a:rPr lang="nl-NL" sz="1600" b="1" dirty="0" err="1">
-                <a:latin typeface="Courier New" panose="02070309020205020404" pitchFamily="49" charset="0"/>
-                <a:cs typeface="Courier New" panose="02070309020205020404" pitchFamily="49" charset="0"/>
-              </a:rPr>
-              <a:t>logging.basicConfig</a:t>
-            </a:r>
-            <a:r>
-              <a:rPr lang="nl-NL" sz="1600" b="1" dirty="0">
-                <a:latin typeface="Courier New" panose="02070309020205020404" pitchFamily="49" charset="0"/>
-                <a:cs typeface="Courier New" panose="02070309020205020404" pitchFamily="49" charset="0"/>
-              </a:rPr>
-              <a:t>(level=</a:t>
-            </a:r>
-            <a:r>
-              <a:rPr lang="nl-NL" sz="1600" b="1" dirty="0" err="1">
-                <a:latin typeface="Courier New" panose="02070309020205020404" pitchFamily="49" charset="0"/>
-                <a:cs typeface="Courier New" panose="02070309020205020404" pitchFamily="49" charset="0"/>
-              </a:rPr>
-              <a:t>logging.DEBUG</a:t>
-            </a:r>
-            <a:r>
-              <a:rPr lang="nl-NL" sz="1600" b="1" dirty="0">
-                <a:latin typeface="Courier New" panose="02070309020205020404" pitchFamily="49" charset="0"/>
-                <a:cs typeface="Courier New" panose="02070309020205020404" pitchFamily="49" charset="0"/>
-              </a:rPr>
-              <a:t>)</a:t>
-            </a:r>
-          </a:p>
-          <a:p>
-            <a:pPr marL="0" indent="0">
-              <a:buNone/>
-            </a:pPr>
-            <a:endParaRPr lang="nl-NL" sz="1600" dirty="0">
-              <a:latin typeface="Courier New" panose="02070309020205020404" pitchFamily="49" charset="0"/>
-              <a:cs typeface="Courier New" panose="02070309020205020404" pitchFamily="49" charset="0"/>
-            </a:endParaRPr>
-          </a:p>
-          <a:p>
-            <a:pPr marL="0" indent="0">
-              <a:buNone/>
-            </a:pPr>
-            <a:r>
-              <a:rPr lang="nl-NL" sz="1600" dirty="0">
-                <a:latin typeface="Courier New" panose="02070309020205020404" pitchFamily="49" charset="0"/>
-                <a:cs typeface="Courier New" panose="02070309020205020404" pitchFamily="49" charset="0"/>
-              </a:rPr>
-              <a:t># Log bericht met de root logger</a:t>
-            </a:r>
-          </a:p>
-          <a:p>
-            <a:pPr marL="0" indent="0">
-              <a:buNone/>
-            </a:pPr>
-            <a:r>
-              <a:rPr lang="nl-NL" sz="1600" b="1" dirty="0">
-                <a:latin typeface="Courier New" panose="02070309020205020404" pitchFamily="49" charset="0"/>
-                <a:cs typeface="Courier New" panose="02070309020205020404" pitchFamily="49" charset="0"/>
-              </a:rPr>
-              <a:t>logging.info("&lt;log bericht&gt;")</a:t>
-            </a:r>
-          </a:p>
-          <a:p>
-            <a:pPr marL="0" indent="0">
-              <a:buNone/>
-            </a:pPr>
-            <a:r>
-              <a:rPr lang="nl-NL" sz="1600" b="1" dirty="0">
-                <a:latin typeface="Courier New" panose="02070309020205020404" pitchFamily="49" charset="0"/>
-                <a:cs typeface="Courier New" panose="02070309020205020404" pitchFamily="49" charset="0"/>
-              </a:rPr>
-              <a:t>root_logger.info("&lt;log bericht&gt;")</a:t>
-            </a:r>
-          </a:p>
-          <a:p>
-            <a:pPr marL="0" indent="0">
-              <a:buNone/>
-            </a:pPr>
-            <a:endParaRPr lang="nl-NL" sz="1600" dirty="0">
-              <a:latin typeface="Courier New" panose="02070309020205020404" pitchFamily="49" charset="0"/>
-              <a:cs typeface="Courier New" panose="02070309020205020404" pitchFamily="49" charset="0"/>
-            </a:endParaRPr>
-          </a:p>
-        </p:txBody>
-      </p:sp>
-    </p:spTree>
-    <p:extLst>
-      <p:ext uri="{BB962C8B-B14F-4D97-AF65-F5344CB8AC3E}">
-        <p14:creationId xmlns:p14="http://schemas.microsoft.com/office/powerpoint/2010/main" val="1364903630"/>
-      </p:ext>
-    </p:extLst>
-  </p:cSld>
-  <p:clrMapOvr>
-    <a:masterClrMapping/>
-  </p:clrMapOvr>
-</p:sld>
-</file>
-
-<file path=ppt/slides/slide13.xml><?xml version="1.0" encoding="utf-8"?>
-<p:sld xmlns:a="http://schemas.openxmlformats.org/drawingml/2006/main" xmlns:r="http://schemas.openxmlformats.org/officeDocument/2006/relationships" xmlns:p="http://schemas.openxmlformats.org/presentationml/2006/main">
-  <p:cSld>
-    <p:spTree>
-      <p:nvGrpSpPr>
-        <p:cNvPr id="1" name=""/>
-        <p:cNvGrpSpPr/>
-        <p:nvPr/>
-      </p:nvGrpSpPr>
-      <p:grpSpPr>
-        <a:xfrm>
-          <a:off x="0" y="0"/>
-          <a:ext cx="0" cy="0"/>
-          <a:chOff x="0" y="0"/>
-          <a:chExt cx="0" cy="0"/>
-        </a:xfrm>
-      </p:grpSpPr>
-      <p:sp>
-        <p:nvSpPr>
-          <p:cNvPr id="7" name="Content Placeholder 2">
-            <a:extLst>
-              <a:ext uri="{FF2B5EF4-FFF2-40B4-BE49-F238E27FC236}">
-                <a16:creationId xmlns:a16="http://schemas.microsoft.com/office/drawing/2014/main" id="{270B364B-D07E-1F58-2A8E-EF2360CDE504}"/>
-              </a:ext>
-            </a:extLst>
-          </p:cNvPr>
-          <p:cNvSpPr txBox="1">
-            <a:spLocks/>
-          </p:cNvSpPr>
-          <p:nvPr/>
-        </p:nvSpPr>
-        <p:spPr>
-          <a:xfrm>
-            <a:off x="838200" y="1456267"/>
-            <a:ext cx="4571999" cy="4720696"/>
-          </a:xfrm>
-          <a:prstGeom prst="rect">
-            <a:avLst/>
-          </a:prstGeom>
-        </p:spPr>
-        <p:txBody>
-          <a:bodyPr vert="horz" lIns="91440" tIns="45720" rIns="91440" bIns="45720" rtlCol="0">
-            <a:normAutofit/>
-          </a:bodyPr>
-          <a:lstStyle>
-            <a:lvl1pPr marL="228600" indent="-228600" algn="l" defTabSz="914400" rtl="0" eaLnBrk="1" latinLnBrk="0" hangingPunct="1">
-              <a:lnSpc>
-                <a:spcPct val="90000"/>
-              </a:lnSpc>
-              <a:spcBef>
-                <a:spcPts val="1000"/>
-              </a:spcBef>
-              <a:buFont typeface="Arial" panose="020B0604020202020204" pitchFamily="34" charset="0"/>
-              <a:buChar char="•"/>
-              <a:defRPr sz="2800" kern="1200">
-                <a:solidFill>
-                  <a:schemeClr val="tx1"/>
-                </a:solidFill>
-                <a:latin typeface="+mn-lt"/>
-                <a:ea typeface="+mn-ea"/>
-                <a:cs typeface="+mn-cs"/>
-              </a:defRPr>
-            </a:lvl1pPr>
-            <a:lvl2pPr marL="685800" indent="-228600" algn="l" defTabSz="914400" rtl="0" eaLnBrk="1" latinLnBrk="0" hangingPunct="1">
-              <a:lnSpc>
-                <a:spcPct val="90000"/>
-              </a:lnSpc>
-              <a:spcBef>
-                <a:spcPts val="500"/>
-              </a:spcBef>
-              <a:buFont typeface="Arial" panose="020B0604020202020204" pitchFamily="34" charset="0"/>
-              <a:buChar char="•"/>
-              <a:defRPr sz="2400" kern="1200">
-                <a:solidFill>
-                  <a:schemeClr val="tx1"/>
-                </a:solidFill>
-                <a:latin typeface="+mn-lt"/>
-                <a:ea typeface="+mn-ea"/>
-                <a:cs typeface="+mn-cs"/>
-              </a:defRPr>
-            </a:lvl2pPr>
-            <a:lvl3pPr marL="1143000" indent="-228600" algn="l" defTabSz="914400" rtl="0" eaLnBrk="1" latinLnBrk="0" hangingPunct="1">
-              <a:lnSpc>
-                <a:spcPct val="90000"/>
-              </a:lnSpc>
-              <a:spcBef>
-                <a:spcPts val="500"/>
-              </a:spcBef>
-              <a:buFont typeface="Arial" panose="020B0604020202020204" pitchFamily="34" charset="0"/>
-              <a:buChar char="•"/>
-              <a:defRPr sz="2000" kern="1200">
-                <a:solidFill>
-                  <a:schemeClr val="tx1"/>
-                </a:solidFill>
-                <a:latin typeface="+mn-lt"/>
-                <a:ea typeface="+mn-ea"/>
-                <a:cs typeface="+mn-cs"/>
-              </a:defRPr>
-            </a:lvl3pPr>
-            <a:lvl4pPr marL="1600200" indent="-228600" algn="l" defTabSz="914400" rtl="0" eaLnBrk="1" latinLnBrk="0" hangingPunct="1">
-              <a:lnSpc>
-                <a:spcPct val="90000"/>
-              </a:lnSpc>
-              <a:spcBef>
-                <a:spcPts val="500"/>
-              </a:spcBef>
-              <a:buFont typeface="Arial" panose="020B0604020202020204" pitchFamily="34" charset="0"/>
-              <a:buChar char="•"/>
-              <a:defRPr sz="1800" kern="1200">
-                <a:solidFill>
-                  <a:schemeClr val="tx1"/>
-                </a:solidFill>
-                <a:latin typeface="+mn-lt"/>
-                <a:ea typeface="+mn-ea"/>
-                <a:cs typeface="+mn-cs"/>
-              </a:defRPr>
-            </a:lvl4pPr>
-            <a:lvl5pPr marL="2057400" indent="-228600" algn="l" defTabSz="914400" rtl="0" eaLnBrk="1" latinLnBrk="0" hangingPunct="1">
-              <a:lnSpc>
-                <a:spcPct val="90000"/>
-              </a:lnSpc>
-              <a:spcBef>
-                <a:spcPts val="500"/>
-              </a:spcBef>
-              <a:buFont typeface="Arial" panose="020B0604020202020204" pitchFamily="34" charset="0"/>
-              <a:buChar char="•"/>
-              <a:defRPr sz="1800" kern="1200">
-                <a:solidFill>
-                  <a:schemeClr val="tx1"/>
-                </a:solidFill>
-                <a:latin typeface="+mn-lt"/>
-                <a:ea typeface="+mn-ea"/>
-                <a:cs typeface="+mn-cs"/>
-              </a:defRPr>
-            </a:lvl5pPr>
-            <a:lvl6pPr marL="2514600" indent="-228600" algn="l" defTabSz="914400" rtl="0" eaLnBrk="1" latinLnBrk="0" hangingPunct="1">
-              <a:lnSpc>
-                <a:spcPct val="90000"/>
-              </a:lnSpc>
-              <a:spcBef>
-                <a:spcPts val="500"/>
-              </a:spcBef>
-              <a:buFont typeface="Arial" panose="020B0604020202020204" pitchFamily="34" charset="0"/>
-              <a:buChar char="•"/>
-              <a:defRPr sz="1800" kern="1200">
-                <a:solidFill>
-                  <a:schemeClr val="tx1"/>
-                </a:solidFill>
-                <a:latin typeface="+mn-lt"/>
-                <a:ea typeface="+mn-ea"/>
-                <a:cs typeface="+mn-cs"/>
-              </a:defRPr>
-            </a:lvl6pPr>
-            <a:lvl7pPr marL="2971800" indent="-228600" algn="l" defTabSz="914400" rtl="0" eaLnBrk="1" latinLnBrk="0" hangingPunct="1">
-              <a:lnSpc>
-                <a:spcPct val="90000"/>
-              </a:lnSpc>
-              <a:spcBef>
-                <a:spcPts val="500"/>
-              </a:spcBef>
-              <a:buFont typeface="Arial" panose="020B0604020202020204" pitchFamily="34" charset="0"/>
-              <a:buChar char="•"/>
-              <a:defRPr sz="1800" kern="1200">
-                <a:solidFill>
-                  <a:schemeClr val="tx1"/>
-                </a:solidFill>
-                <a:latin typeface="+mn-lt"/>
-                <a:ea typeface="+mn-ea"/>
-                <a:cs typeface="+mn-cs"/>
-              </a:defRPr>
-            </a:lvl7pPr>
-            <a:lvl8pPr marL="3429000" indent="-228600" algn="l" defTabSz="914400" rtl="0" eaLnBrk="1" latinLnBrk="0" hangingPunct="1">
-              <a:lnSpc>
-                <a:spcPct val="90000"/>
-              </a:lnSpc>
-              <a:spcBef>
-                <a:spcPts val="500"/>
-              </a:spcBef>
-              <a:buFont typeface="Arial" panose="020B0604020202020204" pitchFamily="34" charset="0"/>
-              <a:buChar char="•"/>
-              <a:defRPr sz="1800" kern="1200">
-                <a:solidFill>
-                  <a:schemeClr val="tx1"/>
-                </a:solidFill>
-                <a:latin typeface="+mn-lt"/>
-                <a:ea typeface="+mn-ea"/>
-                <a:cs typeface="+mn-cs"/>
-              </a:defRPr>
-            </a:lvl8pPr>
-            <a:lvl9pPr marL="3886200" indent="-228600" algn="l" defTabSz="914400" rtl="0" eaLnBrk="1" latinLnBrk="0" hangingPunct="1">
-              <a:lnSpc>
-                <a:spcPct val="90000"/>
-              </a:lnSpc>
-              <a:spcBef>
-                <a:spcPts val="500"/>
-              </a:spcBef>
-              <a:buFont typeface="Arial" panose="020B0604020202020204" pitchFamily="34" charset="0"/>
-              <a:buChar char="•"/>
-              <a:defRPr sz="1800" kern="1200">
-                <a:solidFill>
-                  <a:schemeClr val="tx1"/>
-                </a:solidFill>
-                <a:latin typeface="+mn-lt"/>
-                <a:ea typeface="+mn-ea"/>
-                <a:cs typeface="+mn-cs"/>
-              </a:defRPr>
-            </a:lvl9pPr>
-          </a:lstStyle>
-          <a:p>
-            <a:pPr marL="0" indent="0">
-              <a:buNone/>
-            </a:pPr>
-            <a:r>
-              <a:rPr lang="nl-NL" sz="2000" dirty="0"/>
-              <a:t>Je kunt loggen op 5 niveaus:</a:t>
-            </a:r>
-          </a:p>
-          <a:p>
-            <a:pPr>
-              <a:buFontTx/>
-              <a:buChar char="-"/>
-            </a:pPr>
-            <a:r>
-              <a:rPr lang="nl-NL" sz="1800" dirty="0">
-                <a:latin typeface="Courier New" panose="02070309020205020404" pitchFamily="49" charset="0"/>
-                <a:cs typeface="Courier New" panose="02070309020205020404" pitchFamily="49" charset="0"/>
-              </a:rPr>
-              <a:t>10 = </a:t>
-            </a:r>
-            <a:r>
-              <a:rPr lang="nl-NL" sz="1800" dirty="0" err="1">
-                <a:latin typeface="Courier New" panose="02070309020205020404" pitchFamily="49" charset="0"/>
-                <a:cs typeface="Courier New" panose="02070309020205020404" pitchFamily="49" charset="0"/>
-              </a:rPr>
-              <a:t>logging.DEBUG</a:t>
-            </a:r>
-            <a:endParaRPr lang="nl-NL" sz="1800" dirty="0">
-              <a:latin typeface="Courier New" panose="02070309020205020404" pitchFamily="49" charset="0"/>
-              <a:cs typeface="Courier New" panose="02070309020205020404" pitchFamily="49" charset="0"/>
-            </a:endParaRPr>
-          </a:p>
-          <a:p>
-            <a:pPr>
-              <a:buFontTx/>
-              <a:buChar char="-"/>
-            </a:pPr>
-            <a:r>
-              <a:rPr lang="nl-NL" sz="1800" dirty="0">
-                <a:latin typeface="Courier New" panose="02070309020205020404" pitchFamily="49" charset="0"/>
-                <a:cs typeface="Courier New" panose="02070309020205020404" pitchFamily="49" charset="0"/>
-              </a:rPr>
-              <a:t>20 = logging.INFO</a:t>
-            </a:r>
-          </a:p>
-          <a:p>
-            <a:pPr>
-              <a:buFontTx/>
-              <a:buChar char="-"/>
-            </a:pPr>
-            <a:r>
-              <a:rPr lang="nl-NL" sz="1800" dirty="0">
-                <a:latin typeface="Courier New" panose="02070309020205020404" pitchFamily="49" charset="0"/>
-                <a:cs typeface="Courier New" panose="02070309020205020404" pitchFamily="49" charset="0"/>
-              </a:rPr>
-              <a:t>30 = </a:t>
-            </a:r>
-            <a:r>
-              <a:rPr lang="nl-NL" sz="1800" dirty="0" err="1">
-                <a:latin typeface="Courier New" panose="02070309020205020404" pitchFamily="49" charset="0"/>
-                <a:cs typeface="Courier New" panose="02070309020205020404" pitchFamily="49" charset="0"/>
-              </a:rPr>
-              <a:t>logging.WARNING</a:t>
-            </a:r>
-            <a:endParaRPr lang="nl-NL" sz="1800" dirty="0">
-              <a:latin typeface="Courier New" panose="02070309020205020404" pitchFamily="49" charset="0"/>
-              <a:cs typeface="Courier New" panose="02070309020205020404" pitchFamily="49" charset="0"/>
-            </a:endParaRPr>
-          </a:p>
-          <a:p>
-            <a:pPr>
-              <a:buFontTx/>
-              <a:buChar char="-"/>
-            </a:pPr>
-            <a:r>
-              <a:rPr lang="nl-NL" sz="1800" dirty="0">
-                <a:latin typeface="Courier New" panose="02070309020205020404" pitchFamily="49" charset="0"/>
-                <a:cs typeface="Courier New" panose="02070309020205020404" pitchFamily="49" charset="0"/>
-              </a:rPr>
-              <a:t>40 = </a:t>
-            </a:r>
-            <a:r>
-              <a:rPr lang="nl-NL" sz="1800" dirty="0" err="1">
-                <a:latin typeface="Courier New" panose="02070309020205020404" pitchFamily="49" charset="0"/>
-                <a:cs typeface="Courier New" panose="02070309020205020404" pitchFamily="49" charset="0"/>
-              </a:rPr>
-              <a:t>logging.ERROR</a:t>
-            </a:r>
-            <a:endParaRPr lang="nl-NL" sz="1800" dirty="0">
-              <a:latin typeface="Courier New" panose="02070309020205020404" pitchFamily="49" charset="0"/>
-              <a:cs typeface="Courier New" panose="02070309020205020404" pitchFamily="49" charset="0"/>
-            </a:endParaRPr>
-          </a:p>
-          <a:p>
-            <a:pPr>
-              <a:buFontTx/>
-              <a:buChar char="-"/>
-            </a:pPr>
-            <a:r>
-              <a:rPr lang="nl-NL" sz="1800" dirty="0">
-                <a:latin typeface="Courier New" panose="02070309020205020404" pitchFamily="49" charset="0"/>
-                <a:cs typeface="Courier New" panose="02070309020205020404" pitchFamily="49" charset="0"/>
-              </a:rPr>
-              <a:t>50 = </a:t>
-            </a:r>
-            <a:r>
-              <a:rPr lang="nl-NL" sz="1800" dirty="0" err="1">
-                <a:latin typeface="Courier New" panose="02070309020205020404" pitchFamily="49" charset="0"/>
-                <a:cs typeface="Courier New" panose="02070309020205020404" pitchFamily="49" charset="0"/>
-              </a:rPr>
-              <a:t>logging.CRITICAL</a:t>
-            </a:r>
-            <a:endParaRPr lang="nl-NL" sz="1800" dirty="0">
-              <a:latin typeface="Courier New" panose="02070309020205020404" pitchFamily="49" charset="0"/>
-              <a:cs typeface="Courier New" panose="02070309020205020404" pitchFamily="49" charset="0"/>
-            </a:endParaRPr>
-          </a:p>
-          <a:p>
-            <a:pPr marL="0" indent="0">
-              <a:buNone/>
-            </a:pPr>
-            <a:endParaRPr lang="nl-NL" sz="1800" dirty="0">
-              <a:cs typeface="Courier New" panose="02070309020205020404" pitchFamily="49" charset="0"/>
-            </a:endParaRPr>
-          </a:p>
-          <a:p>
-            <a:pPr marL="0" indent="0">
-              <a:buNone/>
-            </a:pPr>
-            <a:r>
-              <a:rPr lang="nl-NL" sz="2000" dirty="0">
-                <a:cs typeface="Courier New" panose="02070309020205020404" pitchFamily="49" charset="0"/>
-              </a:rPr>
-              <a:t>Niveaus zijn hiërarchisch: met </a:t>
-            </a:r>
-            <a:r>
-              <a:rPr lang="nl-NL" sz="2000" dirty="0">
-                <a:latin typeface="Courier New" panose="02070309020205020404" pitchFamily="49" charset="0"/>
-                <a:cs typeface="Courier New" panose="02070309020205020404" pitchFamily="49" charset="0"/>
-              </a:rPr>
-              <a:t>WARNING</a:t>
-            </a:r>
-            <a:r>
-              <a:rPr lang="nl-NL" sz="2000" dirty="0">
-                <a:cs typeface="Courier New" panose="02070309020205020404" pitchFamily="49" charset="0"/>
-              </a:rPr>
-              <a:t> krijg je ook </a:t>
-            </a:r>
-            <a:r>
-              <a:rPr lang="nl-NL" sz="2000" dirty="0">
-                <a:latin typeface="Courier New" panose="02070309020205020404" pitchFamily="49" charset="0"/>
-                <a:cs typeface="Courier New" panose="02070309020205020404" pitchFamily="49" charset="0"/>
-              </a:rPr>
-              <a:t>ERROR</a:t>
-            </a:r>
-            <a:r>
-              <a:rPr lang="nl-NL" sz="2000" dirty="0">
-                <a:cs typeface="Courier New" panose="02070309020205020404" pitchFamily="49" charset="0"/>
-              </a:rPr>
-              <a:t> / </a:t>
-            </a:r>
-            <a:r>
-              <a:rPr lang="nl-NL" sz="2000" dirty="0">
-                <a:latin typeface="Courier New" panose="02070309020205020404" pitchFamily="49" charset="0"/>
-                <a:cs typeface="Courier New" panose="02070309020205020404" pitchFamily="49" charset="0"/>
-              </a:rPr>
-              <a:t>CRITICAL</a:t>
-            </a:r>
-            <a:r>
-              <a:rPr lang="nl-NL" sz="2000" dirty="0">
-                <a:cs typeface="Courier New" panose="02070309020205020404" pitchFamily="49" charset="0"/>
-              </a:rPr>
-              <a:t>.</a:t>
-            </a:r>
-          </a:p>
-          <a:p>
-            <a:pPr marL="0" indent="0">
-              <a:buNone/>
-            </a:pPr>
-            <a:endParaRPr lang="nl-NL" sz="1800" dirty="0">
-              <a:cs typeface="Courier New" panose="02070309020205020404" pitchFamily="49" charset="0"/>
-            </a:endParaRPr>
-          </a:p>
-          <a:p>
-            <a:pPr marL="0" indent="0">
-              <a:buNone/>
-            </a:pPr>
-            <a:r>
-              <a:rPr lang="nl-NL" sz="1800" dirty="0">
-                <a:latin typeface="Courier New" panose="02070309020205020404" pitchFamily="49" charset="0"/>
-                <a:cs typeface="Courier New" panose="02070309020205020404" pitchFamily="49" charset="0"/>
-              </a:rPr>
-              <a:t>DEBUG:</a:t>
-            </a:r>
-            <a:r>
-              <a:rPr lang="nl-NL" sz="2000" dirty="0">
-                <a:cs typeface="Courier New" panose="02070309020205020404" pitchFamily="49" charset="0"/>
-              </a:rPr>
-              <a:t> alle details voor ontwikkelaars.</a:t>
-            </a:r>
-          </a:p>
-          <a:p>
-            <a:pPr marL="0" indent="0">
-              <a:buNone/>
-            </a:pPr>
-            <a:r>
-              <a:rPr lang="nl-NL" sz="1800" dirty="0">
-                <a:latin typeface="Courier New" panose="02070309020205020404" pitchFamily="49" charset="0"/>
-                <a:cs typeface="Courier New" panose="02070309020205020404" pitchFamily="49" charset="0"/>
-              </a:rPr>
-              <a:t>INFO:</a:t>
-            </a:r>
-            <a:r>
-              <a:rPr lang="nl-NL" sz="1800" dirty="0">
-                <a:cs typeface="Courier New" panose="02070309020205020404" pitchFamily="49" charset="0"/>
-              </a:rPr>
-              <a:t> Rode draad / flow van het programma.</a:t>
-            </a:r>
-          </a:p>
-        </p:txBody>
-      </p:sp>
-      <p:sp>
-        <p:nvSpPr>
-          <p:cNvPr id="2" name="Title 1">
-            <a:extLst>
-              <a:ext uri="{FF2B5EF4-FFF2-40B4-BE49-F238E27FC236}">
-                <a16:creationId xmlns:a16="http://schemas.microsoft.com/office/drawing/2014/main" id="{39A1D606-8DD1-369C-5C09-471CDD551AD5}"/>
-              </a:ext>
-            </a:extLst>
-          </p:cNvPr>
-          <p:cNvSpPr>
-            <a:spLocks noGrp="1"/>
-          </p:cNvSpPr>
-          <p:nvPr>
-            <p:ph type="title"/>
-          </p:nvPr>
-        </p:nvSpPr>
-        <p:spPr>
-          <a:xfrm>
-            <a:off x="838200" y="365126"/>
-            <a:ext cx="10515600" cy="718608"/>
-          </a:xfrm>
-        </p:spPr>
-        <p:txBody>
-          <a:bodyPr>
-            <a:normAutofit/>
-          </a:bodyPr>
-          <a:lstStyle/>
-          <a:p>
-            <a:r>
-              <a:rPr lang="nl-NL" sz="3600" noProof="0" dirty="0"/>
-              <a:t>Berichten en niveaus</a:t>
-            </a:r>
-          </a:p>
-        </p:txBody>
-      </p:sp>
-      <p:cxnSp>
-        <p:nvCxnSpPr>
-          <p:cNvPr id="5" name="Straight Connector 4">
-            <a:extLst>
-              <a:ext uri="{FF2B5EF4-FFF2-40B4-BE49-F238E27FC236}">
-                <a16:creationId xmlns:a16="http://schemas.microsoft.com/office/drawing/2014/main" id="{816517B9-97D0-8255-B24E-1BBE65010D0C}"/>
-              </a:ext>
-            </a:extLst>
-          </p:cNvPr>
-          <p:cNvCxnSpPr>
-            <a:cxnSpLocks/>
-          </p:cNvCxnSpPr>
-          <p:nvPr/>
-        </p:nvCxnSpPr>
-        <p:spPr>
-          <a:xfrm>
-            <a:off x="5655733" y="1456267"/>
-            <a:ext cx="0" cy="4809066"/>
-          </a:xfrm>
-          <a:prstGeom prst="line">
-            <a:avLst/>
-          </a:prstGeom>
-        </p:spPr>
-        <p:style>
-          <a:lnRef idx="3">
-            <a:schemeClr val="dk1"/>
-          </a:lnRef>
-          <a:fillRef idx="0">
-            <a:schemeClr val="dk1"/>
-          </a:fillRef>
-          <a:effectRef idx="2">
-            <a:schemeClr val="dk1"/>
-          </a:effectRef>
-          <a:fontRef idx="minor">
-            <a:schemeClr val="tx1"/>
-          </a:fontRef>
-        </p:style>
-      </p:cxnSp>
-      <p:sp>
-        <p:nvSpPr>
-          <p:cNvPr id="10" name="Content Placeholder 2">
-            <a:extLst>
-              <a:ext uri="{FF2B5EF4-FFF2-40B4-BE49-F238E27FC236}">
-                <a16:creationId xmlns:a16="http://schemas.microsoft.com/office/drawing/2014/main" id="{761CBFA1-5B79-5C98-537C-218F1FDF4FAF}"/>
-              </a:ext>
-            </a:extLst>
-          </p:cNvPr>
-          <p:cNvSpPr txBox="1">
-            <a:spLocks/>
-          </p:cNvSpPr>
-          <p:nvPr/>
-        </p:nvSpPr>
-        <p:spPr>
-          <a:xfrm>
-            <a:off x="5969013" y="1456267"/>
-            <a:ext cx="5190054" cy="4720696"/>
-          </a:xfrm>
-          <a:prstGeom prst="rect">
-            <a:avLst/>
-          </a:prstGeom>
-        </p:spPr>
-        <p:txBody>
-          <a:bodyPr vert="horz" lIns="91440" tIns="45720" rIns="91440" bIns="45720" rtlCol="0">
-            <a:normAutofit/>
-          </a:bodyPr>
-          <a:lstStyle>
-            <a:lvl1pPr marL="228600" indent="-228600" algn="l" defTabSz="914400" rtl="0" eaLnBrk="1" latinLnBrk="0" hangingPunct="1">
-              <a:lnSpc>
-                <a:spcPct val="90000"/>
-              </a:lnSpc>
-              <a:spcBef>
-                <a:spcPts val="1000"/>
-              </a:spcBef>
-              <a:buFont typeface="Arial" panose="020B0604020202020204" pitchFamily="34" charset="0"/>
-              <a:buChar char="•"/>
-              <a:defRPr sz="2800" kern="1200">
-                <a:solidFill>
-                  <a:schemeClr val="tx1"/>
-                </a:solidFill>
-                <a:latin typeface="+mn-lt"/>
-                <a:ea typeface="+mn-ea"/>
-                <a:cs typeface="+mn-cs"/>
-              </a:defRPr>
-            </a:lvl1pPr>
-            <a:lvl2pPr marL="685800" indent="-228600" algn="l" defTabSz="914400" rtl="0" eaLnBrk="1" latinLnBrk="0" hangingPunct="1">
-              <a:lnSpc>
-                <a:spcPct val="90000"/>
-              </a:lnSpc>
-              <a:spcBef>
-                <a:spcPts val="500"/>
-              </a:spcBef>
-              <a:buFont typeface="Arial" panose="020B0604020202020204" pitchFamily="34" charset="0"/>
-              <a:buChar char="•"/>
-              <a:defRPr sz="2400" kern="1200">
-                <a:solidFill>
-                  <a:schemeClr val="tx1"/>
-                </a:solidFill>
-                <a:latin typeface="+mn-lt"/>
-                <a:ea typeface="+mn-ea"/>
-                <a:cs typeface="+mn-cs"/>
-              </a:defRPr>
-            </a:lvl2pPr>
-            <a:lvl3pPr marL="1143000" indent="-228600" algn="l" defTabSz="914400" rtl="0" eaLnBrk="1" latinLnBrk="0" hangingPunct="1">
-              <a:lnSpc>
-                <a:spcPct val="90000"/>
-              </a:lnSpc>
-              <a:spcBef>
-                <a:spcPts val="500"/>
-              </a:spcBef>
-              <a:buFont typeface="Arial" panose="020B0604020202020204" pitchFamily="34" charset="0"/>
-              <a:buChar char="•"/>
-              <a:defRPr sz="2000" kern="1200">
-                <a:solidFill>
-                  <a:schemeClr val="tx1"/>
-                </a:solidFill>
-                <a:latin typeface="+mn-lt"/>
-                <a:ea typeface="+mn-ea"/>
-                <a:cs typeface="+mn-cs"/>
-              </a:defRPr>
-            </a:lvl3pPr>
-            <a:lvl4pPr marL="1600200" indent="-228600" algn="l" defTabSz="914400" rtl="0" eaLnBrk="1" latinLnBrk="0" hangingPunct="1">
-              <a:lnSpc>
-                <a:spcPct val="90000"/>
-              </a:lnSpc>
-              <a:spcBef>
-                <a:spcPts val="500"/>
-              </a:spcBef>
-              <a:buFont typeface="Arial" panose="020B0604020202020204" pitchFamily="34" charset="0"/>
-              <a:buChar char="•"/>
-              <a:defRPr sz="1800" kern="1200">
-                <a:solidFill>
-                  <a:schemeClr val="tx1"/>
-                </a:solidFill>
-                <a:latin typeface="+mn-lt"/>
-                <a:ea typeface="+mn-ea"/>
-                <a:cs typeface="+mn-cs"/>
-              </a:defRPr>
-            </a:lvl4pPr>
-            <a:lvl5pPr marL="2057400" indent="-228600" algn="l" defTabSz="914400" rtl="0" eaLnBrk="1" latinLnBrk="0" hangingPunct="1">
-              <a:lnSpc>
-                <a:spcPct val="90000"/>
-              </a:lnSpc>
-              <a:spcBef>
-                <a:spcPts val="500"/>
-              </a:spcBef>
-              <a:buFont typeface="Arial" panose="020B0604020202020204" pitchFamily="34" charset="0"/>
-              <a:buChar char="•"/>
-              <a:defRPr sz="1800" kern="1200">
-                <a:solidFill>
-                  <a:schemeClr val="tx1"/>
-                </a:solidFill>
-                <a:latin typeface="+mn-lt"/>
-                <a:ea typeface="+mn-ea"/>
-                <a:cs typeface="+mn-cs"/>
-              </a:defRPr>
-            </a:lvl5pPr>
-            <a:lvl6pPr marL="2514600" indent="-228600" algn="l" defTabSz="914400" rtl="0" eaLnBrk="1" latinLnBrk="0" hangingPunct="1">
-              <a:lnSpc>
-                <a:spcPct val="90000"/>
-              </a:lnSpc>
-              <a:spcBef>
-                <a:spcPts val="500"/>
-              </a:spcBef>
-              <a:buFont typeface="Arial" panose="020B0604020202020204" pitchFamily="34" charset="0"/>
-              <a:buChar char="•"/>
-              <a:defRPr sz="1800" kern="1200">
-                <a:solidFill>
-                  <a:schemeClr val="tx1"/>
-                </a:solidFill>
-                <a:latin typeface="+mn-lt"/>
-                <a:ea typeface="+mn-ea"/>
-                <a:cs typeface="+mn-cs"/>
-              </a:defRPr>
-            </a:lvl6pPr>
-            <a:lvl7pPr marL="2971800" indent="-228600" algn="l" defTabSz="914400" rtl="0" eaLnBrk="1" latinLnBrk="0" hangingPunct="1">
-              <a:lnSpc>
-                <a:spcPct val="90000"/>
-              </a:lnSpc>
-              <a:spcBef>
-                <a:spcPts val="500"/>
-              </a:spcBef>
-              <a:buFont typeface="Arial" panose="020B0604020202020204" pitchFamily="34" charset="0"/>
-              <a:buChar char="•"/>
-              <a:defRPr sz="1800" kern="1200">
-                <a:solidFill>
-                  <a:schemeClr val="tx1"/>
-                </a:solidFill>
-                <a:latin typeface="+mn-lt"/>
-                <a:ea typeface="+mn-ea"/>
-                <a:cs typeface="+mn-cs"/>
-              </a:defRPr>
-            </a:lvl7pPr>
-            <a:lvl8pPr marL="3429000" indent="-228600" algn="l" defTabSz="914400" rtl="0" eaLnBrk="1" latinLnBrk="0" hangingPunct="1">
-              <a:lnSpc>
-                <a:spcPct val="90000"/>
-              </a:lnSpc>
-              <a:spcBef>
-                <a:spcPts val="500"/>
-              </a:spcBef>
-              <a:buFont typeface="Arial" panose="020B0604020202020204" pitchFamily="34" charset="0"/>
-              <a:buChar char="•"/>
-              <a:defRPr sz="1800" kern="1200">
-                <a:solidFill>
-                  <a:schemeClr val="tx1"/>
-                </a:solidFill>
-                <a:latin typeface="+mn-lt"/>
-                <a:ea typeface="+mn-ea"/>
-                <a:cs typeface="+mn-cs"/>
-              </a:defRPr>
-            </a:lvl8pPr>
-            <a:lvl9pPr marL="3886200" indent="-228600" algn="l" defTabSz="914400" rtl="0" eaLnBrk="1" latinLnBrk="0" hangingPunct="1">
-              <a:lnSpc>
-                <a:spcPct val="90000"/>
-              </a:lnSpc>
-              <a:spcBef>
-                <a:spcPts val="500"/>
-              </a:spcBef>
-              <a:buFont typeface="Arial" panose="020B0604020202020204" pitchFamily="34" charset="0"/>
-              <a:buChar char="•"/>
-              <a:defRPr sz="1800" kern="1200">
-                <a:solidFill>
-                  <a:schemeClr val="tx1"/>
-                </a:solidFill>
-                <a:latin typeface="+mn-lt"/>
-                <a:ea typeface="+mn-ea"/>
-                <a:cs typeface="+mn-cs"/>
-              </a:defRPr>
-            </a:lvl9pPr>
-          </a:lstStyle>
-          <a:p>
-            <a:pPr marL="0" indent="0">
-              <a:buNone/>
-            </a:pPr>
             <a:endParaRPr lang="nl-NL" sz="1400" dirty="0">
               <a:latin typeface="Courier New" panose="02070309020205020404" pitchFamily="49" charset="0"/>
               <a:cs typeface="Courier New" panose="02070309020205020404" pitchFamily="49" charset="0"/>
@@ -5545,7 +5552,7 @@
                 <a:latin typeface="Courier New" panose="02070309020205020404" pitchFamily="49" charset="0"/>
                 <a:cs typeface="Courier New" panose="02070309020205020404" pitchFamily="49" charset="0"/>
               </a:rPr>
-              <a:t>devs</a:t>
+              <a:t>developers</a:t>
             </a:r>
             <a:r>
               <a:rPr lang="nl-NL" sz="1400" dirty="0">
@@ -5583,7 +5590,7 @@
                 <a:latin typeface="Courier New" panose="02070309020205020404" pitchFamily="49" charset="0"/>
                 <a:cs typeface="Courier New" panose="02070309020205020404" pitchFamily="49" charset="0"/>
               </a:rPr>
-              <a:t>("Waarschuwingen".)</a:t>
+              <a:t>("Waarschuwingen!".)</a:t>
             </a:r>
           </a:p>
           <a:p>
@@ -5932,18 +5939,58 @@
             </a:pPr>
             <a:r>
               <a:rPr lang="nl-NL" sz="2000" dirty="0"/>
-              <a:t>Maak nieuwe logger objecten aan via:</a:t>
-            </a:r>
-          </a:p>
-          <a:p>
-            <a:pPr marL="0" indent="0">
-              <a:buNone/>
+              <a:t>Python maakt altijd een root logger aan.</a:t>
+            </a:r>
+          </a:p>
+          <a:p>
+            <a:pPr marL="0" indent="0">
+              <a:buNone/>
+            </a:pPr>
+            <a:endParaRPr lang="nl-NL" sz="2000" dirty="0"/>
+          </a:p>
+          <a:p>
+            <a:pPr marL="0" indent="0">
+              <a:buNone/>
+            </a:pPr>
+            <a:r>
+              <a:rPr lang="nl-NL" sz="2000" dirty="0"/>
+              <a:t>Deze root logger is direct toegankelijk via:</a:t>
+            </a:r>
+          </a:p>
+          <a:p>
+            <a:pPr>
+              <a:buFontTx/>
+              <a:buChar char="-"/>
+            </a:pPr>
+            <a:endParaRPr lang="nl-NL" sz="2000" dirty="0"/>
+          </a:p>
+          <a:p>
+            <a:pPr>
+              <a:buFontTx/>
+              <a:buChar char="-"/>
             </a:pPr>
             <a:r>
               <a:rPr lang="nl-NL" sz="2000" dirty="0" err="1">
                 <a:latin typeface="Courier New" panose="02070309020205020404" pitchFamily="49" charset="0"/>
                 <a:cs typeface="Courier New" panose="02070309020205020404" pitchFamily="49" charset="0"/>
               </a:rPr>
+              <a:t>logging</a:t>
+            </a:r>
+            <a:endParaRPr lang="nl-NL" sz="2000" dirty="0">
+              <a:latin typeface="Courier New" panose="02070309020205020404" pitchFamily="49" charset="0"/>
+              <a:cs typeface="Courier New" panose="02070309020205020404" pitchFamily="49" charset="0"/>
+            </a:endParaRPr>
+          </a:p>
+          <a:p>
+            <a:pPr>
+              <a:buFontTx/>
+              <a:buChar char="-"/>
+            </a:pPr>
+            <a:r>
+              <a:rPr lang="nl-NL" sz="2000" dirty="0" err="1">
+                <a:latin typeface="Courier New" panose="02070309020205020404" pitchFamily="49" charset="0"/>
+                <a:cs typeface="Courier New" panose="02070309020205020404" pitchFamily="49" charset="0"/>
+              </a:rPr>
               <a:t>logging.getLogger</a:t>
             </a:r>
             <a:r>
@@ -5951,7 +5998,7 @@
                 <a:latin typeface="Courier New" panose="02070309020205020404" pitchFamily="49" charset="0"/>
                 <a:cs typeface="Courier New" panose="02070309020205020404" pitchFamily="49" charset="0"/>
               </a:rPr>
-              <a:t>(&lt;naam&gt;)</a:t>
+              <a:t>()</a:t>
             </a:r>
           </a:p>
           <a:p>
@@ -5962,23 +6009,20 @@
           </a:p>
           <a:p>
             <a:pPr marL="0" indent="0">
-              <a:buFont typeface="Arial" panose="020B0604020202020204" pitchFamily="34" charset="0"/>
+              <a:buNone/>
+            </a:pPr>
+            <a:r>
+              <a:rPr lang="nl-NL" sz="2000" b="1" dirty="0"/>
+              <a:t>Goed gebruik:</a:t>
+            </a:r>
+          </a:p>
+          <a:p>
+            <a:pPr marL="0" indent="0">
               <a:buNone/>
             </a:pPr>
             <a:r>
               <a:rPr lang="nl-NL" sz="2000" dirty="0"/>
-              <a:t>Meestal gebruik je de naam van de module via </a:t>
-            </a:r>
-            <a:r>
-              <a:rPr lang="nl-NL" sz="2000" dirty="0">
-                <a:latin typeface="Courier New" panose="02070309020205020404" pitchFamily="49" charset="0"/>
-                <a:cs typeface="Courier New" panose="02070309020205020404" pitchFamily="49" charset="0"/>
-              </a:rPr>
-              <a:t>__name__</a:t>
-            </a:r>
-            <a:r>
-              <a:rPr lang="nl-NL" sz="2000" dirty="0"/>
-              <a:t>.</a:t>
+              <a:t>Eindgebruiker configureert de root logger.</a:t>
             </a:r>
           </a:p>
         </p:txBody>
@@ -6013,7 +6057,15 @@
           <a:p>
             <a:r>
               <a:rPr lang="nl-NL" sz="3600" noProof="0" dirty="0"/>
-              <a:t>Hoe maak je een eigen logger aan?</a:t>
+              <a:t>Hoe zet je </a:t>
+            </a:r>
+            <a:r>
+              <a:rPr lang="nl-NL" sz="3600" noProof="0" dirty="0" err="1"/>
+              <a:t>logging</a:t>
+            </a:r>
+            <a:r>
+              <a:rPr lang="nl-NL" sz="3600" noProof="0" dirty="0"/>
+              <a:t> op?</a:t>
             </a:r>
           </a:p>
         </p:txBody>
@@ -6288,19 +6340,26 @@
                 <a:latin typeface="Courier New" panose="02070309020205020404" pitchFamily="49" charset="0"/>
                 <a:cs typeface="Courier New" panose="02070309020205020404" pitchFamily="49" charset="0"/>
               </a:rPr>
-              <a:t># logger met eigen naam</a:t>
-            </a:r>
-          </a:p>
-          <a:p>
-            <a:pPr marL="0" indent="0">
-              <a:buNone/>
-            </a:pPr>
+              <a:t># Referentie naar de root logger</a:t>
+            </a:r>
+          </a:p>
+          <a:p>
+            <a:pPr marL="0" indent="0">
+              <a:buNone/>
+            </a:pPr>
+            <a:r>
+              <a:rPr lang="nl-NL" sz="1600" b="1" dirty="0" err="1">
+                <a:latin typeface="Courier New" panose="02070309020205020404" pitchFamily="49" charset="0"/>
+                <a:cs typeface="Courier New" panose="02070309020205020404" pitchFamily="49" charset="0"/>
+              </a:rPr>
+              <a:t>root_logger</a:t>
+            </a:r>
             <a:r>
               <a:rPr lang="nl-NL" sz="1600" b="1" dirty="0">
                 <a:latin typeface="Courier New" panose="02070309020205020404" pitchFamily="49" charset="0"/>
                 <a:cs typeface="Courier New" panose="02070309020205020404" pitchFamily="49" charset="0"/>
               </a:rPr>
-              <a:t>logger = </a:t>
+              <a:t> = </a:t>
             </a:r>
             <a:r>
               <a:rPr lang="nl-NL" sz="1600" b="1" dirty="0" err="1">
@@ -6314,27 +6373,8 @@
                 <a:latin typeface="Courier New" panose="02070309020205020404" pitchFamily="49" charset="0"/>
                 <a:cs typeface="Courier New" panose="02070309020205020404" pitchFamily="49" charset="0"/>
               </a:rPr>
-              <a:t>("</a:t>
-            </a:r>
-            <a:r>
-              <a:rPr lang="nl-NL" sz="1600" b="1" dirty="0" err="1">
-                <a:latin typeface="Courier New" panose="02070309020205020404" pitchFamily="49" charset="0"/>
-                <a:cs typeface="Courier New" panose="02070309020205020404" pitchFamily="49" charset="0"/>
-              </a:rPr>
-              <a:t>TestLogger</a:t>
-            </a:r>
-            <a:r>
-              <a:rPr lang="nl-NL" sz="1600" b="1" dirty="0">
-                <a:latin typeface="Courier New" panose="02070309020205020404" pitchFamily="49" charset="0"/>
-                <a:cs typeface="Courier New" panose="02070309020205020404" pitchFamily="49" charset="0"/>
-              </a:rPr>
-              <a:t>")</a:t>
-            </a:r>
-          </a:p>
-          <a:p>
-            <a:pPr marL="0" indent="0">
-              <a:buNone/>
-            </a:pPr>
+              <a:t>()</a:t>
+            </a:r>
             <a:endParaRPr lang="nl-NL" sz="1600" dirty="0">
               <a:latin typeface="Courier New" panose="02070309020205020404" pitchFamily="49" charset="0"/>
               <a:cs typeface="Courier New" panose="02070309020205020404" pitchFamily="49" charset="0"/>
@@ -6344,12 +6384,21 @@
             <a:pPr marL="0" indent="0">
               <a:buNone/>
             </a:pPr>
+            <a:endParaRPr lang="nl-NL" sz="1600" dirty="0">
+              <a:latin typeface="Courier New" panose="02070309020205020404" pitchFamily="49" charset="0"/>
+              <a:cs typeface="Courier New" panose="02070309020205020404" pitchFamily="49" charset="0"/>
+            </a:endParaRPr>
+          </a:p>
+          <a:p>
+            <a:pPr marL="0" indent="0">
+              <a:buNone/>
+            </a:pPr>
             <a:r>
               <a:rPr lang="nl-NL" sz="1600" dirty="0">
                 <a:latin typeface="Courier New" panose="02070309020205020404" pitchFamily="49" charset="0"/>
                 <a:cs typeface="Courier New" panose="02070309020205020404" pitchFamily="49" charset="0"/>
               </a:rPr>
-              <a:t># logger met naam van huidige module</a:t>
+              <a:t># Log bericht met de root logger</a:t>
             </a:r>
           </a:p>
           <a:p>
@@ -6361,22 +6410,95 @@
                 <a:latin typeface="Courier New" panose="02070309020205020404" pitchFamily="49" charset="0"/>
                 <a:cs typeface="Courier New" panose="02070309020205020404" pitchFamily="49" charset="0"/>
               </a:rPr>
-              <a:t>logger = </a:t>
-            </a:r>
+              <a:t>logging.info("&lt;log bericht&gt;")</a:t>
+            </a:r>
+          </a:p>
+          <a:p>
+            <a:pPr marL="0" indent="0">
+              <a:buNone/>
+            </a:pPr>
+            <a:r>
+              <a:rPr lang="nl-NL" sz="1600" b="1" dirty="0">
+                <a:latin typeface="Courier New" panose="02070309020205020404" pitchFamily="49" charset="0"/>
+                <a:cs typeface="Courier New" panose="02070309020205020404" pitchFamily="49" charset="0"/>
+              </a:rPr>
+              <a:t>root_logger.info("&lt;log bericht&gt;")</a:t>
+            </a:r>
+          </a:p>
+          <a:p>
+            <a:pPr marL="0" indent="0">
+              <a:buNone/>
+            </a:pPr>
+            <a:endParaRPr lang="nl-NL" sz="1600" dirty="0">
+              <a:latin typeface="Courier New" panose="02070309020205020404" pitchFamily="49" charset="0"/>
+              <a:cs typeface="Courier New" panose="02070309020205020404" pitchFamily="49" charset="0"/>
+            </a:endParaRPr>
+          </a:p>
+          <a:p>
+            <a:pPr marL="0" indent="0">
+              <a:buNone/>
+            </a:pPr>
+            <a:r>
+              <a:rPr lang="nl-NL" sz="1600" dirty="0">
+                <a:latin typeface="Courier New" panose="02070309020205020404" pitchFamily="49" charset="0"/>
+                <a:cs typeface="Courier New" panose="02070309020205020404" pitchFamily="49" charset="0"/>
+              </a:rPr>
+              <a:t># Configureer de root logger</a:t>
+            </a:r>
+          </a:p>
+          <a:p>
+            <a:pPr marL="0" indent="0">
+              <a:buNone/>
+            </a:pPr>
+            <a:r>
+              <a:rPr lang="nl-NL" sz="1600" dirty="0">
+                <a:latin typeface="Courier New" panose="02070309020205020404" pitchFamily="49" charset="0"/>
+                <a:cs typeface="Courier New" panose="02070309020205020404" pitchFamily="49" charset="0"/>
+              </a:rPr>
+              <a:t># Kan alleen VOOR eerste logbericht!</a:t>
+            </a:r>
+          </a:p>
+          <a:p>
+            <a:pPr marL="0" indent="0">
+              <a:buNone/>
+            </a:pPr>
             <a:r>
               <a:rPr lang="nl-NL" sz="1600" b="1" dirty="0" err="1">
                 <a:latin typeface="Courier New" panose="02070309020205020404" pitchFamily="49" charset="0"/>
                 <a:cs typeface="Courier New" panose="02070309020205020404" pitchFamily="49" charset="0"/>
               </a:rPr>
-              <a:t>logging.getLogger</a:t>
+              <a:t>logging.basicConfig</a:t>
             </a:r>
             <a:r>
               <a:rPr lang="nl-NL" sz="1600" b="1" dirty="0">
                 <a:latin typeface="Courier New" panose="02070309020205020404" pitchFamily="49" charset="0"/>
                 <a:cs typeface="Courier New" panose="02070309020205020404" pitchFamily="49" charset="0"/>
               </a:rPr>
-              <a:t>(__name__)</a:t>
-            </a:r>
+              <a:t>(level=</a:t>
+            </a:r>
+            <a:r>
+              <a:rPr lang="nl-NL" sz="1600" b="1" dirty="0" err="1">
+                <a:latin typeface="Courier New" panose="02070309020205020404" pitchFamily="49" charset="0"/>
+                <a:cs typeface="Courier New" panose="02070309020205020404" pitchFamily="49" charset="0"/>
+              </a:rPr>
+              <a:t>logging.DEBUG</a:t>
+            </a:r>
+            <a:r>
+              <a:rPr lang="nl-NL" sz="1600" b="1" dirty="0">
+                <a:latin typeface="Courier New" panose="02070309020205020404" pitchFamily="49" charset="0"/>
+                <a:cs typeface="Courier New" panose="02070309020205020404" pitchFamily="49" charset="0"/>
+              </a:rPr>
+              <a:t>)</a:t>
+            </a:r>
+          </a:p>
+          <a:p>
+            <a:pPr marL="0" indent="0">
+              <a:buNone/>
+            </a:pPr>
+            <a:endParaRPr lang="nl-NL" sz="1600" dirty="0">
+              <a:latin typeface="Courier New" panose="02070309020205020404" pitchFamily="49" charset="0"/>
+              <a:cs typeface="Courier New" panose="02070309020205020404" pitchFamily="49" charset="0"/>
+            </a:endParaRPr>
           </a:p>
           <a:p>
             <a:pPr marL="0" indent="0">
@@ -6392,7 +6514,7 @@
     </p:spTree>
     <p:extLst>
       <p:ext uri="{BB962C8B-B14F-4D97-AF65-F5344CB8AC3E}">
-        <p14:creationId xmlns:p14="http://schemas.microsoft.com/office/powerpoint/2010/main" val="3017823379"/>
+        <p14:creationId xmlns:p14="http://schemas.microsoft.com/office/powerpoint/2010/main" val="1364903630"/>
       </p:ext>
     </p:extLst>
   </p:cSld>
@@ -6616,7 +6738,691 @@
             </a:pPr>
             <a:r>
               <a:rPr lang="nl-NL" sz="2000" dirty="0"/>
-              <a:t>Een logger object kan zowel log berichten aanmaken als ontvangen.</a:t>
+              <a:t>Maak nieuwe logger objecten aan via:</a:t>
+            </a:r>
+          </a:p>
+          <a:p>
+            <a:pPr marL="0" indent="0">
+              <a:buNone/>
+            </a:pPr>
+            <a:r>
+              <a:rPr lang="nl-NL" sz="2000" dirty="0" err="1">
+                <a:latin typeface="Courier New" panose="02070309020205020404" pitchFamily="49" charset="0"/>
+                <a:cs typeface="Courier New" panose="02070309020205020404" pitchFamily="49" charset="0"/>
+              </a:rPr>
+              <a:t>logging.getLogger</a:t>
+            </a:r>
+            <a:r>
+              <a:rPr lang="nl-NL" sz="2000" dirty="0">
+                <a:latin typeface="Courier New" panose="02070309020205020404" pitchFamily="49" charset="0"/>
+                <a:cs typeface="Courier New" panose="02070309020205020404" pitchFamily="49" charset="0"/>
+              </a:rPr>
+              <a:t>(&lt;naam&gt;)</a:t>
+            </a:r>
+          </a:p>
+          <a:p>
+            <a:pPr marL="0" indent="0">
+              <a:buNone/>
+            </a:pPr>
+            <a:endParaRPr lang="nl-NL" sz="2000" dirty="0"/>
+          </a:p>
+          <a:p>
+            <a:pPr marL="0" indent="0">
+              <a:buFont typeface="Arial" panose="020B0604020202020204" pitchFamily="34" charset="0"/>
+              <a:buNone/>
+            </a:pPr>
+            <a:r>
+              <a:rPr lang="nl-NL" sz="2000" dirty="0"/>
+              <a:t>Meestal gebruik je de naam van de module via </a:t>
+            </a:r>
+            <a:r>
+              <a:rPr lang="nl-NL" sz="2000" dirty="0">
+                <a:latin typeface="Courier New" panose="02070309020205020404" pitchFamily="49" charset="0"/>
+                <a:cs typeface="Courier New" panose="02070309020205020404" pitchFamily="49" charset="0"/>
+              </a:rPr>
+              <a:t>__name__</a:t>
+            </a:r>
+            <a:r>
+              <a:rPr lang="nl-NL" sz="2000" dirty="0"/>
+              <a:t>.</a:t>
+            </a:r>
+          </a:p>
+        </p:txBody>
+      </p:sp>
+      <p:sp>
+        <p:nvSpPr>
+          <p:cNvPr id="2" name="Title 1">
+            <a:extLst>
+              <a:ext uri="{FF2B5EF4-FFF2-40B4-BE49-F238E27FC236}">
+                <a16:creationId xmlns:a16="http://schemas.microsoft.com/office/drawing/2014/main" id="{39A1D606-8DD1-369C-5C09-471CDD551AD5}"/>
+              </a:ext>
+            </a:extLst>
+          </p:cNvPr>
+          <p:cNvSpPr>
+            <a:spLocks noGrp="1"/>
+          </p:cNvSpPr>
+          <p:nvPr>
+            <p:ph type="title"/>
+          </p:nvPr>
+        </p:nvSpPr>
+        <p:spPr>
+          <a:xfrm>
+            <a:off x="838200" y="365126"/>
+            <a:ext cx="10515600" cy="718608"/>
+          </a:xfrm>
+        </p:spPr>
+        <p:txBody>
+          <a:bodyPr>
+            <a:normAutofit/>
+          </a:bodyPr>
+          <a:lstStyle/>
+          <a:p>
+            <a:r>
+              <a:rPr lang="nl-NL" sz="3600" noProof="0" dirty="0"/>
+              <a:t>Hoe maak je een eigen logger aan?</a:t>
+            </a:r>
+          </a:p>
+        </p:txBody>
+      </p:sp>
+      <p:cxnSp>
+        <p:nvCxnSpPr>
+          <p:cNvPr id="5" name="Straight Connector 4">
+            <a:extLst>
+              <a:ext uri="{FF2B5EF4-FFF2-40B4-BE49-F238E27FC236}">
+                <a16:creationId xmlns:a16="http://schemas.microsoft.com/office/drawing/2014/main" id="{816517B9-97D0-8255-B24E-1BBE65010D0C}"/>
+              </a:ext>
+            </a:extLst>
+          </p:cNvPr>
+          <p:cNvCxnSpPr>
+            <a:cxnSpLocks/>
+          </p:cNvCxnSpPr>
+          <p:nvPr/>
+        </p:nvCxnSpPr>
+        <p:spPr>
+          <a:xfrm>
+            <a:off x="5655733" y="1456267"/>
+            <a:ext cx="0" cy="4809066"/>
+          </a:xfrm>
+          <a:prstGeom prst="line">
+            <a:avLst/>
+          </a:prstGeom>
+        </p:spPr>
+        <p:style>
+          <a:lnRef idx="3">
+            <a:schemeClr val="dk1"/>
+          </a:lnRef>
+          <a:fillRef idx="0">
+            <a:schemeClr val="dk1"/>
+          </a:fillRef>
+          <a:effectRef idx="2">
+            <a:schemeClr val="dk1"/>
+          </a:effectRef>
+          <a:fontRef idx="minor">
+            <a:schemeClr val="tx1"/>
+          </a:fontRef>
+        </p:style>
+      </p:cxnSp>
+      <p:sp>
+        <p:nvSpPr>
+          <p:cNvPr id="10" name="Content Placeholder 2">
+            <a:extLst>
+              <a:ext uri="{FF2B5EF4-FFF2-40B4-BE49-F238E27FC236}">
+                <a16:creationId xmlns:a16="http://schemas.microsoft.com/office/drawing/2014/main" id="{761CBFA1-5B79-5C98-537C-218F1FDF4FAF}"/>
+              </a:ext>
+            </a:extLst>
+          </p:cNvPr>
+          <p:cNvSpPr txBox="1">
+            <a:spLocks/>
+          </p:cNvSpPr>
+          <p:nvPr/>
+        </p:nvSpPr>
+        <p:spPr>
+          <a:xfrm>
+            <a:off x="5969013" y="1456267"/>
+            <a:ext cx="5190054" cy="4720696"/>
+          </a:xfrm>
+          <a:prstGeom prst="rect">
+            <a:avLst/>
+          </a:prstGeom>
+        </p:spPr>
+        <p:txBody>
+          <a:bodyPr vert="horz" lIns="91440" tIns="45720" rIns="91440" bIns="45720" rtlCol="0">
+            <a:normAutofit/>
+          </a:bodyPr>
+          <a:lstStyle>
+            <a:lvl1pPr marL="228600" indent="-228600" algn="l" defTabSz="914400" rtl="0" eaLnBrk="1" latinLnBrk="0" hangingPunct="1">
+              <a:lnSpc>
+                <a:spcPct val="90000"/>
+              </a:lnSpc>
+              <a:spcBef>
+                <a:spcPts val="1000"/>
+              </a:spcBef>
+              <a:buFont typeface="Arial" panose="020B0604020202020204" pitchFamily="34" charset="0"/>
+              <a:buChar char="•"/>
+              <a:defRPr sz="2800" kern="1200">
+                <a:solidFill>
+                  <a:schemeClr val="tx1"/>
+                </a:solidFill>
+                <a:latin typeface="+mn-lt"/>
+                <a:ea typeface="+mn-ea"/>
+                <a:cs typeface="+mn-cs"/>
+              </a:defRPr>
+            </a:lvl1pPr>
+            <a:lvl2pPr marL="685800" indent="-228600" algn="l" defTabSz="914400" rtl="0" eaLnBrk="1" latinLnBrk="0" hangingPunct="1">
+              <a:lnSpc>
+                <a:spcPct val="90000"/>
+              </a:lnSpc>
+              <a:spcBef>
+                <a:spcPts val="500"/>
+              </a:spcBef>
+              <a:buFont typeface="Arial" panose="020B0604020202020204" pitchFamily="34" charset="0"/>
+              <a:buChar char="•"/>
+              <a:defRPr sz="2400" kern="1200">
+                <a:solidFill>
+                  <a:schemeClr val="tx1"/>
+                </a:solidFill>
+                <a:latin typeface="+mn-lt"/>
+                <a:ea typeface="+mn-ea"/>
+                <a:cs typeface="+mn-cs"/>
+              </a:defRPr>
+            </a:lvl2pPr>
+            <a:lvl3pPr marL="1143000" indent="-228600" algn="l" defTabSz="914400" rtl="0" eaLnBrk="1" latinLnBrk="0" hangingPunct="1">
+              <a:lnSpc>
+                <a:spcPct val="90000"/>
+              </a:lnSpc>
+              <a:spcBef>
+                <a:spcPts val="500"/>
+              </a:spcBef>
+              <a:buFont typeface="Arial" panose="020B0604020202020204" pitchFamily="34" charset="0"/>
+              <a:buChar char="•"/>
+              <a:defRPr sz="2000" kern="1200">
+                <a:solidFill>
+                  <a:schemeClr val="tx1"/>
+                </a:solidFill>
+                <a:latin typeface="+mn-lt"/>
+                <a:ea typeface="+mn-ea"/>
+                <a:cs typeface="+mn-cs"/>
+              </a:defRPr>
+            </a:lvl3pPr>
+            <a:lvl4pPr marL="1600200" indent="-228600" algn="l" defTabSz="914400" rtl="0" eaLnBrk="1" latinLnBrk="0" hangingPunct="1">
+              <a:lnSpc>
+                <a:spcPct val="90000"/>
+              </a:lnSpc>
+              <a:spcBef>
+                <a:spcPts val="500"/>
+              </a:spcBef>
+              <a:buFont typeface="Arial" panose="020B0604020202020204" pitchFamily="34" charset="0"/>
+              <a:buChar char="•"/>
+              <a:defRPr sz="1800" kern="1200">
+                <a:solidFill>
+                  <a:schemeClr val="tx1"/>
+                </a:solidFill>
+                <a:latin typeface="+mn-lt"/>
+                <a:ea typeface="+mn-ea"/>
+                <a:cs typeface="+mn-cs"/>
+              </a:defRPr>
+            </a:lvl4pPr>
+            <a:lvl5pPr marL="2057400" indent="-228600" algn="l" defTabSz="914400" rtl="0" eaLnBrk="1" latinLnBrk="0" hangingPunct="1">
+              <a:lnSpc>
+                <a:spcPct val="90000"/>
+              </a:lnSpc>
+              <a:spcBef>
+                <a:spcPts val="500"/>
+              </a:spcBef>
+              <a:buFont typeface="Arial" panose="020B0604020202020204" pitchFamily="34" charset="0"/>
+              <a:buChar char="•"/>
+              <a:defRPr sz="1800" kern="1200">
+                <a:solidFill>
+                  <a:schemeClr val="tx1"/>
+                </a:solidFill>
+                <a:latin typeface="+mn-lt"/>
+                <a:ea typeface="+mn-ea"/>
+                <a:cs typeface="+mn-cs"/>
+              </a:defRPr>
+            </a:lvl5pPr>
+            <a:lvl6pPr marL="2514600" indent="-228600" algn="l" defTabSz="914400" rtl="0" eaLnBrk="1" latinLnBrk="0" hangingPunct="1">
+              <a:lnSpc>
+                <a:spcPct val="90000"/>
+              </a:lnSpc>
+              <a:spcBef>
+                <a:spcPts val="500"/>
+              </a:spcBef>
+              <a:buFont typeface="Arial" panose="020B0604020202020204" pitchFamily="34" charset="0"/>
+              <a:buChar char="•"/>
+              <a:defRPr sz="1800" kern="1200">
+                <a:solidFill>
+                  <a:schemeClr val="tx1"/>
+                </a:solidFill>
+                <a:latin typeface="+mn-lt"/>
+                <a:ea typeface="+mn-ea"/>
+                <a:cs typeface="+mn-cs"/>
+              </a:defRPr>
+            </a:lvl6pPr>
+            <a:lvl7pPr marL="2971800" indent="-228600" algn="l" defTabSz="914400" rtl="0" eaLnBrk="1" latinLnBrk="0" hangingPunct="1">
+              <a:lnSpc>
+                <a:spcPct val="90000"/>
+              </a:lnSpc>
+              <a:spcBef>
+                <a:spcPts val="500"/>
+              </a:spcBef>
+              <a:buFont typeface="Arial" panose="020B0604020202020204" pitchFamily="34" charset="0"/>
+              <a:buChar char="•"/>
+              <a:defRPr sz="1800" kern="1200">
+                <a:solidFill>
+                  <a:schemeClr val="tx1"/>
+                </a:solidFill>
+                <a:latin typeface="+mn-lt"/>
+                <a:ea typeface="+mn-ea"/>
+                <a:cs typeface="+mn-cs"/>
+              </a:defRPr>
+            </a:lvl7pPr>
+            <a:lvl8pPr marL="3429000" indent="-228600" algn="l" defTabSz="914400" rtl="0" eaLnBrk="1" latinLnBrk="0" hangingPunct="1">
+              <a:lnSpc>
+                <a:spcPct val="90000"/>
+              </a:lnSpc>
+              <a:spcBef>
+                <a:spcPts val="500"/>
+              </a:spcBef>
+              <a:buFont typeface="Arial" panose="020B0604020202020204" pitchFamily="34" charset="0"/>
+              <a:buChar char="•"/>
+              <a:defRPr sz="1800" kern="1200">
+                <a:solidFill>
+                  <a:schemeClr val="tx1"/>
+                </a:solidFill>
+                <a:latin typeface="+mn-lt"/>
+                <a:ea typeface="+mn-ea"/>
+                <a:cs typeface="+mn-cs"/>
+              </a:defRPr>
+            </a:lvl8pPr>
+            <a:lvl9pPr marL="3886200" indent="-228600" algn="l" defTabSz="914400" rtl="0" eaLnBrk="1" latinLnBrk="0" hangingPunct="1">
+              <a:lnSpc>
+                <a:spcPct val="90000"/>
+              </a:lnSpc>
+              <a:spcBef>
+                <a:spcPts val="500"/>
+              </a:spcBef>
+              <a:buFont typeface="Arial" panose="020B0604020202020204" pitchFamily="34" charset="0"/>
+              <a:buChar char="•"/>
+              <a:defRPr sz="1800" kern="1200">
+                <a:solidFill>
+                  <a:schemeClr val="tx1"/>
+                </a:solidFill>
+                <a:latin typeface="+mn-lt"/>
+                <a:ea typeface="+mn-ea"/>
+                <a:cs typeface="+mn-cs"/>
+              </a:defRPr>
+            </a:lvl9pPr>
+          </a:lstStyle>
+          <a:p>
+            <a:pPr marL="0" indent="0">
+              <a:buNone/>
+            </a:pPr>
+            <a:r>
+              <a:rPr lang="nl-NL" sz="1600" b="1" dirty="0">
+                <a:latin typeface="Courier New" panose="02070309020205020404" pitchFamily="49" charset="0"/>
+                <a:cs typeface="Courier New" panose="02070309020205020404" pitchFamily="49" charset="0"/>
+              </a:rPr>
+              <a:t>import </a:t>
+            </a:r>
+            <a:r>
+              <a:rPr lang="nl-NL" sz="1600" b="1" dirty="0" err="1">
+                <a:latin typeface="Courier New" panose="02070309020205020404" pitchFamily="49" charset="0"/>
+                <a:cs typeface="Courier New" panose="02070309020205020404" pitchFamily="49" charset="0"/>
+              </a:rPr>
+              <a:t>logging</a:t>
+            </a:r>
+            <a:endParaRPr lang="nl-NL" sz="1600" b="1" dirty="0">
+              <a:latin typeface="Courier New" panose="02070309020205020404" pitchFamily="49" charset="0"/>
+              <a:cs typeface="Courier New" panose="02070309020205020404" pitchFamily="49" charset="0"/>
+            </a:endParaRPr>
+          </a:p>
+          <a:p>
+            <a:pPr marL="0" indent="0">
+              <a:buNone/>
+            </a:pPr>
+            <a:endParaRPr lang="nl-NL" sz="1600" dirty="0">
+              <a:latin typeface="Courier New" panose="02070309020205020404" pitchFamily="49" charset="0"/>
+              <a:cs typeface="Courier New" panose="02070309020205020404" pitchFamily="49" charset="0"/>
+            </a:endParaRPr>
+          </a:p>
+          <a:p>
+            <a:pPr marL="0" indent="0">
+              <a:buNone/>
+            </a:pPr>
+            <a:r>
+              <a:rPr lang="nl-NL" sz="1600" dirty="0">
+                <a:latin typeface="Courier New" panose="02070309020205020404" pitchFamily="49" charset="0"/>
+                <a:cs typeface="Courier New" panose="02070309020205020404" pitchFamily="49" charset="0"/>
+              </a:rPr>
+              <a:t># logger met eigen naam</a:t>
+            </a:r>
+          </a:p>
+          <a:p>
+            <a:pPr marL="0" indent="0">
+              <a:buNone/>
+            </a:pPr>
+            <a:r>
+              <a:rPr lang="nl-NL" sz="1600" b="1" dirty="0">
+                <a:latin typeface="Courier New" panose="02070309020205020404" pitchFamily="49" charset="0"/>
+                <a:cs typeface="Courier New" panose="02070309020205020404" pitchFamily="49" charset="0"/>
+              </a:rPr>
+              <a:t>logger = </a:t>
+            </a:r>
+            <a:r>
+              <a:rPr lang="nl-NL" sz="1600" b="1" dirty="0" err="1">
+                <a:latin typeface="Courier New" panose="02070309020205020404" pitchFamily="49" charset="0"/>
+                <a:cs typeface="Courier New" panose="02070309020205020404" pitchFamily="49" charset="0"/>
+              </a:rPr>
+              <a:t>logging.getLogger</a:t>
+            </a:r>
+            <a:r>
+              <a:rPr lang="nl-NL" sz="1600" b="1" dirty="0">
+                <a:latin typeface="Courier New" panose="02070309020205020404" pitchFamily="49" charset="0"/>
+                <a:cs typeface="Courier New" panose="02070309020205020404" pitchFamily="49" charset="0"/>
+              </a:rPr>
+              <a:t>("</a:t>
+            </a:r>
+            <a:r>
+              <a:rPr lang="nl-NL" sz="1600" b="1" dirty="0" err="1">
+                <a:latin typeface="Courier New" panose="02070309020205020404" pitchFamily="49" charset="0"/>
+                <a:cs typeface="Courier New" panose="02070309020205020404" pitchFamily="49" charset="0"/>
+              </a:rPr>
+              <a:t>TestLogger</a:t>
+            </a:r>
+            <a:r>
+              <a:rPr lang="nl-NL" sz="1600" b="1" dirty="0">
+                <a:latin typeface="Courier New" panose="02070309020205020404" pitchFamily="49" charset="0"/>
+                <a:cs typeface="Courier New" panose="02070309020205020404" pitchFamily="49" charset="0"/>
+              </a:rPr>
+              <a:t>")</a:t>
+            </a:r>
+          </a:p>
+          <a:p>
+            <a:pPr marL="0" indent="0">
+              <a:buNone/>
+            </a:pPr>
+            <a:endParaRPr lang="nl-NL" sz="1600" dirty="0">
+              <a:latin typeface="Courier New" panose="02070309020205020404" pitchFamily="49" charset="0"/>
+              <a:cs typeface="Courier New" panose="02070309020205020404" pitchFamily="49" charset="0"/>
+            </a:endParaRPr>
+          </a:p>
+          <a:p>
+            <a:pPr marL="0" indent="0">
+              <a:buNone/>
+            </a:pPr>
+            <a:r>
+              <a:rPr lang="nl-NL" sz="1600" dirty="0">
+                <a:latin typeface="Courier New" panose="02070309020205020404" pitchFamily="49" charset="0"/>
+                <a:cs typeface="Courier New" panose="02070309020205020404" pitchFamily="49" charset="0"/>
+              </a:rPr>
+              <a:t># logger met naam van huidige module</a:t>
+            </a:r>
+          </a:p>
+          <a:p>
+            <a:pPr marL="0" indent="0">
+              <a:buNone/>
+            </a:pPr>
+            <a:r>
+              <a:rPr lang="nl-NL" sz="1600" b="1" dirty="0">
+                <a:latin typeface="Courier New" panose="02070309020205020404" pitchFamily="49" charset="0"/>
+                <a:cs typeface="Courier New" panose="02070309020205020404" pitchFamily="49" charset="0"/>
+              </a:rPr>
+              <a:t>logger = </a:t>
+            </a:r>
+            <a:r>
+              <a:rPr lang="nl-NL" sz="1600" b="1" dirty="0" err="1">
+                <a:latin typeface="Courier New" panose="02070309020205020404" pitchFamily="49" charset="0"/>
+                <a:cs typeface="Courier New" panose="02070309020205020404" pitchFamily="49" charset="0"/>
+              </a:rPr>
+              <a:t>logging.getLogger</a:t>
+            </a:r>
+            <a:r>
+              <a:rPr lang="nl-NL" sz="1600" b="1" dirty="0">
+                <a:latin typeface="Courier New" panose="02070309020205020404" pitchFamily="49" charset="0"/>
+                <a:cs typeface="Courier New" panose="02070309020205020404" pitchFamily="49" charset="0"/>
+              </a:rPr>
+              <a:t>(__name__)</a:t>
+            </a:r>
+          </a:p>
+          <a:p>
+            <a:pPr marL="0" indent="0">
+              <a:buNone/>
+            </a:pPr>
+            <a:endParaRPr lang="nl-NL" sz="1600" dirty="0">
+              <a:latin typeface="Courier New" panose="02070309020205020404" pitchFamily="49" charset="0"/>
+              <a:cs typeface="Courier New" panose="02070309020205020404" pitchFamily="49" charset="0"/>
+            </a:endParaRPr>
+          </a:p>
+        </p:txBody>
+      </p:sp>
+    </p:spTree>
+    <p:extLst>
+      <p:ext uri="{BB962C8B-B14F-4D97-AF65-F5344CB8AC3E}">
+        <p14:creationId xmlns:p14="http://schemas.microsoft.com/office/powerpoint/2010/main" val="3017823379"/>
+      </p:ext>
+    </p:extLst>
+  </p:cSld>
+  <p:clrMapOvr>
+    <a:masterClrMapping/>
+  </p:clrMapOvr>
+</p:sld>
+</file>
+
+<file path=ppt/slides/slide16.xml><?xml version="1.0" encoding="utf-8"?>
+<p:sld xmlns:a="http://schemas.openxmlformats.org/drawingml/2006/main" xmlns:r="http://schemas.openxmlformats.org/officeDocument/2006/relationships" xmlns:p="http://schemas.openxmlformats.org/presentationml/2006/main">
+  <p:cSld>
+    <p:spTree>
+      <p:nvGrpSpPr>
+        <p:cNvPr id="1" name=""/>
+        <p:cNvGrpSpPr/>
+        <p:nvPr/>
+      </p:nvGrpSpPr>
+      <p:grpSpPr>
+        <a:xfrm>
+          <a:off x="0" y="0"/>
+          <a:ext cx="0" cy="0"/>
+          <a:chOff x="0" y="0"/>
+          <a:chExt cx="0" cy="0"/>
+        </a:xfrm>
+      </p:grpSpPr>
+      <p:sp>
+        <p:nvSpPr>
+          <p:cNvPr id="7" name="Content Placeholder 2">
+            <a:extLst>
+              <a:ext uri="{FF2B5EF4-FFF2-40B4-BE49-F238E27FC236}">
+                <a16:creationId xmlns:a16="http://schemas.microsoft.com/office/drawing/2014/main" id="{270B364B-D07E-1F58-2A8E-EF2360CDE504}"/>
+              </a:ext>
+            </a:extLst>
+          </p:cNvPr>
+          <p:cNvSpPr txBox="1">
+            <a:spLocks/>
+          </p:cNvSpPr>
+          <p:nvPr/>
+        </p:nvSpPr>
+        <p:spPr>
+          <a:xfrm>
+            <a:off x="838200" y="1456267"/>
+            <a:ext cx="4571999" cy="4720696"/>
+          </a:xfrm>
+          <a:prstGeom prst="rect">
+            <a:avLst/>
+          </a:prstGeom>
+        </p:spPr>
+        <p:txBody>
+          <a:bodyPr vert="horz" lIns="91440" tIns="45720" rIns="91440" bIns="45720" rtlCol="0">
+            <a:normAutofit/>
+          </a:bodyPr>
+          <a:lstStyle>
+            <a:lvl1pPr marL="228600" indent="-228600" algn="l" defTabSz="914400" rtl="0" eaLnBrk="1" latinLnBrk="0" hangingPunct="1">
+              <a:lnSpc>
+                <a:spcPct val="90000"/>
+              </a:lnSpc>
+              <a:spcBef>
+                <a:spcPts val="1000"/>
+              </a:spcBef>
+              <a:buFont typeface="Arial" panose="020B0604020202020204" pitchFamily="34" charset="0"/>
+              <a:buChar char="•"/>
+              <a:defRPr sz="2800" kern="1200">
+                <a:solidFill>
+                  <a:schemeClr val="tx1"/>
+                </a:solidFill>
+                <a:latin typeface="+mn-lt"/>
+                <a:ea typeface="+mn-ea"/>
+                <a:cs typeface="+mn-cs"/>
+              </a:defRPr>
+            </a:lvl1pPr>
+            <a:lvl2pPr marL="685800" indent="-228600" algn="l" defTabSz="914400" rtl="0" eaLnBrk="1" latinLnBrk="0" hangingPunct="1">
+              <a:lnSpc>
+                <a:spcPct val="90000"/>
+              </a:lnSpc>
+              <a:spcBef>
+                <a:spcPts val="500"/>
+              </a:spcBef>
+              <a:buFont typeface="Arial" panose="020B0604020202020204" pitchFamily="34" charset="0"/>
+              <a:buChar char="•"/>
+              <a:defRPr sz="2400" kern="1200">
+                <a:solidFill>
+                  <a:schemeClr val="tx1"/>
+                </a:solidFill>
+                <a:latin typeface="+mn-lt"/>
+                <a:ea typeface="+mn-ea"/>
+                <a:cs typeface="+mn-cs"/>
+              </a:defRPr>
+            </a:lvl2pPr>
+            <a:lvl3pPr marL="1143000" indent="-228600" algn="l" defTabSz="914400" rtl="0" eaLnBrk="1" latinLnBrk="0" hangingPunct="1">
+              <a:lnSpc>
+                <a:spcPct val="90000"/>
+              </a:lnSpc>
+              <a:spcBef>
+                <a:spcPts val="500"/>
+              </a:spcBef>
+              <a:buFont typeface="Arial" panose="020B0604020202020204" pitchFamily="34" charset="0"/>
+              <a:buChar char="•"/>
+              <a:defRPr sz="2000" kern="1200">
+                <a:solidFill>
+                  <a:schemeClr val="tx1"/>
+                </a:solidFill>
+                <a:latin typeface="+mn-lt"/>
+                <a:ea typeface="+mn-ea"/>
+                <a:cs typeface="+mn-cs"/>
+              </a:defRPr>
+            </a:lvl3pPr>
+            <a:lvl4pPr marL="1600200" indent="-228600" algn="l" defTabSz="914400" rtl="0" eaLnBrk="1" latinLnBrk="0" hangingPunct="1">
+              <a:lnSpc>
+                <a:spcPct val="90000"/>
+              </a:lnSpc>
+              <a:spcBef>
+                <a:spcPts val="500"/>
+              </a:spcBef>
+              <a:buFont typeface="Arial" panose="020B0604020202020204" pitchFamily="34" charset="0"/>
+              <a:buChar char="•"/>
+              <a:defRPr sz="1800" kern="1200">
+                <a:solidFill>
+                  <a:schemeClr val="tx1"/>
+                </a:solidFill>
+                <a:latin typeface="+mn-lt"/>
+                <a:ea typeface="+mn-ea"/>
+                <a:cs typeface="+mn-cs"/>
+              </a:defRPr>
+            </a:lvl4pPr>
+            <a:lvl5pPr marL="2057400" indent="-228600" algn="l" defTabSz="914400" rtl="0" eaLnBrk="1" latinLnBrk="0" hangingPunct="1">
+              <a:lnSpc>
+                <a:spcPct val="90000"/>
+              </a:lnSpc>
+              <a:spcBef>
+                <a:spcPts val="500"/>
+              </a:spcBef>
+              <a:buFont typeface="Arial" panose="020B0604020202020204" pitchFamily="34" charset="0"/>
+              <a:buChar char="•"/>
+              <a:defRPr sz="1800" kern="1200">
+                <a:solidFill>
+                  <a:schemeClr val="tx1"/>
+                </a:solidFill>
+                <a:latin typeface="+mn-lt"/>
+                <a:ea typeface="+mn-ea"/>
+                <a:cs typeface="+mn-cs"/>
+              </a:defRPr>
+            </a:lvl5pPr>
+            <a:lvl6pPr marL="2514600" indent="-228600" algn="l" defTabSz="914400" rtl="0" eaLnBrk="1" latinLnBrk="0" hangingPunct="1">
+              <a:lnSpc>
+                <a:spcPct val="90000"/>
+              </a:lnSpc>
+              <a:spcBef>
+                <a:spcPts val="500"/>
+              </a:spcBef>
+              <a:buFont typeface="Arial" panose="020B0604020202020204" pitchFamily="34" charset="0"/>
+              <a:buChar char="•"/>
+              <a:defRPr sz="1800" kern="1200">
+                <a:solidFill>
+                  <a:schemeClr val="tx1"/>
+                </a:solidFill>
+                <a:latin typeface="+mn-lt"/>
+                <a:ea typeface="+mn-ea"/>
+                <a:cs typeface="+mn-cs"/>
+              </a:defRPr>
+            </a:lvl6pPr>
+            <a:lvl7pPr marL="2971800" indent="-228600" algn="l" defTabSz="914400" rtl="0" eaLnBrk="1" latinLnBrk="0" hangingPunct="1">
+              <a:lnSpc>
+                <a:spcPct val="90000"/>
+              </a:lnSpc>
+              <a:spcBef>
+                <a:spcPts val="500"/>
+              </a:spcBef>
+              <a:buFont typeface="Arial" panose="020B0604020202020204" pitchFamily="34" charset="0"/>
+              <a:buChar char="•"/>
+              <a:defRPr sz="1800" kern="1200">
+                <a:solidFill>
+                  <a:schemeClr val="tx1"/>
+                </a:solidFill>
+                <a:latin typeface="+mn-lt"/>
+                <a:ea typeface="+mn-ea"/>
+                <a:cs typeface="+mn-cs"/>
+              </a:defRPr>
+            </a:lvl7pPr>
+            <a:lvl8pPr marL="3429000" indent="-228600" algn="l" defTabSz="914400" rtl="0" eaLnBrk="1" latinLnBrk="0" hangingPunct="1">
+              <a:lnSpc>
+                <a:spcPct val="90000"/>
+              </a:lnSpc>
+              <a:spcBef>
+                <a:spcPts val="500"/>
+              </a:spcBef>
+              <a:buFont typeface="Arial" panose="020B0604020202020204" pitchFamily="34" charset="0"/>
+              <a:buChar char="•"/>
+              <a:defRPr sz="1800" kern="1200">
+                <a:solidFill>
+                  <a:schemeClr val="tx1"/>
+                </a:solidFill>
+                <a:latin typeface="+mn-lt"/>
+                <a:ea typeface="+mn-ea"/>
+                <a:cs typeface="+mn-cs"/>
+              </a:defRPr>
+            </a:lvl8pPr>
+            <a:lvl9pPr marL="3886200" indent="-228600" algn="l" defTabSz="914400" rtl="0" eaLnBrk="1" latinLnBrk="0" hangingPunct="1">
+              <a:lnSpc>
+                <a:spcPct val="90000"/>
+              </a:lnSpc>
+              <a:spcBef>
+                <a:spcPts val="500"/>
+              </a:spcBef>
+              <a:buFont typeface="Arial" panose="020B0604020202020204" pitchFamily="34" charset="0"/>
+              <a:buChar char="•"/>
+              <a:defRPr sz="1800" kern="1200">
+                <a:solidFill>
+                  <a:schemeClr val="tx1"/>
+                </a:solidFill>
+                <a:latin typeface="+mn-lt"/>
+                <a:ea typeface="+mn-ea"/>
+                <a:cs typeface="+mn-cs"/>
+              </a:defRPr>
+            </a:lvl9pPr>
+          </a:lstStyle>
+          <a:p>
+            <a:pPr marL="0" indent="0">
+              <a:buNone/>
+            </a:pPr>
+            <a:r>
+              <a:rPr lang="nl-NL" sz="2000" dirty="0"/>
+              <a:t>Een logger object kan zowel log berichten maken als ontvangen.</a:t>
             </a:r>
           </a:p>
           <a:p>
@@ -6687,20 +7493,8 @@
             </a:r>
             <a:r>
               <a:rPr lang="nl-NL" sz="2000" dirty="0"/>
-              <a:t> om berichten op te maken.</a:t>
-            </a:r>
-          </a:p>
-          <a:p>
-            <a:pPr marL="0" indent="0">
-              <a:buNone/>
-            </a:pPr>
-            <a:endParaRPr lang="nl-NL" sz="2000" dirty="0"/>
-          </a:p>
-          <a:p>
-            <a:pPr marL="0" indent="0">
-              <a:buNone/>
-            </a:pPr>
-            <a:endParaRPr lang="nl-NL" sz="2000" dirty="0"/>
+              <a:t> om berichten vorm te geven.</a:t>
+            </a:r>
           </a:p>
         </p:txBody>
       </p:sp>
@@ -7244,7 +8038,7 @@
 </p:sld>
 </file>
 
-<file path=ppt/slides/slide16.xml><?xml version="1.0" encoding="utf-8"?>
+<file path=ppt/slides/slide17.xml><?xml version="1.0" encoding="utf-8"?>
 <p:sld xmlns:a="http://schemas.openxmlformats.org/drawingml/2006/main" xmlns:r="http://schemas.openxmlformats.org/officeDocument/2006/relationships" xmlns:p="http://schemas.openxmlformats.org/presentationml/2006/main">
   <p:cSld>
     <p:spTree>
@@ -7458,7 +8252,7 @@
             </a:pPr>
             <a:r>
               <a:rPr lang="nl-NL" sz="2000" dirty="0"/>
-              <a:t>Een logger object kan zowel log berichten aanmaken als ontvangen.</a:t>
+              <a:t>Een logger object kan zowel log berichten maken als ontvangen.</a:t>
             </a:r>
           </a:p>
           <a:p>
@@ -7529,20 +8323,8 @@
             </a:r>
             <a:r>
               <a:rPr lang="nl-NL" sz="2000" dirty="0"/>
-              <a:t> om berichten op te maken.</a:t>
-            </a:r>
-          </a:p>
-          <a:p>
-            <a:pPr marL="0" indent="0">
-              <a:buNone/>
-            </a:pPr>
-            <a:endParaRPr lang="nl-NL" sz="2000" dirty="0"/>
-          </a:p>
-          <a:p>
-            <a:pPr marL="0" indent="0">
-              <a:buNone/>
-            </a:pPr>
-            <a:endParaRPr lang="nl-NL" sz="2000" dirty="0"/>
+              <a:t> om berichten vorm te geven.</a:t>
+            </a:r>
           </a:p>
         </p:txBody>
       </p:sp>
@@ -8362,7 +9144,7 @@
 </p:sld>
 </file>
 
-<file path=ppt/slides/slide17.xml><?xml version="1.0" encoding="utf-8"?>
+<file path=ppt/slides/slide18.xml><?xml version="1.0" encoding="utf-8"?>
 <p:sld xmlns:a="http://schemas.openxmlformats.org/drawingml/2006/main" xmlns:r="http://schemas.openxmlformats.org/officeDocument/2006/relationships" xmlns:p="http://schemas.openxmlformats.org/presentationml/2006/main">
   <p:cSld>
     <p:spTree>
@@ -9219,7 +10001,7 @@
 </p:sld>
 </file>
 
-<file path=ppt/slides/slide18.xml><?xml version="1.0" encoding="utf-8"?>
+<file path=ppt/slides/slide19.xml><?xml version="1.0" encoding="utf-8"?>
 <p:sld xmlns:a="http://schemas.openxmlformats.org/drawingml/2006/main" xmlns:r="http://schemas.openxmlformats.org/officeDocument/2006/relationships" xmlns:p="http://schemas.openxmlformats.org/presentationml/2006/main">
   <p:cSld>
     <p:spTree>
@@ -9302,7 +10084,7 @@
 </p:sld>
 </file>
 
-<file path=ppt/slides/slide19.xml><?xml version="1.0" encoding="utf-8"?>
+<file path=ppt/slides/slide2.xml><?xml version="1.0" encoding="utf-8"?>
 <p:sld xmlns:a="http://schemas.openxmlformats.org/drawingml/2006/main" xmlns:r="http://schemas.openxmlformats.org/officeDocument/2006/relationships" xmlns:p="http://schemas.openxmlformats.org/presentationml/2006/main">
   <p:cSld>
     <p:spTree>
@@ -9348,6 +10130,256 @@
           <a:lstStyle/>
           <a:p>
             <a:r>
+              <a:rPr lang="nl-NL" sz="3600" noProof="0" dirty="0"/>
+              <a:t>Agenda</a:t>
+            </a:r>
+          </a:p>
+        </p:txBody>
+      </p:sp>
+      <p:sp>
+        <p:nvSpPr>
+          <p:cNvPr id="3" name="Content Placeholder 2">
+            <a:extLst>
+              <a:ext uri="{FF2B5EF4-FFF2-40B4-BE49-F238E27FC236}">
+                <a16:creationId xmlns:a16="http://schemas.microsoft.com/office/drawing/2014/main" id="{F4C2D286-E049-0AAB-1360-B7157E11AD7E}"/>
+              </a:ext>
+            </a:extLst>
+          </p:cNvPr>
+          <p:cNvSpPr>
+            <a:spLocks noGrp="1"/>
+          </p:cNvSpPr>
+          <p:nvPr>
+            <p:ph idx="1"/>
+          </p:nvPr>
+        </p:nvSpPr>
+        <p:spPr>
+          <a:xfrm>
+            <a:off x="838200" y="1456267"/>
+            <a:ext cx="10515600" cy="4720696"/>
+          </a:xfrm>
+        </p:spPr>
+        <p:txBody>
+          <a:bodyPr>
+            <a:normAutofit/>
+          </a:bodyPr>
+          <a:lstStyle/>
+          <a:p>
+            <a:pPr>
+              <a:spcAft>
+                <a:spcPts val="600"/>
+              </a:spcAft>
+            </a:pPr>
+            <a:r>
+              <a:rPr lang="nl-NL" sz="2000" noProof="0" dirty="0"/>
+              <a:t>Oefening</a:t>
+            </a:r>
+          </a:p>
+          <a:p>
+            <a:pPr>
+              <a:spcAft>
+                <a:spcPts val="600"/>
+              </a:spcAft>
+            </a:pPr>
+            <a:r>
+              <a:rPr lang="nl-NL" sz="2000" noProof="0" dirty="0"/>
+              <a:t>Namespaces en scopes</a:t>
+            </a:r>
+          </a:p>
+          <a:p>
+            <a:pPr>
+              <a:spcAft>
+                <a:spcPts val="600"/>
+              </a:spcAft>
+            </a:pPr>
+            <a:r>
+              <a:rPr lang="nl-NL" sz="2000" noProof="0" dirty="0" err="1"/>
+              <a:t>Mutable</a:t>
+            </a:r>
+            <a:r>
+              <a:rPr lang="nl-NL" sz="2000" noProof="0" dirty="0"/>
+              <a:t> of </a:t>
+            </a:r>
+            <a:r>
+              <a:rPr lang="nl-NL" sz="2000" noProof="0" dirty="0" err="1"/>
+              <a:t>immutable</a:t>
+            </a:r>
+            <a:r>
+              <a:rPr lang="nl-NL" sz="2000" noProof="0" dirty="0"/>
+              <a:t> data</a:t>
+            </a:r>
+          </a:p>
+          <a:p>
+            <a:pPr>
+              <a:spcAft>
+                <a:spcPts val="600"/>
+              </a:spcAft>
+            </a:pPr>
+            <a:endParaRPr lang="nl-NL" sz="2000" noProof="0" dirty="0"/>
+          </a:p>
+          <a:p>
+            <a:pPr>
+              <a:spcAft>
+                <a:spcPts val="600"/>
+              </a:spcAft>
+            </a:pPr>
+            <a:r>
+              <a:rPr lang="nl-NL" sz="2000" noProof="0" dirty="0" err="1"/>
+              <a:t>Logging</a:t>
+            </a:r>
+            <a:endParaRPr lang="nl-NL" sz="2000" noProof="0" dirty="0"/>
+          </a:p>
+          <a:p>
+            <a:pPr>
+              <a:spcAft>
+                <a:spcPts val="600"/>
+              </a:spcAft>
+            </a:pPr>
+            <a:r>
+              <a:rPr lang="nl-NL" sz="2000" noProof="0" dirty="0"/>
+              <a:t>Fouten afhandelen</a:t>
+            </a:r>
+          </a:p>
+          <a:p>
+            <a:pPr marL="0" indent="0">
+              <a:spcAft>
+                <a:spcPts val="600"/>
+              </a:spcAft>
+              <a:buNone/>
+            </a:pPr>
+            <a:endParaRPr lang="nl-NL" sz="2000" noProof="0" dirty="0"/>
+          </a:p>
+          <a:p>
+            <a:pPr>
+              <a:spcAft>
+                <a:spcPts val="600"/>
+              </a:spcAft>
+            </a:pPr>
+            <a:r>
+              <a:rPr lang="nl-NL" sz="2000" noProof="0" dirty="0"/>
+              <a:t>Classes: wat en waarom?</a:t>
+            </a:r>
+          </a:p>
+          <a:p>
+            <a:pPr>
+              <a:spcAft>
+                <a:spcPts val="600"/>
+              </a:spcAft>
+            </a:pPr>
+            <a:r>
+              <a:rPr lang="nl-NL" sz="2000" noProof="0" dirty="0"/>
+              <a:t>"</a:t>
+            </a:r>
+            <a:r>
+              <a:rPr lang="nl-NL" sz="2000" noProof="0" dirty="0" err="1"/>
+              <a:t>Dunder</a:t>
+            </a:r>
+            <a:r>
+              <a:rPr lang="nl-NL" sz="2000" noProof="0" dirty="0"/>
+              <a:t>" methodes</a:t>
+            </a:r>
+          </a:p>
+          <a:p>
+            <a:pPr>
+              <a:spcAft>
+                <a:spcPts val="600"/>
+              </a:spcAft>
+            </a:pPr>
+            <a:r>
+              <a:rPr lang="nl-NL" sz="2000" noProof="0" dirty="0"/>
+              <a:t>Private, statische en class methodes</a:t>
+            </a:r>
+          </a:p>
+        </p:txBody>
+      </p:sp>
+      <p:pic>
+        <p:nvPicPr>
+          <p:cNvPr id="4" name="Picture 3">
+            <a:extLst>
+              <a:ext uri="{FF2B5EF4-FFF2-40B4-BE49-F238E27FC236}">
+                <a16:creationId xmlns:a16="http://schemas.microsoft.com/office/drawing/2014/main" id="{10F1785D-DBAB-C34E-4C20-A2078BA9DAEA}"/>
+              </a:ext>
+            </a:extLst>
+          </p:cNvPr>
+          <p:cNvPicPr>
+            <a:picLocks noChangeAspect="1"/>
+          </p:cNvPicPr>
+          <p:nvPr/>
+        </p:nvPicPr>
+        <p:blipFill>
+          <a:blip r:embed="rId2"/>
+          <a:stretch>
+            <a:fillRect/>
+          </a:stretch>
+        </p:blipFill>
+        <p:spPr>
+          <a:xfrm rot="1217736">
+            <a:off x="8321964" y="3685187"/>
+            <a:ext cx="2694468" cy="2415360"/>
+          </a:xfrm>
+          <a:prstGeom prst="rect">
+            <a:avLst/>
+          </a:prstGeom>
+        </p:spPr>
+      </p:pic>
+    </p:spTree>
+    <p:extLst>
+      <p:ext uri="{BB962C8B-B14F-4D97-AF65-F5344CB8AC3E}">
+        <p14:creationId xmlns:p14="http://schemas.microsoft.com/office/powerpoint/2010/main" val="1265611121"/>
+      </p:ext>
+    </p:extLst>
+  </p:cSld>
+  <p:clrMapOvr>
+    <a:masterClrMapping/>
+  </p:clrMapOvr>
+</p:sld>
+</file>
+
+<file path=ppt/slides/slide20.xml><?xml version="1.0" encoding="utf-8"?>
+<p:sld xmlns:a="http://schemas.openxmlformats.org/drawingml/2006/main" xmlns:r="http://schemas.openxmlformats.org/officeDocument/2006/relationships" xmlns:p="http://schemas.openxmlformats.org/presentationml/2006/main">
+  <p:cSld>
+    <p:spTree>
+      <p:nvGrpSpPr>
+        <p:cNvPr id="1" name=""/>
+        <p:cNvGrpSpPr/>
+        <p:nvPr/>
+      </p:nvGrpSpPr>
+      <p:grpSpPr>
+        <a:xfrm>
+          <a:off x="0" y="0"/>
+          <a:ext cx="0" cy="0"/>
+          <a:chOff x="0" y="0"/>
+          <a:chExt cx="0" cy="0"/>
+        </a:xfrm>
+      </p:grpSpPr>
+      <p:sp>
+        <p:nvSpPr>
+          <p:cNvPr id="2" name="Title 1">
+            <a:extLst>
+              <a:ext uri="{FF2B5EF4-FFF2-40B4-BE49-F238E27FC236}">
+                <a16:creationId xmlns:a16="http://schemas.microsoft.com/office/drawing/2014/main" id="{39A1D606-8DD1-369C-5C09-471CDD551AD5}"/>
+              </a:ext>
+            </a:extLst>
+          </p:cNvPr>
+          <p:cNvSpPr>
+            <a:spLocks noGrp="1"/>
+          </p:cNvSpPr>
+          <p:nvPr>
+            <p:ph type="title"/>
+          </p:nvPr>
+        </p:nvSpPr>
+        <p:spPr>
+          <a:xfrm>
+            <a:off x="838200" y="365126"/>
+            <a:ext cx="10515600" cy="718608"/>
+          </a:xfrm>
+        </p:spPr>
+        <p:txBody>
+          <a:bodyPr>
+            <a:normAutofit/>
+          </a:bodyPr>
+          <a:lstStyle/>
+          <a:p>
+            <a:r>
               <a:rPr lang="nl-NL" sz="3600" noProof="0" dirty="0" err="1"/>
               <a:t>Foutmeldin</a:t>
             </a:r>
@@ -9440,7 +10472,7 @@
             </a:pPr>
             <a:r>
               <a:rPr lang="nl-NL" sz="2000" dirty="0"/>
-              <a:t>Stappen erboven geven de functies en regels aan die leiden tot de fout.</a:t>
+              <a:t>Stappen erboven geven aan WAAR het fout ging (regel + functie).</a:t>
             </a:r>
           </a:p>
           <a:p>
@@ -10557,257 +11589,7 @@
 </p:sld>
 </file>
 
-<file path=ppt/slides/slide2.xml><?xml version="1.0" encoding="utf-8"?>
-<p:sld xmlns:a="http://schemas.openxmlformats.org/drawingml/2006/main" xmlns:r="http://schemas.openxmlformats.org/officeDocument/2006/relationships" xmlns:p="http://schemas.openxmlformats.org/presentationml/2006/main">
-  <p:cSld>
-    <p:spTree>
-      <p:nvGrpSpPr>
-        <p:cNvPr id="1" name=""/>
-        <p:cNvGrpSpPr/>
-        <p:nvPr/>
-      </p:nvGrpSpPr>
-      <p:grpSpPr>
-        <a:xfrm>
-          <a:off x="0" y="0"/>
-          <a:ext cx="0" cy="0"/>
-          <a:chOff x="0" y="0"/>
-          <a:chExt cx="0" cy="0"/>
-        </a:xfrm>
-      </p:grpSpPr>
-      <p:sp>
-        <p:nvSpPr>
-          <p:cNvPr id="2" name="Title 1">
-            <a:extLst>
-              <a:ext uri="{FF2B5EF4-FFF2-40B4-BE49-F238E27FC236}">
-                <a16:creationId xmlns:a16="http://schemas.microsoft.com/office/drawing/2014/main" id="{39A1D606-8DD1-369C-5C09-471CDD551AD5}"/>
-              </a:ext>
-            </a:extLst>
-          </p:cNvPr>
-          <p:cNvSpPr>
-            <a:spLocks noGrp="1"/>
-          </p:cNvSpPr>
-          <p:nvPr>
-            <p:ph type="title"/>
-          </p:nvPr>
-        </p:nvSpPr>
-        <p:spPr>
-          <a:xfrm>
-            <a:off x="838200" y="365126"/>
-            <a:ext cx="10515600" cy="718608"/>
-          </a:xfrm>
-        </p:spPr>
-        <p:txBody>
-          <a:bodyPr>
-            <a:normAutofit/>
-          </a:bodyPr>
-          <a:lstStyle/>
-          <a:p>
-            <a:r>
-              <a:rPr lang="nl-NL" sz="3600" noProof="0" dirty="0"/>
-              <a:t>Agenda</a:t>
-            </a:r>
-          </a:p>
-        </p:txBody>
-      </p:sp>
-      <p:sp>
-        <p:nvSpPr>
-          <p:cNvPr id="3" name="Content Placeholder 2">
-            <a:extLst>
-              <a:ext uri="{FF2B5EF4-FFF2-40B4-BE49-F238E27FC236}">
-                <a16:creationId xmlns:a16="http://schemas.microsoft.com/office/drawing/2014/main" id="{F4C2D286-E049-0AAB-1360-B7157E11AD7E}"/>
-              </a:ext>
-            </a:extLst>
-          </p:cNvPr>
-          <p:cNvSpPr>
-            <a:spLocks noGrp="1"/>
-          </p:cNvSpPr>
-          <p:nvPr>
-            <p:ph idx="1"/>
-          </p:nvPr>
-        </p:nvSpPr>
-        <p:spPr>
-          <a:xfrm>
-            <a:off x="838200" y="1456267"/>
-            <a:ext cx="10515600" cy="4720696"/>
-          </a:xfrm>
-        </p:spPr>
-        <p:txBody>
-          <a:bodyPr>
-            <a:normAutofit/>
-          </a:bodyPr>
-          <a:lstStyle/>
-          <a:p>
-            <a:pPr>
-              <a:spcAft>
-                <a:spcPts val="600"/>
-              </a:spcAft>
-            </a:pPr>
-            <a:r>
-              <a:rPr lang="nl-NL" sz="2000" noProof="0" dirty="0"/>
-              <a:t>Oefening</a:t>
-            </a:r>
-          </a:p>
-          <a:p>
-            <a:pPr>
-              <a:spcAft>
-                <a:spcPts val="600"/>
-              </a:spcAft>
-            </a:pPr>
-            <a:r>
-              <a:rPr lang="nl-NL" sz="2000" noProof="0" dirty="0"/>
-              <a:t>Namespaces en scopes</a:t>
-            </a:r>
-          </a:p>
-          <a:p>
-            <a:pPr>
-              <a:spcAft>
-                <a:spcPts val="600"/>
-              </a:spcAft>
-            </a:pPr>
-            <a:r>
-              <a:rPr lang="nl-NL" sz="2000" noProof="0" dirty="0" err="1"/>
-              <a:t>Mutable</a:t>
-            </a:r>
-            <a:r>
-              <a:rPr lang="nl-NL" sz="2000" noProof="0" dirty="0"/>
-              <a:t> of </a:t>
-            </a:r>
-            <a:r>
-              <a:rPr lang="nl-NL" sz="2000" noProof="0" dirty="0" err="1"/>
-              <a:t>immutable</a:t>
-            </a:r>
-            <a:r>
-              <a:rPr lang="nl-NL" sz="2000" noProof="0" dirty="0"/>
-              <a:t> data</a:t>
-            </a:r>
-          </a:p>
-          <a:p>
-            <a:pPr>
-              <a:spcAft>
-                <a:spcPts val="600"/>
-              </a:spcAft>
-            </a:pPr>
-            <a:endParaRPr lang="nl-NL" sz="2000" noProof="0" dirty="0"/>
-          </a:p>
-          <a:p>
-            <a:pPr>
-              <a:spcAft>
-                <a:spcPts val="600"/>
-              </a:spcAft>
-            </a:pPr>
-            <a:r>
-              <a:rPr lang="nl-NL" sz="2000" noProof="0" dirty="0" err="1"/>
-              <a:t>Logging</a:t>
-            </a:r>
-            <a:endParaRPr lang="nl-NL" sz="2000" noProof="0" dirty="0"/>
-          </a:p>
-          <a:p>
-            <a:pPr>
-              <a:spcAft>
-                <a:spcPts val="600"/>
-              </a:spcAft>
-            </a:pPr>
-            <a:r>
-              <a:rPr lang="nl-NL" sz="2000" noProof="0" dirty="0"/>
-              <a:t>Fouten afhandelen</a:t>
-            </a:r>
-          </a:p>
-          <a:p>
-            <a:pPr marL="0" indent="0">
-              <a:spcAft>
-                <a:spcPts val="600"/>
-              </a:spcAft>
-              <a:buNone/>
-            </a:pPr>
-            <a:endParaRPr lang="nl-NL" sz="2000" noProof="0" dirty="0"/>
-          </a:p>
-          <a:p>
-            <a:pPr>
-              <a:spcAft>
-                <a:spcPts val="600"/>
-              </a:spcAft>
-            </a:pPr>
-            <a:r>
-              <a:rPr lang="nl-NL" sz="2000" noProof="0" dirty="0"/>
-              <a:t>Classes: wat en waarom?</a:t>
-            </a:r>
-          </a:p>
-          <a:p>
-            <a:pPr>
-              <a:spcAft>
-                <a:spcPts val="600"/>
-              </a:spcAft>
-            </a:pPr>
-            <a:r>
-              <a:rPr lang="nl-NL" sz="2000" noProof="0" dirty="0"/>
-              <a:t>"</a:t>
-            </a:r>
-            <a:r>
-              <a:rPr lang="nl-NL" sz="2000" noProof="0" dirty="0" err="1"/>
-              <a:t>Dunder</a:t>
-            </a:r>
-            <a:r>
-              <a:rPr lang="nl-NL" sz="2000" noProof="0" dirty="0"/>
-              <a:t>" methodes</a:t>
-            </a:r>
-          </a:p>
-          <a:p>
-            <a:pPr>
-              <a:spcAft>
-                <a:spcPts val="600"/>
-              </a:spcAft>
-            </a:pPr>
-            <a:r>
-              <a:rPr lang="nl-NL" sz="2000" noProof="0" dirty="0"/>
-              <a:t>Statische en class methodes</a:t>
-            </a:r>
-          </a:p>
-        </p:txBody>
-      </p:sp>
-      <p:pic>
-        <p:nvPicPr>
-          <p:cNvPr id="4" name="Picture 3">
-            <a:extLst>
-              <a:ext uri="{FF2B5EF4-FFF2-40B4-BE49-F238E27FC236}">
-                <a16:creationId xmlns:a16="http://schemas.microsoft.com/office/drawing/2014/main" id="{10F1785D-DBAB-C34E-4C20-A2078BA9DAEA}"/>
-              </a:ext>
-            </a:extLst>
-          </p:cNvPr>
-          <p:cNvPicPr>
-            <a:picLocks noChangeAspect="1"/>
-          </p:cNvPicPr>
-          <p:nvPr/>
-        </p:nvPicPr>
-        <p:blipFill>
-          <a:blip r:embed="rId2"/>
-          <a:stretch>
-            <a:fillRect/>
-          </a:stretch>
-        </p:blipFill>
-        <p:spPr>
-          <a:xfrm rot="1217736">
-            <a:off x="8321964" y="3685187"/>
-            <a:ext cx="2694468" cy="2415360"/>
-          </a:xfrm>
-          <a:prstGeom prst="rect">
-            <a:avLst/>
-          </a:prstGeom>
-        </p:spPr>
-      </p:pic>
-    </p:spTree>
-    <p:extLst>
-      <p:ext uri="{BB962C8B-B14F-4D97-AF65-F5344CB8AC3E}">
-        <p14:creationId xmlns:p14="http://schemas.microsoft.com/office/powerpoint/2010/main" val="1265611121"/>
-      </p:ext>
-    </p:extLst>
-  </p:cSld>
-  <p:clrMapOvr>
-    <a:masterClrMapping/>
-  </p:clrMapOvr>
-</p:sld>
-</file>
-
-<file path=ppt/slides/slide20.xml><?xml version="1.0" encoding="utf-8"?>
+<file path=ppt/slides/slide21.xml><?xml version="1.0" encoding="utf-8"?>
 <p:sld xmlns:a="http://schemas.openxmlformats.org/drawingml/2006/main" xmlns:r="http://schemas.openxmlformats.org/officeDocument/2006/relationships" xmlns:p="http://schemas.openxmlformats.org/presentationml/2006/main">
   <p:cSld>
     <p:spTree>
@@ -11218,32 +12000,99 @@
               <a:buNone/>
             </a:pPr>
             <a:r>
+              <a:rPr lang="nl-NL" sz="1600" dirty="0" err="1">
+                <a:latin typeface="Courier New" panose="02070309020205020404" pitchFamily="49" charset="0"/>
+                <a:cs typeface="Courier New" panose="02070309020205020404" pitchFamily="49" charset="0"/>
+              </a:rPr>
+              <a:t>def</a:t>
+            </a:r>
+            <a:r>
+              <a:rPr lang="nl-NL" sz="1600" dirty="0">
+                <a:latin typeface="Courier New" panose="02070309020205020404" pitchFamily="49" charset="0"/>
+                <a:cs typeface="Courier New" panose="02070309020205020404" pitchFamily="49" charset="0"/>
+              </a:rPr>
+              <a:t> </a:t>
+            </a:r>
+            <a:r>
+              <a:rPr lang="nl-NL" sz="1600" dirty="0" err="1">
+                <a:latin typeface="Courier New" panose="02070309020205020404" pitchFamily="49" charset="0"/>
+                <a:cs typeface="Courier New" panose="02070309020205020404" pitchFamily="49" charset="0"/>
+              </a:rPr>
+              <a:t>converteer_leeftijd</a:t>
+            </a:r>
+            <a:r>
+              <a:rPr lang="nl-NL" sz="1600" dirty="0">
+                <a:latin typeface="Courier New" panose="02070309020205020404" pitchFamily="49" charset="0"/>
+                <a:cs typeface="Courier New" panose="02070309020205020404" pitchFamily="49" charset="0"/>
+              </a:rPr>
+              <a:t>(leeftijd):</a:t>
+            </a:r>
+          </a:p>
+          <a:p>
+            <a:pPr marL="0" indent="0">
+              <a:buFont typeface="Arial" panose="020B0604020202020204" pitchFamily="34" charset="0"/>
+              <a:buNone/>
+            </a:pPr>
+            <a:r>
+              <a:rPr lang="nl-NL" sz="1600" dirty="0">
+                <a:latin typeface="Courier New" panose="02070309020205020404" pitchFamily="49" charset="0"/>
+                <a:cs typeface="Courier New" panose="02070309020205020404" pitchFamily="49" charset="0"/>
+              </a:rPr>
+              <a:t>  </a:t>
+            </a:r>
+            <a:r>
               <a:rPr lang="nl-NL" sz="1600" b="1" dirty="0" err="1">
                 <a:latin typeface="Courier New" panose="02070309020205020404" pitchFamily="49" charset="0"/>
                 <a:cs typeface="Courier New" panose="02070309020205020404" pitchFamily="49" charset="0"/>
               </a:rPr>
-              <a:t>def</a:t>
+              <a:t>try</a:t>
             </a:r>
             <a:r>
               <a:rPr lang="nl-NL" sz="1600" b="1" dirty="0">
                 <a:latin typeface="Courier New" panose="02070309020205020404" pitchFamily="49" charset="0"/>
                 <a:cs typeface="Courier New" panose="02070309020205020404" pitchFamily="49" charset="0"/>
               </a:rPr>
-              <a:t> </a:t>
+              <a:t>:</a:t>
+            </a:r>
+          </a:p>
+          <a:p>
+            <a:pPr marL="0" indent="0">
+              <a:buFont typeface="Arial" panose="020B0604020202020204" pitchFamily="34" charset="0"/>
+              <a:buNone/>
+            </a:pPr>
+            <a:r>
+              <a:rPr lang="nl-NL" sz="1600" dirty="0">
+                <a:latin typeface="Courier New" panose="02070309020205020404" pitchFamily="49" charset="0"/>
+                <a:cs typeface="Courier New" panose="02070309020205020404" pitchFamily="49" charset="0"/>
+              </a:rPr>
+              <a:t>    int(leeftijd)</a:t>
+            </a:r>
+          </a:p>
+          <a:p>
+            <a:pPr marL="0" indent="0">
+              <a:buFont typeface="Arial" panose="020B0604020202020204" pitchFamily="34" charset="0"/>
+              <a:buNone/>
+            </a:pPr>
+            <a:r>
+              <a:rPr lang="nl-NL" sz="1600" dirty="0">
+                <a:latin typeface="Courier New" panose="02070309020205020404" pitchFamily="49" charset="0"/>
+                <a:cs typeface="Courier New" panose="02070309020205020404" pitchFamily="49" charset="0"/>
+              </a:rPr>
+              <a:t>  </a:t>
             </a:r>
             <a:r>
               <a:rPr lang="nl-NL" sz="1600" b="1" dirty="0" err="1">
                 <a:latin typeface="Courier New" panose="02070309020205020404" pitchFamily="49" charset="0"/>
                 <a:cs typeface="Courier New" panose="02070309020205020404" pitchFamily="49" charset="0"/>
               </a:rPr>
-              <a:t>converteer_leeftijd</a:t>
+              <a:t>except</a:t>
             </a:r>
             <a:r>
               <a:rPr lang="nl-NL" sz="1600" b="1" dirty="0">
                 <a:latin typeface="Courier New" panose="02070309020205020404" pitchFamily="49" charset="0"/>
                 <a:cs typeface="Courier New" panose="02070309020205020404" pitchFamily="49" charset="0"/>
               </a:rPr>
-              <a:t>(leeftijd):</a:t>
+              <a:t>:</a:t>
             </a:r>
           </a:p>
           <a:p>
@@ -11256,74 +12105,7 @@
                 <a:latin typeface="Courier New" panose="02070309020205020404" pitchFamily="49" charset="0"/>
                 <a:cs typeface="Courier New" panose="02070309020205020404" pitchFamily="49" charset="0"/>
               </a:rPr>
-              <a:t>  </a:t>
-            </a:r>
-            <a:r>
-              <a:rPr lang="nl-NL" sz="1600" dirty="0" err="1">
-                <a:latin typeface="Courier New" panose="02070309020205020404" pitchFamily="49" charset="0"/>
-                <a:cs typeface="Courier New" panose="02070309020205020404" pitchFamily="49" charset="0"/>
-              </a:rPr>
-              <a:t>try</a:t>
-            </a:r>
-            <a:r>
-              <a:rPr lang="nl-NL" sz="1600" dirty="0">
-                <a:latin typeface="Courier New" panose="02070309020205020404" pitchFamily="49" charset="0"/>
-                <a:cs typeface="Courier New" panose="02070309020205020404" pitchFamily="49" charset="0"/>
-              </a:rPr>
-              <a:t>:</a:t>
-            </a:r>
-          </a:p>
-          <a:p>
-            <a:pPr marL="0" indent="0">
-              <a:buFont typeface="Arial" panose="020B0604020202020204" pitchFamily="34" charset="0"/>
-              <a:buNone/>
-            </a:pPr>
-            <a:r>
-              <a:rPr lang="nl-NL" sz="1600" dirty="0">
-                <a:latin typeface="Courier New" panose="02070309020205020404" pitchFamily="49" charset="0"/>
-                <a:cs typeface="Courier New" panose="02070309020205020404" pitchFamily="49" charset="0"/>
-              </a:rPr>
-              <a:t>    int(leeftijd)</a:t>
-            </a:r>
-          </a:p>
-          <a:p>
-            <a:pPr marL="0" indent="0">
-              <a:buFont typeface="Arial" panose="020B0604020202020204" pitchFamily="34" charset="0"/>
-              <a:buNone/>
-            </a:pPr>
-            <a:r>
-              <a:rPr lang="nl-NL" sz="1600" dirty="0">
-                <a:latin typeface="Courier New" panose="02070309020205020404" pitchFamily="49" charset="0"/>
-                <a:cs typeface="Courier New" panose="02070309020205020404" pitchFamily="49" charset="0"/>
-              </a:rPr>
-              <a:t>  </a:t>
-            </a:r>
-            <a:r>
-              <a:rPr lang="nl-NL" sz="1600" dirty="0" err="1">
-                <a:latin typeface="Courier New" panose="02070309020205020404" pitchFamily="49" charset="0"/>
-                <a:cs typeface="Courier New" panose="02070309020205020404" pitchFamily="49" charset="0"/>
-              </a:rPr>
-              <a:t>except</a:t>
-            </a:r>
-            <a:r>
-              <a:rPr lang="nl-NL" sz="1600" dirty="0">
-                <a:latin typeface="Courier New" panose="02070309020205020404" pitchFamily="49" charset="0"/>
-                <a:cs typeface="Courier New" panose="02070309020205020404" pitchFamily="49" charset="0"/>
-              </a:rPr>
-              <a:t>:</a:t>
-            </a:r>
-          </a:p>
-          <a:p>
-            <a:pPr marL="0" indent="0">
-              <a:buFont typeface="Arial" panose="020B0604020202020204" pitchFamily="34" charset="0"/>
-              <a:buNone/>
-            </a:pPr>
-            <a:r>
-              <a:rPr lang="nl-NL" sz="1600" dirty="0">
-                <a:latin typeface="Courier New" panose="02070309020205020404" pitchFamily="49" charset="0"/>
-                <a:cs typeface="Courier New" panose="02070309020205020404" pitchFamily="49" charset="0"/>
-              </a:rPr>
-              <a:t>	return None</a:t>
+              <a:t>    return None</a:t>
             </a:r>
           </a:p>
           <a:p>
@@ -11352,32 +12134,127 @@
               <a:buNone/>
             </a:pPr>
             <a:r>
+              <a:rPr lang="nl-NL" sz="1600" dirty="0" err="1">
+                <a:latin typeface="Courier New" panose="02070309020205020404" pitchFamily="49" charset="0"/>
+                <a:cs typeface="Courier New" panose="02070309020205020404" pitchFamily="49" charset="0"/>
+              </a:rPr>
+              <a:t>def</a:t>
+            </a:r>
+            <a:r>
+              <a:rPr lang="nl-NL" sz="1600" dirty="0">
+                <a:latin typeface="Courier New" panose="02070309020205020404" pitchFamily="49" charset="0"/>
+                <a:cs typeface="Courier New" panose="02070309020205020404" pitchFamily="49" charset="0"/>
+              </a:rPr>
+              <a:t> </a:t>
+            </a:r>
+            <a:r>
+              <a:rPr lang="nl-NL" sz="1600" dirty="0" err="1">
+                <a:latin typeface="Courier New" panose="02070309020205020404" pitchFamily="49" charset="0"/>
+                <a:cs typeface="Courier New" panose="02070309020205020404" pitchFamily="49" charset="0"/>
+              </a:rPr>
+              <a:t>converteer_leeftijd</a:t>
+            </a:r>
+            <a:r>
+              <a:rPr lang="nl-NL" sz="1600" dirty="0">
+                <a:latin typeface="Courier New" panose="02070309020205020404" pitchFamily="49" charset="0"/>
+                <a:cs typeface="Courier New" panose="02070309020205020404" pitchFamily="49" charset="0"/>
+              </a:rPr>
+              <a:t>(leeftijd):</a:t>
+            </a:r>
+          </a:p>
+          <a:p>
+            <a:pPr marL="0" indent="0">
+              <a:buFont typeface="Arial" panose="020B0604020202020204" pitchFamily="34" charset="0"/>
+              <a:buNone/>
+            </a:pPr>
+            <a:r>
+              <a:rPr lang="nl-NL" sz="1600" dirty="0">
+                <a:latin typeface="Courier New" panose="02070309020205020404" pitchFamily="49" charset="0"/>
+                <a:cs typeface="Courier New" panose="02070309020205020404" pitchFamily="49" charset="0"/>
+              </a:rPr>
+              <a:t>  </a:t>
+            </a:r>
+            <a:r>
               <a:rPr lang="nl-NL" sz="1600" b="1" dirty="0" err="1">
                 <a:latin typeface="Courier New" panose="02070309020205020404" pitchFamily="49" charset="0"/>
                 <a:cs typeface="Courier New" panose="02070309020205020404" pitchFamily="49" charset="0"/>
               </a:rPr>
-              <a:t>def</a:t>
+              <a:t>try</a:t>
             </a:r>
             <a:r>
               <a:rPr lang="nl-NL" sz="1600" b="1" dirty="0">
                 <a:latin typeface="Courier New" panose="02070309020205020404" pitchFamily="49" charset="0"/>
                 <a:cs typeface="Courier New" panose="02070309020205020404" pitchFamily="49" charset="0"/>
               </a:rPr>
-              <a:t> </a:t>
+              <a:t>:</a:t>
+            </a:r>
+          </a:p>
+          <a:p>
+            <a:pPr marL="0" indent="0">
+              <a:buFont typeface="Arial" panose="020B0604020202020204" pitchFamily="34" charset="0"/>
+              <a:buNone/>
+            </a:pPr>
+            <a:r>
+              <a:rPr lang="nl-NL" sz="1600" dirty="0">
+                <a:latin typeface="Courier New" panose="02070309020205020404" pitchFamily="49" charset="0"/>
+                <a:cs typeface="Courier New" panose="02070309020205020404" pitchFamily="49" charset="0"/>
+              </a:rPr>
+              <a:t>    int(leeftijd)</a:t>
+            </a:r>
+          </a:p>
+          <a:p>
+            <a:pPr marL="0" indent="0">
+              <a:buFont typeface="Arial" panose="020B0604020202020204" pitchFamily="34" charset="0"/>
+              <a:buNone/>
+            </a:pPr>
+            <a:r>
+              <a:rPr lang="nl-NL" sz="1600" b="1" dirty="0">
+                <a:latin typeface="Courier New" panose="02070309020205020404" pitchFamily="49" charset="0"/>
+                <a:cs typeface="Courier New" panose="02070309020205020404" pitchFamily="49" charset="0"/>
+              </a:rPr>
+              <a:t>  </a:t>
             </a:r>
             <a:r>
               <a:rPr lang="nl-NL" sz="1600" b="1" dirty="0" err="1">
                 <a:latin typeface="Courier New" panose="02070309020205020404" pitchFamily="49" charset="0"/>
                 <a:cs typeface="Courier New" panose="02070309020205020404" pitchFamily="49" charset="0"/>
               </a:rPr>
-              <a:t>converteer_leeftijd</a:t>
+              <a:t>except</a:t>
             </a:r>
             <a:r>
               <a:rPr lang="nl-NL" sz="1600" b="1" dirty="0">
                 <a:latin typeface="Courier New" panose="02070309020205020404" pitchFamily="49" charset="0"/>
                 <a:cs typeface="Courier New" panose="02070309020205020404" pitchFamily="49" charset="0"/>
               </a:rPr>
-              <a:t>(leeftijd):</a:t>
+              <a:t> (</a:t>
+            </a:r>
+            <a:r>
+              <a:rPr lang="nl-NL" sz="1600" b="1" dirty="0" err="1">
+                <a:latin typeface="Courier New" panose="02070309020205020404" pitchFamily="49" charset="0"/>
+                <a:cs typeface="Courier New" panose="02070309020205020404" pitchFamily="49" charset="0"/>
+              </a:rPr>
+              <a:t>ValueError</a:t>
+            </a:r>
+            <a:r>
+              <a:rPr lang="nl-NL" sz="1600" b="1" dirty="0">
+                <a:latin typeface="Courier New" panose="02070309020205020404" pitchFamily="49" charset="0"/>
+                <a:cs typeface="Courier New" panose="02070309020205020404" pitchFamily="49" charset="0"/>
+              </a:rPr>
+              <a:t>, </a:t>
+            </a:r>
+            <a:r>
+              <a:rPr lang="nl-NL" sz="1600" b="1" dirty="0" err="1">
+                <a:latin typeface="Courier New" panose="02070309020205020404" pitchFamily="49" charset="0"/>
+                <a:cs typeface="Courier New" panose="02070309020205020404" pitchFamily="49" charset="0"/>
+              </a:rPr>
+              <a:t>TypeError</a:t>
+            </a:r>
+            <a:r>
+              <a:rPr lang="nl-NL" sz="1600" b="1" dirty="0">
+                <a:latin typeface="Courier New" panose="02070309020205020404" pitchFamily="49" charset="0"/>
+                <a:cs typeface="Courier New" panose="02070309020205020404" pitchFamily="49" charset="0"/>
+              </a:rPr>
+              <a:t>):</a:t>
             </a:r>
           </a:p>
           <a:p>
@@ -11390,102 +12267,7 @@
                 <a:latin typeface="Courier New" panose="02070309020205020404" pitchFamily="49" charset="0"/>
                 <a:cs typeface="Courier New" panose="02070309020205020404" pitchFamily="49" charset="0"/>
               </a:rPr>
-              <a:t>  </a:t>
-            </a:r>
-            <a:r>
-              <a:rPr lang="nl-NL" sz="1600" dirty="0" err="1">
-                <a:latin typeface="Courier New" panose="02070309020205020404" pitchFamily="49" charset="0"/>
-                <a:cs typeface="Courier New" panose="02070309020205020404" pitchFamily="49" charset="0"/>
-              </a:rPr>
-              <a:t>try</a:t>
-            </a:r>
-            <a:r>
-              <a:rPr lang="nl-NL" sz="1600" dirty="0">
-                <a:latin typeface="Courier New" panose="02070309020205020404" pitchFamily="49" charset="0"/>
-                <a:cs typeface="Courier New" panose="02070309020205020404" pitchFamily="49" charset="0"/>
-              </a:rPr>
-              <a:t>:</a:t>
-            </a:r>
-          </a:p>
-          <a:p>
-            <a:pPr marL="0" indent="0">
-              <a:buFont typeface="Arial" panose="020B0604020202020204" pitchFamily="34" charset="0"/>
-              <a:buNone/>
-            </a:pPr>
-            <a:r>
-              <a:rPr lang="nl-NL" sz="1600" dirty="0">
-                <a:latin typeface="Courier New" panose="02070309020205020404" pitchFamily="49" charset="0"/>
-                <a:cs typeface="Courier New" panose="02070309020205020404" pitchFamily="49" charset="0"/>
-              </a:rPr>
-              <a:t>    int(leeftijd)</a:t>
-            </a:r>
-          </a:p>
-          <a:p>
-            <a:pPr marL="0" indent="0">
-              <a:buFont typeface="Arial" panose="020B0604020202020204" pitchFamily="34" charset="0"/>
-              <a:buNone/>
-            </a:pPr>
-            <a:r>
-              <a:rPr lang="nl-NL" sz="1600" dirty="0">
-                <a:latin typeface="Courier New" panose="02070309020205020404" pitchFamily="49" charset="0"/>
-                <a:cs typeface="Courier New" panose="02070309020205020404" pitchFamily="49" charset="0"/>
-              </a:rPr>
-              <a:t>  </a:t>
-            </a:r>
-            <a:r>
-              <a:rPr lang="nl-NL" sz="1600" dirty="0" err="1">
-                <a:latin typeface="Courier New" panose="02070309020205020404" pitchFamily="49" charset="0"/>
-                <a:cs typeface="Courier New" panose="02070309020205020404" pitchFamily="49" charset="0"/>
-              </a:rPr>
-              <a:t>except</a:t>
-            </a:r>
-            <a:r>
-              <a:rPr lang="nl-NL" sz="1600" dirty="0">
-                <a:latin typeface="Courier New" panose="02070309020205020404" pitchFamily="49" charset="0"/>
-                <a:cs typeface="Courier New" panose="02070309020205020404" pitchFamily="49" charset="0"/>
-              </a:rPr>
-              <a:t> (</a:t>
-            </a:r>
-            <a:r>
-              <a:rPr lang="nl-NL" sz="1600" dirty="0" err="1">
-                <a:latin typeface="Courier New" panose="02070309020205020404" pitchFamily="49" charset="0"/>
-                <a:cs typeface="Courier New" panose="02070309020205020404" pitchFamily="49" charset="0"/>
-              </a:rPr>
-              <a:t>ValueError</a:t>
-            </a:r>
-            <a:r>
-              <a:rPr lang="nl-NL" sz="1600" dirty="0">
-                <a:latin typeface="Courier New" panose="02070309020205020404" pitchFamily="49" charset="0"/>
-                <a:cs typeface="Courier New" panose="02070309020205020404" pitchFamily="49" charset="0"/>
-              </a:rPr>
-              <a:t>, </a:t>
-            </a:r>
-            <a:r>
-              <a:rPr lang="nl-NL" sz="1600" dirty="0" err="1">
-                <a:latin typeface="Courier New" panose="02070309020205020404" pitchFamily="49" charset="0"/>
-                <a:cs typeface="Courier New" panose="02070309020205020404" pitchFamily="49" charset="0"/>
-              </a:rPr>
-              <a:t>TypeError</a:t>
-            </a:r>
-            <a:r>
-              <a:rPr lang="nl-NL" sz="1600" dirty="0">
-                <a:latin typeface="Courier New" panose="02070309020205020404" pitchFamily="49" charset="0"/>
-                <a:cs typeface="Courier New" panose="02070309020205020404" pitchFamily="49" charset="0"/>
-              </a:rPr>
-              <a:t>):</a:t>
-            </a:r>
-          </a:p>
-          <a:p>
-            <a:pPr marL="0" indent="0">
-              <a:buFont typeface="Arial" panose="020B0604020202020204" pitchFamily="34" charset="0"/>
-              <a:buNone/>
-            </a:pPr>
-            <a:r>
-              <a:rPr lang="nl-NL" sz="1600" dirty="0">
-                <a:latin typeface="Courier New" panose="02070309020205020404" pitchFamily="49" charset="0"/>
-                <a:cs typeface="Courier New" panose="02070309020205020404" pitchFamily="49" charset="0"/>
-              </a:rPr>
-              <a:t>	return None</a:t>
+              <a:t>    return None</a:t>
             </a:r>
           </a:p>
         </p:txBody>
@@ -11503,7 +12285,7 @@
 </p:sld>
 </file>
 
-<file path=ppt/slides/slide21.xml><?xml version="1.0" encoding="utf-8"?>
+<file path=ppt/slides/slide22.xml><?xml version="1.0" encoding="utf-8"?>
 <p:sld xmlns:a="http://schemas.openxmlformats.org/drawingml/2006/main" xmlns:r="http://schemas.openxmlformats.org/officeDocument/2006/relationships" xmlns:p="http://schemas.openxmlformats.org/presentationml/2006/main">
   <p:cSld>
     <p:spTree>
@@ -11570,7 +12352,7 @@
           <p:nvPr>
             <p:extLst>
               <p:ext uri="{D42A27DB-BD31-4B8C-83A1-F6EECF244321}">
-                <p14:modId xmlns:p14="http://schemas.microsoft.com/office/powerpoint/2010/main" val="2943514638"/>
+                <p14:modId xmlns:p14="http://schemas.microsoft.com/office/powerpoint/2010/main" val="3041492673"/>
               </p:ext>
             </p:extLst>
           </p:nvPr>
@@ -11915,12 +12697,8 @@
                     <a:lstStyle/>
                     <a:p>
                       <a:r>
-                        <a:rPr lang="nl-NL" noProof="0" dirty="0" err="1"/>
-                        <a:t>Sleuten</a:t>
-                      </a:r>
-                      <a:r>
                         <a:rPr lang="nl-NL" noProof="0" dirty="0"/>
-                        <a:t> zit niet in </a:t>
+                        <a:t>Sleutel zit niet in </a:t>
                       </a:r>
                       <a:r>
                         <a:rPr lang="nl-NL" noProof="0" dirty="0" err="1"/>
@@ -12055,7 +12833,7 @@
 </p:sld>
 </file>
 
-<file path=ppt/slides/slide22.xml><?xml version="1.0" encoding="utf-8"?>
+<file path=ppt/slides/slide23.xml><?xml version="1.0" encoding="utf-8"?>
 <p:sld xmlns:a="http://schemas.openxmlformats.org/drawingml/2006/main" xmlns:r="http://schemas.openxmlformats.org/officeDocument/2006/relationships" xmlns:p="http://schemas.openxmlformats.org/presentationml/2006/main">
   <p:cSld>
     <p:spTree>
@@ -12670,7 +13448,7 @@
 </p:sld>
 </file>
 
-<file path=ppt/slides/slide23.xml><?xml version="1.0" encoding="utf-8"?>
+<file path=ppt/slides/slide24.xml><?xml version="1.0" encoding="utf-8"?>
 <p:sld xmlns:a="http://schemas.openxmlformats.org/drawingml/2006/main" xmlns:r="http://schemas.openxmlformats.org/officeDocument/2006/relationships" xmlns:p="http://schemas.openxmlformats.org/presentationml/2006/main">
   <p:cSld>
     <p:spTree>
@@ -12758,12 +13536,22 @@
               <a:t>Je kunt </a:t>
             </a:r>
             <a:r>
-              <a:rPr lang="nl-NL" sz="2000" dirty="0" err="1"/>
+              <a:rPr lang="nl-NL" sz="2000" dirty="0" err="1">
+                <a:latin typeface="Courier New" panose="02070309020205020404" pitchFamily="49" charset="0"/>
+                <a:cs typeface="Courier New" panose="02070309020205020404" pitchFamily="49" charset="0"/>
+              </a:rPr>
               <a:t>sys.exit</a:t>
             </a:r>
             <a:r>
+              <a:rPr lang="nl-NL" sz="2000" dirty="0">
+                <a:latin typeface="Courier New" panose="02070309020205020404" pitchFamily="49" charset="0"/>
+                <a:cs typeface="Courier New" panose="02070309020205020404" pitchFamily="49" charset="0"/>
+              </a:rPr>
+              <a:t>()</a:t>
+            </a:r>
+            <a:r>
               <a:rPr lang="nl-NL" sz="2000" dirty="0"/>
-              <a:t>() gebruiken om Python te stoppen.</a:t>
+              <a:t> gebruiken om Python te stoppen.</a:t>
             </a:r>
           </a:p>
           <a:p>
@@ -13286,7 +14074,7 @@
 </p:sld>
 </file>
 
-<file path=ppt/slides/slide24.xml><?xml version="1.0" encoding="utf-8"?>
+<file path=ppt/slides/slide25.xml><?xml version="1.0" encoding="utf-8"?>
 <p:sld xmlns:a="http://schemas.openxmlformats.org/drawingml/2006/main" xmlns:r="http://schemas.openxmlformats.org/officeDocument/2006/relationships" xmlns:p="http://schemas.openxmlformats.org/presentationml/2006/main">
   <p:cSld>
     <p:spTree>
@@ -13799,7 +14587,7 @@
 </p:sld>
 </file>
 
-<file path=ppt/slides/slide25.xml><?xml version="1.0" encoding="utf-8"?>
+<file path=ppt/slides/slide26.xml><?xml version="1.0" encoding="utf-8"?>
 <p:sld xmlns:a="http://schemas.openxmlformats.org/drawingml/2006/main" xmlns:r="http://schemas.openxmlformats.org/officeDocument/2006/relationships" xmlns:p="http://schemas.openxmlformats.org/presentationml/2006/main">
   <p:cSld>
     <p:spTree>
@@ -13882,7 +14670,7 @@
 </p:sld>
 </file>
 
-<file path=ppt/slides/slide26.xml><?xml version="1.0" encoding="utf-8"?>
+<file path=ppt/slides/slide27.xml><?xml version="1.0" encoding="utf-8"?>
 <p:sld xmlns:a="http://schemas.openxmlformats.org/drawingml/2006/main" xmlns:r="http://schemas.openxmlformats.org/officeDocument/2006/relationships" xmlns:p="http://schemas.openxmlformats.org/presentationml/2006/main">
   <p:cSld>
     <p:spTree>
@@ -14600,7 +15388,7 @@
 </p:sld>
 </file>
 
-<file path=ppt/slides/slide27.xml><?xml version="1.0" encoding="utf-8"?>
+<file path=ppt/slides/slide28.xml><?xml version="1.0" encoding="utf-8"?>
 <p:sld xmlns:a="http://schemas.openxmlformats.org/drawingml/2006/main" xmlns:r="http://schemas.openxmlformats.org/officeDocument/2006/relationships" xmlns:p="http://schemas.openxmlformats.org/presentationml/2006/main">
   <p:cSld>
     <p:spTree>
@@ -14764,7 +15552,7 @@
             </a:pPr>
             <a:r>
               <a:rPr lang="nl-NL" sz="2000" noProof="0" dirty="0"/>
-              <a:t>Er zijn heel veel </a:t>
+              <a:t>Er zijn veel </a:t>
             </a:r>
             <a:r>
               <a:rPr lang="nl-NL" sz="2000" noProof="0" dirty="0" err="1"/>
@@ -15271,7 +16059,7 @@
 </p:sld>
 </file>
 
-<file path=ppt/slides/slide28.xml><?xml version="1.0" encoding="utf-8"?>
+<file path=ppt/slides/slide29.xml><?xml version="1.0" encoding="utf-8"?>
 <p:sld xmlns:a="http://schemas.openxmlformats.org/drawingml/2006/main" xmlns:r="http://schemas.openxmlformats.org/officeDocument/2006/relationships" xmlns:p="http://schemas.openxmlformats.org/presentationml/2006/main">
   <p:cSld>
     <p:spTree>
@@ -15919,7 +16707,486 @@
 </p:sld>
 </file>
 
-<file path=ppt/slides/slide29.xml><?xml version="1.0" encoding="utf-8"?>
+<file path=ppt/slides/slide3.xml><?xml version="1.0" encoding="utf-8"?>
+<p:sld xmlns:a="http://schemas.openxmlformats.org/drawingml/2006/main" xmlns:r="http://schemas.openxmlformats.org/officeDocument/2006/relationships" xmlns:p="http://schemas.openxmlformats.org/presentationml/2006/main">
+  <p:cSld>
+    <p:spTree>
+      <p:nvGrpSpPr>
+        <p:cNvPr id="1" name=""/>
+        <p:cNvGrpSpPr/>
+        <p:nvPr/>
+      </p:nvGrpSpPr>
+      <p:grpSpPr>
+        <a:xfrm>
+          <a:off x="0" y="0"/>
+          <a:ext cx="0" cy="0"/>
+          <a:chOff x="0" y="0"/>
+          <a:chExt cx="0" cy="0"/>
+        </a:xfrm>
+      </p:grpSpPr>
+      <p:sp>
+        <p:nvSpPr>
+          <p:cNvPr id="2" name="Title 1">
+            <a:extLst>
+              <a:ext uri="{FF2B5EF4-FFF2-40B4-BE49-F238E27FC236}">
+                <a16:creationId xmlns:a16="http://schemas.microsoft.com/office/drawing/2014/main" id="{39A1D606-8DD1-369C-5C09-471CDD551AD5}"/>
+              </a:ext>
+            </a:extLst>
+          </p:cNvPr>
+          <p:cNvSpPr>
+            <a:spLocks noGrp="1"/>
+          </p:cNvSpPr>
+          <p:nvPr>
+            <p:ph type="title"/>
+          </p:nvPr>
+        </p:nvSpPr>
+        <p:spPr>
+          <a:xfrm>
+            <a:off x="838200" y="365126"/>
+            <a:ext cx="10515600" cy="718608"/>
+          </a:xfrm>
+        </p:spPr>
+        <p:txBody>
+          <a:bodyPr>
+            <a:normAutofit/>
+          </a:bodyPr>
+          <a:lstStyle/>
+          <a:p>
+            <a:r>
+              <a:rPr lang="nl-NL" sz="3600" noProof="0" dirty="0"/>
+              <a:t>Oefening</a:t>
+            </a:r>
+          </a:p>
+        </p:txBody>
+      </p:sp>
+      <p:sp>
+        <p:nvSpPr>
+          <p:cNvPr id="3" name="Content Placeholder 2">
+            <a:extLst>
+              <a:ext uri="{FF2B5EF4-FFF2-40B4-BE49-F238E27FC236}">
+                <a16:creationId xmlns:a16="http://schemas.microsoft.com/office/drawing/2014/main" id="{F4C2D286-E049-0AAB-1360-B7157E11AD7E}"/>
+              </a:ext>
+            </a:extLst>
+          </p:cNvPr>
+          <p:cNvSpPr>
+            <a:spLocks noGrp="1"/>
+          </p:cNvSpPr>
+          <p:nvPr>
+            <p:ph idx="1"/>
+          </p:nvPr>
+        </p:nvSpPr>
+        <p:spPr>
+          <a:xfrm>
+            <a:off x="838200" y="1456267"/>
+            <a:ext cx="6514322" cy="4720696"/>
+          </a:xfrm>
+        </p:spPr>
+        <p:txBody>
+          <a:bodyPr>
+            <a:normAutofit/>
+          </a:bodyPr>
+          <a:lstStyle/>
+          <a:p>
+            <a:pPr marL="0" indent="0">
+              <a:buNone/>
+            </a:pPr>
+            <a:r>
+              <a:rPr lang="nl-NL" sz="2000" b="1" noProof="0" dirty="0"/>
+              <a:t>Schrijf een script dat:</a:t>
+            </a:r>
+          </a:p>
+          <a:p>
+            <a:pPr marL="0" indent="0">
+              <a:buNone/>
+            </a:pPr>
+            <a:endParaRPr lang="nl-NL" sz="2000" b="1" noProof="0" dirty="0"/>
+          </a:p>
+          <a:p>
+            <a:pPr marL="457200" indent="-457200">
+              <a:buAutoNum type="arabicPeriod"/>
+            </a:pPr>
+            <a:r>
+              <a:rPr lang="nl-NL" sz="2000" noProof="0" dirty="0"/>
+              <a:t>Een CSV-bestand inleest en verwerkt.</a:t>
+            </a:r>
+          </a:p>
+          <a:p>
+            <a:pPr marL="457200" indent="-457200">
+              <a:buAutoNum type="arabicPeriod"/>
+            </a:pPr>
+            <a:r>
+              <a:rPr lang="nl-NL" sz="2000" noProof="0" dirty="0"/>
+              <a:t>Voor elk persoon de faculteit van de leeftijd berekent.</a:t>
+            </a:r>
+          </a:p>
+          <a:p>
+            <a:pPr marL="457200" indent="-457200">
+              <a:buAutoNum type="arabicPeriod"/>
+            </a:pPr>
+            <a:r>
+              <a:rPr lang="nl-NL" sz="2000" noProof="0" dirty="0"/>
+              <a:t>De resultaten wegschrijft naar een nieuw CSV-bestand.</a:t>
+            </a:r>
+          </a:p>
+          <a:p>
+            <a:pPr marL="0" indent="0">
+              <a:buNone/>
+            </a:pPr>
+            <a:endParaRPr lang="nl-NL" sz="2000" noProof="0" dirty="0"/>
+          </a:p>
+          <a:p>
+            <a:pPr marL="0" indent="0">
+              <a:buNone/>
+            </a:pPr>
+            <a:r>
+              <a:rPr lang="nl-NL" sz="2000" b="1" noProof="0" dirty="0"/>
+              <a:t>Bonuspunten:</a:t>
+            </a:r>
+          </a:p>
+          <a:p>
+            <a:pPr>
+              <a:buFontTx/>
+              <a:buChar char="-"/>
+            </a:pPr>
+            <a:endParaRPr lang="nl-NL" sz="2000" noProof="0" dirty="0"/>
+          </a:p>
+          <a:p>
+            <a:pPr>
+              <a:buFontTx/>
+              <a:buChar char="-"/>
+            </a:pPr>
+            <a:r>
+              <a:rPr lang="nl-NL" sz="2000" noProof="0" dirty="0"/>
+              <a:t>Zorg voor een nette structuur (opdelen functies).</a:t>
+            </a:r>
+          </a:p>
+          <a:p>
+            <a:pPr>
+              <a:buFontTx/>
+              <a:buChar char="-"/>
+            </a:pPr>
+            <a:r>
+              <a:rPr lang="nl-NL" sz="2000" noProof="0" dirty="0"/>
+              <a:t>Maak goede documentatie.</a:t>
+            </a:r>
+          </a:p>
+          <a:p>
+            <a:pPr>
+              <a:buFontTx/>
+              <a:buChar char="-"/>
+            </a:pPr>
+            <a:r>
+              <a:rPr lang="nl-NL" sz="2000" noProof="0" dirty="0"/>
+              <a:t>Zorg voor </a:t>
+            </a:r>
+            <a:r>
+              <a:rPr lang="nl-NL" sz="2000" noProof="0" dirty="0" err="1"/>
+              <a:t>logging</a:t>
+            </a:r>
+            <a:r>
+              <a:rPr lang="nl-NL" sz="2000" noProof="0" dirty="0"/>
+              <a:t> naar de terminal.</a:t>
+            </a:r>
+          </a:p>
+        </p:txBody>
+      </p:sp>
+      <p:sp>
+        <p:nvSpPr>
+          <p:cNvPr id="4" name="Content Placeholder 2">
+            <a:extLst>
+              <a:ext uri="{FF2B5EF4-FFF2-40B4-BE49-F238E27FC236}">
+                <a16:creationId xmlns:a16="http://schemas.microsoft.com/office/drawing/2014/main" id="{57E940DA-5AAD-D002-6F9A-E2FF312E3A6C}"/>
+              </a:ext>
+            </a:extLst>
+          </p:cNvPr>
+          <p:cNvSpPr txBox="1">
+            <a:spLocks/>
+          </p:cNvSpPr>
+          <p:nvPr/>
+        </p:nvSpPr>
+        <p:spPr>
+          <a:xfrm>
+            <a:off x="8248260" y="1456267"/>
+            <a:ext cx="2820955" cy="4720696"/>
+          </a:xfrm>
+          <a:prstGeom prst="rect">
+            <a:avLst/>
+          </a:prstGeom>
+        </p:spPr>
+        <p:txBody>
+          <a:bodyPr vert="horz" lIns="91440" tIns="45720" rIns="91440" bIns="45720" rtlCol="0">
+            <a:normAutofit/>
+          </a:bodyPr>
+          <a:lstStyle>
+            <a:lvl1pPr marL="228600" indent="-228600" algn="l" defTabSz="914400" rtl="0" eaLnBrk="1" latinLnBrk="0" hangingPunct="1">
+              <a:lnSpc>
+                <a:spcPct val="90000"/>
+              </a:lnSpc>
+              <a:spcBef>
+                <a:spcPts val="1000"/>
+              </a:spcBef>
+              <a:buFont typeface="Arial" panose="020B0604020202020204" pitchFamily="34" charset="0"/>
+              <a:buChar char="•"/>
+              <a:defRPr sz="2800" kern="1200">
+                <a:solidFill>
+                  <a:schemeClr val="tx1"/>
+                </a:solidFill>
+                <a:latin typeface="+mn-lt"/>
+                <a:ea typeface="+mn-ea"/>
+                <a:cs typeface="+mn-cs"/>
+              </a:defRPr>
+            </a:lvl1pPr>
+            <a:lvl2pPr marL="685800" indent="-228600" algn="l" defTabSz="914400" rtl="0" eaLnBrk="1" latinLnBrk="0" hangingPunct="1">
+              <a:lnSpc>
+                <a:spcPct val="90000"/>
+              </a:lnSpc>
+              <a:spcBef>
+                <a:spcPts val="500"/>
+              </a:spcBef>
+              <a:buFont typeface="Arial" panose="020B0604020202020204" pitchFamily="34" charset="0"/>
+              <a:buChar char="•"/>
+              <a:defRPr sz="2400" kern="1200">
+                <a:solidFill>
+                  <a:schemeClr val="tx1"/>
+                </a:solidFill>
+                <a:latin typeface="+mn-lt"/>
+                <a:ea typeface="+mn-ea"/>
+                <a:cs typeface="+mn-cs"/>
+              </a:defRPr>
+            </a:lvl2pPr>
+            <a:lvl3pPr marL="1143000" indent="-228600" algn="l" defTabSz="914400" rtl="0" eaLnBrk="1" latinLnBrk="0" hangingPunct="1">
+              <a:lnSpc>
+                <a:spcPct val="90000"/>
+              </a:lnSpc>
+              <a:spcBef>
+                <a:spcPts val="500"/>
+              </a:spcBef>
+              <a:buFont typeface="Arial" panose="020B0604020202020204" pitchFamily="34" charset="0"/>
+              <a:buChar char="•"/>
+              <a:defRPr sz="2000" kern="1200">
+                <a:solidFill>
+                  <a:schemeClr val="tx1"/>
+                </a:solidFill>
+                <a:latin typeface="+mn-lt"/>
+                <a:ea typeface="+mn-ea"/>
+                <a:cs typeface="+mn-cs"/>
+              </a:defRPr>
+            </a:lvl3pPr>
+            <a:lvl4pPr marL="1600200" indent="-228600" algn="l" defTabSz="914400" rtl="0" eaLnBrk="1" latinLnBrk="0" hangingPunct="1">
+              <a:lnSpc>
+                <a:spcPct val="90000"/>
+              </a:lnSpc>
+              <a:spcBef>
+                <a:spcPts val="500"/>
+              </a:spcBef>
+              <a:buFont typeface="Arial" panose="020B0604020202020204" pitchFamily="34" charset="0"/>
+              <a:buChar char="•"/>
+              <a:defRPr sz="1800" kern="1200">
+                <a:solidFill>
+                  <a:schemeClr val="tx1"/>
+                </a:solidFill>
+                <a:latin typeface="+mn-lt"/>
+                <a:ea typeface="+mn-ea"/>
+                <a:cs typeface="+mn-cs"/>
+              </a:defRPr>
+            </a:lvl4pPr>
+            <a:lvl5pPr marL="2057400" indent="-228600" algn="l" defTabSz="914400" rtl="0" eaLnBrk="1" latinLnBrk="0" hangingPunct="1">
+              <a:lnSpc>
+                <a:spcPct val="90000"/>
+              </a:lnSpc>
+              <a:spcBef>
+                <a:spcPts val="500"/>
+              </a:spcBef>
+              <a:buFont typeface="Arial" panose="020B0604020202020204" pitchFamily="34" charset="0"/>
+              <a:buChar char="•"/>
+              <a:defRPr sz="1800" kern="1200">
+                <a:solidFill>
+                  <a:schemeClr val="tx1"/>
+                </a:solidFill>
+                <a:latin typeface="+mn-lt"/>
+                <a:ea typeface="+mn-ea"/>
+                <a:cs typeface="+mn-cs"/>
+              </a:defRPr>
+            </a:lvl5pPr>
+            <a:lvl6pPr marL="2514600" indent="-228600" algn="l" defTabSz="914400" rtl="0" eaLnBrk="1" latinLnBrk="0" hangingPunct="1">
+              <a:lnSpc>
+                <a:spcPct val="90000"/>
+              </a:lnSpc>
+              <a:spcBef>
+                <a:spcPts val="500"/>
+              </a:spcBef>
+              <a:buFont typeface="Arial" panose="020B0604020202020204" pitchFamily="34" charset="0"/>
+              <a:buChar char="•"/>
+              <a:defRPr sz="1800" kern="1200">
+                <a:solidFill>
+                  <a:schemeClr val="tx1"/>
+                </a:solidFill>
+                <a:latin typeface="+mn-lt"/>
+                <a:ea typeface="+mn-ea"/>
+                <a:cs typeface="+mn-cs"/>
+              </a:defRPr>
+            </a:lvl6pPr>
+            <a:lvl7pPr marL="2971800" indent="-228600" algn="l" defTabSz="914400" rtl="0" eaLnBrk="1" latinLnBrk="0" hangingPunct="1">
+              <a:lnSpc>
+                <a:spcPct val="90000"/>
+              </a:lnSpc>
+              <a:spcBef>
+                <a:spcPts val="500"/>
+              </a:spcBef>
+              <a:buFont typeface="Arial" panose="020B0604020202020204" pitchFamily="34" charset="0"/>
+              <a:buChar char="•"/>
+              <a:defRPr sz="1800" kern="1200">
+                <a:solidFill>
+                  <a:schemeClr val="tx1"/>
+                </a:solidFill>
+                <a:latin typeface="+mn-lt"/>
+                <a:ea typeface="+mn-ea"/>
+                <a:cs typeface="+mn-cs"/>
+              </a:defRPr>
+            </a:lvl7pPr>
+            <a:lvl8pPr marL="3429000" indent="-228600" algn="l" defTabSz="914400" rtl="0" eaLnBrk="1" latinLnBrk="0" hangingPunct="1">
+              <a:lnSpc>
+                <a:spcPct val="90000"/>
+              </a:lnSpc>
+              <a:spcBef>
+                <a:spcPts val="500"/>
+              </a:spcBef>
+              <a:buFont typeface="Arial" panose="020B0604020202020204" pitchFamily="34" charset="0"/>
+              <a:buChar char="•"/>
+              <a:defRPr sz="1800" kern="1200">
+                <a:solidFill>
+                  <a:schemeClr val="tx1"/>
+                </a:solidFill>
+                <a:latin typeface="+mn-lt"/>
+                <a:ea typeface="+mn-ea"/>
+                <a:cs typeface="+mn-cs"/>
+              </a:defRPr>
+            </a:lvl8pPr>
+            <a:lvl9pPr marL="3886200" indent="-228600" algn="l" defTabSz="914400" rtl="0" eaLnBrk="1" latinLnBrk="0" hangingPunct="1">
+              <a:lnSpc>
+                <a:spcPct val="90000"/>
+              </a:lnSpc>
+              <a:spcBef>
+                <a:spcPts val="500"/>
+              </a:spcBef>
+              <a:buFont typeface="Arial" panose="020B0604020202020204" pitchFamily="34" charset="0"/>
+              <a:buChar char="•"/>
+              <a:defRPr sz="1800" kern="1200">
+                <a:solidFill>
+                  <a:schemeClr val="tx1"/>
+                </a:solidFill>
+                <a:latin typeface="+mn-lt"/>
+                <a:ea typeface="+mn-ea"/>
+                <a:cs typeface="+mn-cs"/>
+              </a:defRPr>
+            </a:lvl9pPr>
+          </a:lstStyle>
+          <a:p>
+            <a:pPr marL="0" indent="0">
+              <a:buFont typeface="Arial" panose="020B0604020202020204" pitchFamily="34" charset="0"/>
+              <a:buNone/>
+            </a:pPr>
+            <a:r>
+              <a:rPr lang="nl-NL" sz="2000" b="1" dirty="0"/>
+              <a:t>CSV-data</a:t>
+            </a:r>
+          </a:p>
+          <a:p>
+            <a:pPr marL="0" indent="0">
+              <a:buFont typeface="Arial" panose="020B0604020202020204" pitchFamily="34" charset="0"/>
+              <a:buNone/>
+            </a:pPr>
+            <a:endParaRPr lang="nl-NL" sz="2000" dirty="0"/>
+          </a:p>
+          <a:p>
+            <a:pPr marL="0" indent="0">
+              <a:buFont typeface="Arial" panose="020B0604020202020204" pitchFamily="34" charset="0"/>
+              <a:buNone/>
+            </a:pPr>
+            <a:r>
+              <a:rPr lang="nl-NL" sz="2000" dirty="0"/>
+              <a:t>Henk,man,44</a:t>
+            </a:r>
+          </a:p>
+          <a:p>
+            <a:pPr marL="0" indent="0">
+              <a:buFont typeface="Arial" panose="020B0604020202020204" pitchFamily="34" charset="0"/>
+              <a:buNone/>
+            </a:pPr>
+            <a:r>
+              <a:rPr lang="nl-NL" sz="2000" dirty="0"/>
+              <a:t>Ingrid,vrouw,37</a:t>
+            </a:r>
+          </a:p>
+          <a:p>
+            <a:pPr marL="0" indent="0">
+              <a:buFont typeface="Arial" panose="020B0604020202020204" pitchFamily="34" charset="0"/>
+              <a:buNone/>
+            </a:pPr>
+            <a:r>
+              <a:rPr lang="nl-NL" sz="2000" dirty="0"/>
+              <a:t>Jaap,man,56</a:t>
+            </a:r>
+          </a:p>
+          <a:p>
+            <a:pPr marL="0" indent="0">
+              <a:buFont typeface="Arial" panose="020B0604020202020204" pitchFamily="34" charset="0"/>
+              <a:buNone/>
+            </a:pPr>
+            <a:endParaRPr lang="nl-NL" sz="2000" dirty="0"/>
+          </a:p>
+        </p:txBody>
+      </p:sp>
+      <p:cxnSp>
+        <p:nvCxnSpPr>
+          <p:cNvPr id="6" name="Straight Connector 5">
+            <a:extLst>
+              <a:ext uri="{FF2B5EF4-FFF2-40B4-BE49-F238E27FC236}">
+                <a16:creationId xmlns:a16="http://schemas.microsoft.com/office/drawing/2014/main" id="{F76A5445-2474-58A8-F1AE-18BB279DAEAF}"/>
+              </a:ext>
+            </a:extLst>
+          </p:cNvPr>
+          <p:cNvCxnSpPr/>
+          <p:nvPr/>
+        </p:nvCxnSpPr>
+        <p:spPr>
+          <a:xfrm>
+            <a:off x="7772400" y="1456267"/>
+            <a:ext cx="0" cy="4720696"/>
+          </a:xfrm>
+          <a:prstGeom prst="line">
+            <a:avLst/>
+          </a:prstGeom>
+        </p:spPr>
+        <p:style>
+          <a:lnRef idx="3">
+            <a:schemeClr val="dk1"/>
+          </a:lnRef>
+          <a:fillRef idx="0">
+            <a:schemeClr val="dk1"/>
+          </a:fillRef>
+          <a:effectRef idx="2">
+            <a:schemeClr val="dk1"/>
+          </a:effectRef>
+          <a:fontRef idx="minor">
+            <a:schemeClr val="tx1"/>
+          </a:fontRef>
+        </p:style>
+      </p:cxnSp>
+    </p:spTree>
+    <p:extLst>
+      <p:ext uri="{BB962C8B-B14F-4D97-AF65-F5344CB8AC3E}">
+        <p14:creationId xmlns:p14="http://schemas.microsoft.com/office/powerpoint/2010/main" val="2870886041"/>
+      </p:ext>
+    </p:extLst>
+  </p:cSld>
+  <p:clrMapOvr>
+    <a:masterClrMapping/>
+  </p:clrMapOvr>
+</p:sld>
+</file>
+
+<file path=ppt/slides/slide30.xml><?xml version="1.0" encoding="utf-8"?>
 <p:sld xmlns:a="http://schemas.openxmlformats.org/drawingml/2006/main" xmlns:r="http://schemas.openxmlformats.org/officeDocument/2006/relationships" xmlns:p="http://schemas.openxmlformats.org/presentationml/2006/main">
   <p:cSld>
     <p:spTree>
@@ -16669,7 +17936,7 @@
 </p:sld>
 </file>
 
-<file path=ppt/slides/slide3.xml><?xml version="1.0" encoding="utf-8"?>
+<file path=ppt/slides/slide31.xml><?xml version="1.0" encoding="utf-8"?>
 <p:sld xmlns:a="http://schemas.openxmlformats.org/drawingml/2006/main" xmlns:r="http://schemas.openxmlformats.org/officeDocument/2006/relationships" xmlns:p="http://schemas.openxmlformats.org/presentationml/2006/main">
   <p:cSld>
     <p:spTree>
@@ -16709,89 +17976,6 @@
           <a:p>
             <a:r>
               <a:rPr lang="nl-NL" noProof="0" dirty="0"/>
-              <a:t>Namespaces en scopes</a:t>
-            </a:r>
-          </a:p>
-        </p:txBody>
-      </p:sp>
-      <p:sp>
-        <p:nvSpPr>
-          <p:cNvPr id="5" name="Text Placeholder 4">
-            <a:extLst>
-              <a:ext uri="{FF2B5EF4-FFF2-40B4-BE49-F238E27FC236}">
-                <a16:creationId xmlns:a16="http://schemas.microsoft.com/office/drawing/2014/main" id="{1AB31C95-91AF-DF13-FB58-0DA5F2D9F6F7}"/>
-              </a:ext>
-            </a:extLst>
-          </p:cNvPr>
-          <p:cNvSpPr>
-            <a:spLocks noGrp="1"/>
-          </p:cNvSpPr>
-          <p:nvPr>
-            <p:ph type="body" idx="1"/>
-          </p:nvPr>
-        </p:nvSpPr>
-        <p:spPr/>
-        <p:txBody>
-          <a:bodyPr/>
-          <a:lstStyle/>
-          <a:p>
-            <a:endParaRPr lang="en-NL"/>
-          </a:p>
-        </p:txBody>
-      </p:sp>
-    </p:spTree>
-    <p:extLst>
-      <p:ext uri="{BB962C8B-B14F-4D97-AF65-F5344CB8AC3E}">
-        <p14:creationId xmlns:p14="http://schemas.microsoft.com/office/powerpoint/2010/main" val="276640083"/>
-      </p:ext>
-    </p:extLst>
-  </p:cSld>
-  <p:clrMapOvr>
-    <a:masterClrMapping/>
-  </p:clrMapOvr>
-</p:sld>
-</file>
-
-<file path=ppt/slides/slide30.xml><?xml version="1.0" encoding="utf-8"?>
-<p:sld xmlns:a="http://schemas.openxmlformats.org/drawingml/2006/main" xmlns:r="http://schemas.openxmlformats.org/officeDocument/2006/relationships" xmlns:p="http://schemas.openxmlformats.org/presentationml/2006/main">
-  <p:cSld>
-    <p:spTree>
-      <p:nvGrpSpPr>
-        <p:cNvPr id="1" name=""/>
-        <p:cNvGrpSpPr/>
-        <p:nvPr/>
-      </p:nvGrpSpPr>
-      <p:grpSpPr>
-        <a:xfrm>
-          <a:off x="0" y="0"/>
-          <a:ext cx="0" cy="0"/>
-          <a:chOff x="0" y="0"/>
-          <a:chExt cx="0" cy="0"/>
-        </a:xfrm>
-      </p:grpSpPr>
-      <p:sp>
-        <p:nvSpPr>
-          <p:cNvPr id="4" name="Title 3">
-            <a:extLst>
-              <a:ext uri="{FF2B5EF4-FFF2-40B4-BE49-F238E27FC236}">
-                <a16:creationId xmlns:a16="http://schemas.microsoft.com/office/drawing/2014/main" id="{72C925CA-BCA3-3701-E08E-95652380B32E}"/>
-              </a:ext>
-            </a:extLst>
-          </p:cNvPr>
-          <p:cNvSpPr>
-            <a:spLocks noGrp="1"/>
-          </p:cNvSpPr>
-          <p:nvPr>
-            <p:ph type="title"/>
-          </p:nvPr>
-        </p:nvSpPr>
-        <p:spPr/>
-        <p:txBody>
-          <a:bodyPr/>
-          <a:lstStyle/>
-          <a:p>
-            <a:r>
-              <a:rPr lang="nl-NL" noProof="0" dirty="0"/>
               <a:t>Overerving</a:t>
             </a:r>
           </a:p>
@@ -16835,7 +18019,7 @@
 </p:sld>
 </file>
 
-<file path=ppt/slides/slide31.xml><?xml version="1.0" encoding="utf-8"?>
+<file path=ppt/slides/slide32.xml><?xml version="1.0" encoding="utf-8"?>
 <p:sld xmlns:a="http://schemas.openxmlformats.org/drawingml/2006/main" xmlns:r="http://schemas.openxmlformats.org/officeDocument/2006/relationships" xmlns:p="http://schemas.openxmlformats.org/presentationml/2006/main">
   <p:cSld>
     <p:spTree>
@@ -17437,7 +18621,7 @@
 </p:sld>
 </file>
 
-<file path=ppt/slides/slide32.xml><?xml version="1.0" encoding="utf-8"?>
+<file path=ppt/slides/slide33.xml><?xml version="1.0" encoding="utf-8"?>
 <p:sld xmlns:a="http://schemas.openxmlformats.org/drawingml/2006/main" xmlns:r="http://schemas.openxmlformats.org/officeDocument/2006/relationships" xmlns:p="http://schemas.openxmlformats.org/presentationml/2006/main">
   <p:cSld>
     <p:spTree>
@@ -17834,7 +19018,7 @@
 </p:sld>
 </file>
 
-<file path=ppt/slides/slide33.xml><?xml version="1.0" encoding="utf-8"?>
+<file path=ppt/slides/slide34.xml><?xml version="1.0" encoding="utf-8"?>
 <p:sld xmlns:a="http://schemas.openxmlformats.org/drawingml/2006/main" xmlns:r="http://schemas.openxmlformats.org/officeDocument/2006/relationships" xmlns:p="http://schemas.openxmlformats.org/presentationml/2006/main">
   <p:cSld>
     <p:spTree>
@@ -18332,6 +19516,89 @@
       </p:grpSpPr>
       <p:sp>
         <p:nvSpPr>
+          <p:cNvPr id="4" name="Title 3">
+            <a:extLst>
+              <a:ext uri="{FF2B5EF4-FFF2-40B4-BE49-F238E27FC236}">
+                <a16:creationId xmlns:a16="http://schemas.microsoft.com/office/drawing/2014/main" id="{72C925CA-BCA3-3701-E08E-95652380B32E}"/>
+              </a:ext>
+            </a:extLst>
+          </p:cNvPr>
+          <p:cNvSpPr>
+            <a:spLocks noGrp="1"/>
+          </p:cNvSpPr>
+          <p:nvPr>
+            <p:ph type="title"/>
+          </p:nvPr>
+        </p:nvSpPr>
+        <p:spPr/>
+        <p:txBody>
+          <a:bodyPr/>
+          <a:lstStyle/>
+          <a:p>
+            <a:r>
+              <a:rPr lang="nl-NL" noProof="0" dirty="0"/>
+              <a:t>Namespaces en scopes</a:t>
+            </a:r>
+          </a:p>
+        </p:txBody>
+      </p:sp>
+      <p:sp>
+        <p:nvSpPr>
+          <p:cNvPr id="5" name="Text Placeholder 4">
+            <a:extLst>
+              <a:ext uri="{FF2B5EF4-FFF2-40B4-BE49-F238E27FC236}">
+                <a16:creationId xmlns:a16="http://schemas.microsoft.com/office/drawing/2014/main" id="{1AB31C95-91AF-DF13-FB58-0DA5F2D9F6F7}"/>
+              </a:ext>
+            </a:extLst>
+          </p:cNvPr>
+          <p:cNvSpPr>
+            <a:spLocks noGrp="1"/>
+          </p:cNvSpPr>
+          <p:nvPr>
+            <p:ph type="body" idx="1"/>
+          </p:nvPr>
+        </p:nvSpPr>
+        <p:spPr/>
+        <p:txBody>
+          <a:bodyPr/>
+          <a:lstStyle/>
+          <a:p>
+            <a:endParaRPr lang="en-NL"/>
+          </a:p>
+        </p:txBody>
+      </p:sp>
+    </p:spTree>
+    <p:extLst>
+      <p:ext uri="{BB962C8B-B14F-4D97-AF65-F5344CB8AC3E}">
+        <p14:creationId xmlns:p14="http://schemas.microsoft.com/office/powerpoint/2010/main" val="276640083"/>
+      </p:ext>
+    </p:extLst>
+  </p:cSld>
+  <p:clrMapOvr>
+    <a:masterClrMapping/>
+  </p:clrMapOvr>
+</p:sld>
+</file>
+
+<file path=ppt/slides/slide5.xml><?xml version="1.0" encoding="utf-8"?>
+<p:sld xmlns:a="http://schemas.openxmlformats.org/drawingml/2006/main" xmlns:r="http://schemas.openxmlformats.org/officeDocument/2006/relationships" xmlns:p="http://schemas.openxmlformats.org/presentationml/2006/main">
+  <p:cSld>
+    <p:spTree>
+      <p:nvGrpSpPr>
+        <p:cNvPr id="1" name=""/>
+        <p:cNvGrpSpPr/>
+        <p:nvPr/>
+      </p:nvGrpSpPr>
+      <p:grpSpPr>
+        <a:xfrm>
+          <a:off x="0" y="0"/>
+          <a:ext cx="0" cy="0"/>
+          <a:chOff x="0" y="0"/>
+          <a:chExt cx="0" cy="0"/>
+        </a:xfrm>
+      </p:grpSpPr>
+      <p:sp>
+        <p:nvSpPr>
           <p:cNvPr id="2" name="Title 1">
             <a:extLst>
               <a:ext uri="{FF2B5EF4-FFF2-40B4-BE49-F238E27FC236}">
@@ -18398,22 +19665,30 @@
             </a:pPr>
             <a:r>
               <a:rPr lang="nl-NL" sz="2000" noProof="0" dirty="0"/>
+              <a:t>Een </a:t>
+            </a:r>
+            <a:r>
+              <a:rPr lang="nl-NL" sz="2000" noProof="0" dirty="0" err="1"/>
+              <a:t>namespace</a:t>
+            </a:r>
+            <a:r>
+              <a:rPr lang="nl-NL" sz="2000" noProof="0" dirty="0"/>
+              <a:t> koppelt namen aan waardes of objecten. </a:t>
+            </a:r>
+          </a:p>
+          <a:p>
+            <a:pPr marL="0" indent="0">
+              <a:buNone/>
+            </a:pPr>
+            <a:endParaRPr lang="nl-NL" sz="2000" dirty="0"/>
+          </a:p>
+          <a:p>
+            <a:pPr marL="0" indent="0">
+              <a:buNone/>
+            </a:pPr>
+            <a:r>
+              <a:rPr lang="nl-NL" sz="2000" noProof="0" dirty="0"/>
               <a:t>Elke variabele, functie of class die je aanmaakt komt in een namespace.</a:t>
-            </a:r>
-          </a:p>
-          <a:p>
-            <a:pPr marL="0" indent="0">
-              <a:buNone/>
-            </a:pPr>
-            <a:endParaRPr lang="nl-NL" sz="2000" noProof="0" dirty="0"/>
-          </a:p>
-          <a:p>
-            <a:pPr marL="0" indent="0">
-              <a:buNone/>
-            </a:pPr>
-            <a:r>
-              <a:rPr lang="nl-NL" sz="2000" noProof="0" dirty="0"/>
-              <a:t>Een namespace koppelt namen aan waardes of objecten.</a:t>
             </a:r>
           </a:p>
           <a:p>
@@ -19070,7 +20345,7 @@
                 <a:latin typeface="Courier New" panose="02070309020205020404" pitchFamily="49" charset="0"/>
                 <a:cs typeface="Courier New" panose="02070309020205020404" pitchFamily="49" charset="0"/>
               </a:rPr>
-              <a:t> functie():</a:t>
+              <a:t> test():</a:t>
             </a:r>
           </a:p>
           <a:p>
@@ -19137,7 +20412,7 @@
 </p:sld>
 </file>
 
-<file path=ppt/slides/slide5.xml><?xml version="1.0" encoding="utf-8"?>
+<file path=ppt/slides/slide6.xml><?xml version="1.0" encoding="utf-8"?>
 <p:sld xmlns:a="http://schemas.openxmlformats.org/drawingml/2006/main" xmlns:r="http://schemas.openxmlformats.org/officeDocument/2006/relationships" xmlns:p="http://schemas.openxmlformats.org/presentationml/2006/main">
   <p:cSld>
     <p:spTree>
@@ -19222,7 +20497,15 @@
             </a:pPr>
             <a:r>
               <a:rPr lang="nl-NL" sz="2000" noProof="0" dirty="0"/>
-              <a:t>Het voorbeeld rechts toont verschillende namespaces; globaal, buiten en binnen.</a:t>
+              <a:t>Rechts zie je verschillende </a:t>
+            </a:r>
+            <a:r>
+              <a:rPr lang="nl-NL" sz="2000" noProof="0" dirty="0" err="1"/>
+              <a:t>namespaces</a:t>
+            </a:r>
+            <a:r>
+              <a:rPr lang="nl-NL" sz="2000" noProof="0" dirty="0"/>
+              <a:t>: globaal, buitenste en binnenste.</a:t>
             </a:r>
           </a:p>
           <a:p>
@@ -19276,7 +20559,7 @@
             </a:pPr>
             <a:r>
               <a:rPr lang="nl-NL" sz="2000" noProof="0" dirty="0"/>
-              <a:t>lokaal =&gt; omvattend =&gt; globaal =&gt; built-ins</a:t>
+              <a:t>lokaal  &gt;  omvattend  &gt;  globaal  &gt;  built-ins</a:t>
             </a:r>
           </a:p>
         </p:txBody>
@@ -19867,7 +21150,7 @@
 </p:sld>
 </file>
 
-<file path=ppt/slides/slide6.xml><?xml version="1.0" encoding="utf-8"?>
+<file path=ppt/slides/slide7.xml><?xml version="1.0" encoding="utf-8"?>
 <p:sld xmlns:a="http://schemas.openxmlformats.org/drawingml/2006/main" xmlns:r="http://schemas.openxmlformats.org/officeDocument/2006/relationships" xmlns:p="http://schemas.openxmlformats.org/presentationml/2006/main">
   <p:cSld>
     <p:spTree>
@@ -19959,7 +21242,7 @@
 </p:sld>
 </file>
 
-<file path=ppt/slides/slide7.xml><?xml version="1.0" encoding="utf-8"?>
+<file path=ppt/slides/slide8.xml><?xml version="1.0" encoding="utf-8"?>
 <p:sld xmlns:a="http://schemas.openxmlformats.org/drawingml/2006/main" xmlns:r="http://schemas.openxmlformats.org/officeDocument/2006/relationships" xmlns:p="http://schemas.openxmlformats.org/presentationml/2006/main">
   <p:cSld>
     <p:spTree>
@@ -20506,7 +21789,7 @@
 </p:sld>
 </file>
 
-<file path=ppt/slides/slide8.xml><?xml version="1.0" encoding="utf-8"?>
+<file path=ppt/slides/slide9.xml><?xml version="1.0" encoding="utf-8"?>
 <p:sld xmlns:a="http://schemas.openxmlformats.org/drawingml/2006/main" xmlns:r="http://schemas.openxmlformats.org/officeDocument/2006/relationships" xmlns:p="http://schemas.openxmlformats.org/presentationml/2006/main">
   <p:cSld>
     <p:spTree>
@@ -20610,9 +21893,10 @@
               <a:buChar char="-"/>
             </a:pPr>
             <a:r>
-              <a:rPr lang="nl-NL" sz="2000" noProof="0" dirty="0"/>
-              <a:t>list</a:t>
-            </a:r>
+              <a:rPr lang="nl-NL" sz="2000" noProof="0" dirty="0" err="1"/>
+              <a:t>dict</a:t>
+            </a:r>
+            <a:endParaRPr lang="nl-NL" sz="2000" noProof="0" dirty="0"/>
           </a:p>
           <a:p>
             <a:pPr>
@@ -20620,10 +21904,9 @@
               <a:buChar char="-"/>
             </a:pPr>
             <a:r>
-              <a:rPr lang="nl-NL" sz="2000" noProof="0" dirty="0" err="1"/>
-              <a:t>dict</a:t>
-            </a:r>
-            <a:endParaRPr lang="nl-NL" sz="2000" noProof="0" dirty="0"/>
+              <a:rPr lang="nl-NL" sz="2000" noProof="0" dirty="0"/>
+              <a:t>list</a:t>
+            </a:r>
           </a:p>
           <a:p>
             <a:pPr>
@@ -20632,7 +21915,7 @@
             </a:pPr>
             <a:r>
               <a:rPr lang="nl-NL" sz="2000" noProof="0" dirty="0"/>
-              <a:t>set</a:t>
+              <a:t>object</a:t>
             </a:r>
           </a:p>
           <a:p>
@@ -20642,7 +21925,7 @@
             </a:pPr>
             <a:r>
               <a:rPr lang="nl-NL" sz="2000" noProof="0" dirty="0"/>
-              <a:t>object</a:t>
+              <a:t>set</a:t>
             </a:r>
           </a:p>
         </p:txBody>
@@ -20874,9 +22157,14 @@
               <a:buChar char="-"/>
             </a:pPr>
             <a:r>
-              <a:rPr lang="nl-NL" sz="2000" dirty="0"/>
-              <a:t>int</a:t>
-            </a:r>
+              <a:rPr lang="nl-NL" sz="2000" dirty="0" err="1">
+                <a:cs typeface="Courier New" panose="02070309020205020404" pitchFamily="49" charset="0"/>
+              </a:rPr>
+              <a:t>float</a:t>
+            </a:r>
+            <a:endParaRPr lang="nl-NL" sz="2000" dirty="0">
+              <a:cs typeface="Courier New" panose="02070309020205020404" pitchFamily="49" charset="0"/>
+            </a:endParaRPr>
           </a:p>
           <a:p>
             <a:pPr>
@@ -20884,14 +22172,9 @@
               <a:buChar char="-"/>
             </a:pPr>
             <a:r>
-              <a:rPr lang="nl-NL" sz="2000" dirty="0" err="1">
-                <a:cs typeface="Courier New" panose="02070309020205020404" pitchFamily="49" charset="0"/>
-              </a:rPr>
-              <a:t>float</a:t>
-            </a:r>
-            <a:endParaRPr lang="nl-NL" sz="2000" dirty="0">
-              <a:cs typeface="Courier New" panose="02070309020205020404" pitchFamily="49" charset="0"/>
-            </a:endParaRPr>
+              <a:rPr lang="nl-NL" sz="2000" dirty="0"/>
+              <a:t>int</a:t>
+            </a:r>
           </a:p>
           <a:p>
             <a:pPr>
@@ -20967,780 +22250,6 @@
     <p:extLst>
       <p:ext uri="{BB962C8B-B14F-4D97-AF65-F5344CB8AC3E}">
         <p14:creationId xmlns:p14="http://schemas.microsoft.com/office/powerpoint/2010/main" val="1697244004"/>
-      </p:ext>
-    </p:extLst>
-  </p:cSld>
-  <p:clrMapOvr>
-    <a:masterClrMapping/>
-  </p:clrMapOvr>
-</p:sld>
-</file>
-
-<file path=ppt/slides/slide9.xml><?xml version="1.0" encoding="utf-8"?>
-<p:sld xmlns:a="http://schemas.openxmlformats.org/drawingml/2006/main" xmlns:r="http://schemas.openxmlformats.org/officeDocument/2006/relationships" xmlns:p="http://schemas.openxmlformats.org/presentationml/2006/main">
-  <p:cSld>
-    <p:spTree>
-      <p:nvGrpSpPr>
-        <p:cNvPr id="1" name=""/>
-        <p:cNvGrpSpPr/>
-        <p:nvPr/>
-      </p:nvGrpSpPr>
-      <p:grpSpPr>
-        <a:xfrm>
-          <a:off x="0" y="0"/>
-          <a:ext cx="0" cy="0"/>
-          <a:chOff x="0" y="0"/>
-          <a:chExt cx="0" cy="0"/>
-        </a:xfrm>
-      </p:grpSpPr>
-      <p:sp>
-        <p:nvSpPr>
-          <p:cNvPr id="7" name="Rectangle 6">
-            <a:extLst>
-              <a:ext uri="{FF2B5EF4-FFF2-40B4-BE49-F238E27FC236}">
-                <a16:creationId xmlns:a16="http://schemas.microsoft.com/office/drawing/2014/main" id="{337A1CA8-B3F4-84C3-6FE9-2787FC91D918}"/>
-              </a:ext>
-            </a:extLst>
-          </p:cNvPr>
-          <p:cNvSpPr/>
-          <p:nvPr/>
-        </p:nvSpPr>
-        <p:spPr>
-          <a:xfrm>
-            <a:off x="5985937" y="2139950"/>
-            <a:ext cx="4571999" cy="2362200"/>
-          </a:xfrm>
-          <a:prstGeom prst="rect">
-            <a:avLst/>
-          </a:prstGeom>
-        </p:spPr>
-        <p:style>
-          <a:lnRef idx="1">
-            <a:schemeClr val="accent3"/>
-          </a:lnRef>
-          <a:fillRef idx="2">
-            <a:schemeClr val="accent3"/>
-          </a:fillRef>
-          <a:effectRef idx="1">
-            <a:schemeClr val="accent3"/>
-          </a:effectRef>
-          <a:fontRef idx="minor">
-            <a:schemeClr val="dk1"/>
-          </a:fontRef>
-        </p:style>
-        <p:txBody>
-          <a:bodyPr rtlCol="0" anchor="ctr"/>
-          <a:lstStyle/>
-          <a:p>
-            <a:pPr algn="ctr"/>
-            <a:endParaRPr lang="en-NL"/>
-          </a:p>
-        </p:txBody>
-      </p:sp>
-      <p:sp>
-        <p:nvSpPr>
-          <p:cNvPr id="4" name="Content Placeholder 2">
-            <a:extLst>
-              <a:ext uri="{FF2B5EF4-FFF2-40B4-BE49-F238E27FC236}">
-                <a16:creationId xmlns:a16="http://schemas.microsoft.com/office/drawing/2014/main" id="{98EFE1E9-4D56-5081-678F-F94DE9C3DCC6}"/>
-              </a:ext>
-            </a:extLst>
-          </p:cNvPr>
-          <p:cNvSpPr txBox="1">
-            <a:spLocks/>
-          </p:cNvSpPr>
-          <p:nvPr/>
-        </p:nvSpPr>
-        <p:spPr>
-          <a:xfrm>
-            <a:off x="5985937" y="1456267"/>
-            <a:ext cx="4571998" cy="4720696"/>
-          </a:xfrm>
-          <a:prstGeom prst="rect">
-            <a:avLst/>
-          </a:prstGeom>
-        </p:spPr>
-        <p:txBody>
-          <a:bodyPr vert="horz" lIns="91440" tIns="45720" rIns="91440" bIns="45720" rtlCol="0">
-            <a:normAutofit/>
-          </a:bodyPr>
-          <a:lstStyle>
-            <a:lvl1pPr marL="228600" indent="-228600" algn="l" defTabSz="914400" rtl="0" eaLnBrk="1" latinLnBrk="0" hangingPunct="1">
-              <a:lnSpc>
-                <a:spcPct val="90000"/>
-              </a:lnSpc>
-              <a:spcBef>
-                <a:spcPts val="1000"/>
-              </a:spcBef>
-              <a:buFont typeface="Arial" panose="020B0604020202020204" pitchFamily="34" charset="0"/>
-              <a:buChar char="•"/>
-              <a:defRPr sz="2800" kern="1200">
-                <a:solidFill>
-                  <a:schemeClr val="tx1"/>
-                </a:solidFill>
-                <a:latin typeface="+mn-lt"/>
-                <a:ea typeface="+mn-ea"/>
-                <a:cs typeface="+mn-cs"/>
-              </a:defRPr>
-            </a:lvl1pPr>
-            <a:lvl2pPr marL="685800" indent="-228600" algn="l" defTabSz="914400" rtl="0" eaLnBrk="1" latinLnBrk="0" hangingPunct="1">
-              <a:lnSpc>
-                <a:spcPct val="90000"/>
-              </a:lnSpc>
-              <a:spcBef>
-                <a:spcPts val="500"/>
-              </a:spcBef>
-              <a:buFont typeface="Arial" panose="020B0604020202020204" pitchFamily="34" charset="0"/>
-              <a:buChar char="•"/>
-              <a:defRPr sz="2400" kern="1200">
-                <a:solidFill>
-                  <a:schemeClr val="tx1"/>
-                </a:solidFill>
-                <a:latin typeface="+mn-lt"/>
-                <a:ea typeface="+mn-ea"/>
-                <a:cs typeface="+mn-cs"/>
-              </a:defRPr>
-            </a:lvl2pPr>
-            <a:lvl3pPr marL="1143000" indent="-228600" algn="l" defTabSz="914400" rtl="0" eaLnBrk="1" latinLnBrk="0" hangingPunct="1">
-              <a:lnSpc>
-                <a:spcPct val="90000"/>
-              </a:lnSpc>
-              <a:spcBef>
-                <a:spcPts val="500"/>
-              </a:spcBef>
-              <a:buFont typeface="Arial" panose="020B0604020202020204" pitchFamily="34" charset="0"/>
-              <a:buChar char="•"/>
-              <a:defRPr sz="2000" kern="1200">
-                <a:solidFill>
-                  <a:schemeClr val="tx1"/>
-                </a:solidFill>
-                <a:latin typeface="+mn-lt"/>
-                <a:ea typeface="+mn-ea"/>
-                <a:cs typeface="+mn-cs"/>
-              </a:defRPr>
-            </a:lvl3pPr>
-            <a:lvl4pPr marL="1600200" indent="-228600" algn="l" defTabSz="914400" rtl="0" eaLnBrk="1" latinLnBrk="0" hangingPunct="1">
-              <a:lnSpc>
-                <a:spcPct val="90000"/>
-              </a:lnSpc>
-              <a:spcBef>
-                <a:spcPts val="500"/>
-              </a:spcBef>
-              <a:buFont typeface="Arial" panose="020B0604020202020204" pitchFamily="34" charset="0"/>
-              <a:buChar char="•"/>
-              <a:defRPr sz="1800" kern="1200">
-                <a:solidFill>
-                  <a:schemeClr val="tx1"/>
-                </a:solidFill>
-                <a:latin typeface="+mn-lt"/>
-                <a:ea typeface="+mn-ea"/>
-                <a:cs typeface="+mn-cs"/>
-              </a:defRPr>
-            </a:lvl4pPr>
-            <a:lvl5pPr marL="2057400" indent="-228600" algn="l" defTabSz="914400" rtl="0" eaLnBrk="1" latinLnBrk="0" hangingPunct="1">
-              <a:lnSpc>
-                <a:spcPct val="90000"/>
-              </a:lnSpc>
-              <a:spcBef>
-                <a:spcPts val="500"/>
-              </a:spcBef>
-              <a:buFont typeface="Arial" panose="020B0604020202020204" pitchFamily="34" charset="0"/>
-              <a:buChar char="•"/>
-              <a:defRPr sz="1800" kern="1200">
-                <a:solidFill>
-                  <a:schemeClr val="tx1"/>
-                </a:solidFill>
-                <a:latin typeface="+mn-lt"/>
-                <a:ea typeface="+mn-ea"/>
-                <a:cs typeface="+mn-cs"/>
-              </a:defRPr>
-            </a:lvl5pPr>
-            <a:lvl6pPr marL="2514600" indent="-228600" algn="l" defTabSz="914400" rtl="0" eaLnBrk="1" latinLnBrk="0" hangingPunct="1">
-              <a:lnSpc>
-                <a:spcPct val="90000"/>
-              </a:lnSpc>
-              <a:spcBef>
-                <a:spcPts val="500"/>
-              </a:spcBef>
-              <a:buFont typeface="Arial" panose="020B0604020202020204" pitchFamily="34" charset="0"/>
-              <a:buChar char="•"/>
-              <a:defRPr sz="1800" kern="1200">
-                <a:solidFill>
-                  <a:schemeClr val="tx1"/>
-                </a:solidFill>
-                <a:latin typeface="+mn-lt"/>
-                <a:ea typeface="+mn-ea"/>
-                <a:cs typeface="+mn-cs"/>
-              </a:defRPr>
-            </a:lvl6pPr>
-            <a:lvl7pPr marL="2971800" indent="-228600" algn="l" defTabSz="914400" rtl="0" eaLnBrk="1" latinLnBrk="0" hangingPunct="1">
-              <a:lnSpc>
-                <a:spcPct val="90000"/>
-              </a:lnSpc>
-              <a:spcBef>
-                <a:spcPts val="500"/>
-              </a:spcBef>
-              <a:buFont typeface="Arial" panose="020B0604020202020204" pitchFamily="34" charset="0"/>
-              <a:buChar char="•"/>
-              <a:defRPr sz="1800" kern="1200">
-                <a:solidFill>
-                  <a:schemeClr val="tx1"/>
-                </a:solidFill>
-                <a:latin typeface="+mn-lt"/>
-                <a:ea typeface="+mn-ea"/>
-                <a:cs typeface="+mn-cs"/>
-              </a:defRPr>
-            </a:lvl7pPr>
-            <a:lvl8pPr marL="3429000" indent="-228600" algn="l" defTabSz="914400" rtl="0" eaLnBrk="1" latinLnBrk="0" hangingPunct="1">
-              <a:lnSpc>
-                <a:spcPct val="90000"/>
-              </a:lnSpc>
-              <a:spcBef>
-                <a:spcPts val="500"/>
-              </a:spcBef>
-              <a:buFont typeface="Arial" panose="020B0604020202020204" pitchFamily="34" charset="0"/>
-              <a:buChar char="•"/>
-              <a:defRPr sz="1800" kern="1200">
-                <a:solidFill>
-                  <a:schemeClr val="tx1"/>
-                </a:solidFill>
-                <a:latin typeface="+mn-lt"/>
-                <a:ea typeface="+mn-ea"/>
-                <a:cs typeface="+mn-cs"/>
-              </a:defRPr>
-            </a:lvl8pPr>
-            <a:lvl9pPr marL="3886200" indent="-228600" algn="l" defTabSz="914400" rtl="0" eaLnBrk="1" latinLnBrk="0" hangingPunct="1">
-              <a:lnSpc>
-                <a:spcPct val="90000"/>
-              </a:lnSpc>
-              <a:spcBef>
-                <a:spcPts val="500"/>
-              </a:spcBef>
-              <a:buFont typeface="Arial" panose="020B0604020202020204" pitchFamily="34" charset="0"/>
-              <a:buChar char="•"/>
-              <a:defRPr sz="1800" kern="1200">
-                <a:solidFill>
-                  <a:schemeClr val="tx1"/>
-                </a:solidFill>
-                <a:latin typeface="+mn-lt"/>
-                <a:ea typeface="+mn-ea"/>
-                <a:cs typeface="+mn-cs"/>
-              </a:defRPr>
-            </a:lvl9pPr>
-          </a:lstStyle>
-          <a:p>
-            <a:pPr marL="0" indent="0">
-              <a:buNone/>
-            </a:pPr>
-            <a:r>
-              <a:rPr lang="nl-NL" sz="2000" b="1" dirty="0" err="1"/>
-              <a:t>Immutable</a:t>
-            </a:r>
-            <a:r>
-              <a:rPr lang="nl-NL" sz="2000" b="1" dirty="0"/>
-              <a:t> data</a:t>
-            </a:r>
-          </a:p>
-          <a:p>
-            <a:pPr marL="0" indent="0">
-              <a:buNone/>
-            </a:pPr>
-            <a:endParaRPr lang="nl-NL" sz="2000" dirty="0"/>
-          </a:p>
-          <a:p>
-            <a:pPr marL="0" indent="0">
-              <a:buNone/>
-            </a:pPr>
-            <a:r>
-              <a:rPr lang="nl-NL" sz="2000" b="1" dirty="0" err="1">
-                <a:latin typeface="Courier New" panose="02070309020205020404" pitchFamily="49" charset="0"/>
-                <a:cs typeface="Courier New" panose="02070309020205020404" pitchFamily="49" charset="0"/>
-              </a:rPr>
-              <a:t>def</a:t>
-            </a:r>
-            <a:r>
-              <a:rPr lang="nl-NL" sz="2000" b="1" dirty="0">
-                <a:latin typeface="Courier New" panose="02070309020205020404" pitchFamily="49" charset="0"/>
-                <a:cs typeface="Courier New" panose="02070309020205020404" pitchFamily="49" charset="0"/>
-              </a:rPr>
-              <a:t> test(</a:t>
-            </a:r>
-            <a:r>
-              <a:rPr lang="nl-NL" sz="2000" b="1" dirty="0" err="1">
-                <a:latin typeface="Courier New" panose="02070309020205020404" pitchFamily="49" charset="0"/>
-                <a:cs typeface="Courier New" panose="02070309020205020404" pitchFamily="49" charset="0"/>
-              </a:rPr>
-              <a:t>value</a:t>
-            </a:r>
-            <a:r>
-              <a:rPr lang="nl-NL" sz="2000" b="1" dirty="0">
-                <a:latin typeface="Courier New" panose="02070309020205020404" pitchFamily="49" charset="0"/>
-                <a:cs typeface="Courier New" panose="02070309020205020404" pitchFamily="49" charset="0"/>
-              </a:rPr>
-              <a:t>):</a:t>
-            </a:r>
-          </a:p>
-          <a:p>
-            <a:pPr marL="0" indent="0">
-              <a:buNone/>
-            </a:pPr>
-            <a:r>
-              <a:rPr lang="nl-NL" sz="2000" dirty="0">
-                <a:latin typeface="Courier New" panose="02070309020205020404" pitchFamily="49" charset="0"/>
-                <a:cs typeface="Courier New" panose="02070309020205020404" pitchFamily="49" charset="0"/>
-              </a:rPr>
-              <a:t>  </a:t>
-            </a:r>
-            <a:r>
-              <a:rPr lang="nl-NL" sz="2000" dirty="0" err="1">
-                <a:latin typeface="Courier New" panose="02070309020205020404" pitchFamily="49" charset="0"/>
-                <a:cs typeface="Courier New" panose="02070309020205020404" pitchFamily="49" charset="0"/>
-              </a:rPr>
-              <a:t>value</a:t>
-            </a:r>
-            <a:r>
-              <a:rPr lang="nl-NL" sz="2000" dirty="0">
-                <a:latin typeface="Courier New" panose="02070309020205020404" pitchFamily="49" charset="0"/>
-                <a:cs typeface="Courier New" panose="02070309020205020404" pitchFamily="49" charset="0"/>
-              </a:rPr>
-              <a:t> = None</a:t>
-            </a:r>
-          </a:p>
-          <a:p>
-            <a:pPr marL="0" indent="0">
-              <a:buNone/>
-            </a:pPr>
-            <a:endParaRPr lang="nl-NL" sz="2000" dirty="0">
-              <a:latin typeface="Courier New" panose="02070309020205020404" pitchFamily="49" charset="0"/>
-              <a:cs typeface="Courier New" panose="02070309020205020404" pitchFamily="49" charset="0"/>
-            </a:endParaRPr>
-          </a:p>
-          <a:p>
-            <a:pPr marL="0" indent="0">
-              <a:buNone/>
-            </a:pPr>
-            <a:r>
-              <a:rPr lang="nl-NL" sz="2000" dirty="0" err="1">
-                <a:latin typeface="Courier New" panose="02070309020205020404" pitchFamily="49" charset="0"/>
-                <a:cs typeface="Courier New" panose="02070309020205020404" pitchFamily="49" charset="0"/>
-              </a:rPr>
-              <a:t>value</a:t>
-            </a:r>
-            <a:r>
-              <a:rPr lang="nl-NL" sz="2000" dirty="0">
-                <a:latin typeface="Courier New" panose="02070309020205020404" pitchFamily="49" charset="0"/>
-                <a:cs typeface="Courier New" panose="02070309020205020404" pitchFamily="49" charset="0"/>
-              </a:rPr>
-              <a:t> = 3</a:t>
-            </a:r>
-          </a:p>
-          <a:p>
-            <a:pPr marL="0" indent="0">
-              <a:buNone/>
-            </a:pPr>
-            <a:r>
-              <a:rPr lang="nl-NL" sz="2000" dirty="0">
-                <a:latin typeface="Courier New" panose="02070309020205020404" pitchFamily="49" charset="0"/>
-                <a:cs typeface="Courier New" panose="02070309020205020404" pitchFamily="49" charset="0"/>
-              </a:rPr>
-              <a:t>test(</a:t>
-            </a:r>
-            <a:r>
-              <a:rPr lang="nl-NL" sz="2000" dirty="0" err="1">
-                <a:latin typeface="Courier New" panose="02070309020205020404" pitchFamily="49" charset="0"/>
-                <a:cs typeface="Courier New" panose="02070309020205020404" pitchFamily="49" charset="0"/>
-              </a:rPr>
-              <a:t>value</a:t>
-            </a:r>
-            <a:r>
-              <a:rPr lang="nl-NL" sz="2000" dirty="0">
-                <a:latin typeface="Courier New" panose="02070309020205020404" pitchFamily="49" charset="0"/>
-                <a:cs typeface="Courier New" panose="02070309020205020404" pitchFamily="49" charset="0"/>
-              </a:rPr>
-              <a:t>)</a:t>
-            </a:r>
-          </a:p>
-          <a:p>
-            <a:pPr marL="0" indent="0">
-              <a:buNone/>
-            </a:pPr>
-            <a:endParaRPr lang="nl-NL" sz="2000" dirty="0">
-              <a:latin typeface="Courier New" panose="02070309020205020404" pitchFamily="49" charset="0"/>
-              <a:cs typeface="Courier New" panose="02070309020205020404" pitchFamily="49" charset="0"/>
-            </a:endParaRPr>
-          </a:p>
-          <a:p>
-            <a:pPr marL="0" indent="0">
-              <a:buNone/>
-            </a:pPr>
-            <a:endParaRPr lang="nl-NL" sz="2000" dirty="0">
-              <a:cs typeface="Courier New" panose="02070309020205020404" pitchFamily="49" charset="0"/>
-            </a:endParaRPr>
-          </a:p>
-          <a:p>
-            <a:pPr marL="0" indent="0">
-              <a:buNone/>
-            </a:pPr>
-            <a:endParaRPr lang="nl-NL" sz="2000" dirty="0">
-              <a:cs typeface="Courier New" panose="02070309020205020404" pitchFamily="49" charset="0"/>
-            </a:endParaRPr>
-          </a:p>
-          <a:p>
-            <a:pPr marL="0" indent="0">
-              <a:buNone/>
-            </a:pPr>
-            <a:r>
-              <a:rPr lang="nl-NL" sz="2000" dirty="0"/>
-              <a:t>Wat is de waarde van </a:t>
-            </a:r>
-            <a:r>
-              <a:rPr lang="nl-NL" sz="2000" dirty="0" err="1">
-                <a:latin typeface="Courier New" panose="02070309020205020404" pitchFamily="49" charset="0"/>
-                <a:cs typeface="Courier New" panose="02070309020205020404" pitchFamily="49" charset="0"/>
-              </a:rPr>
-              <a:t>value</a:t>
-            </a:r>
-            <a:r>
-              <a:rPr lang="nl-NL" sz="2000" dirty="0"/>
-              <a:t>?</a:t>
-            </a:r>
-            <a:endParaRPr lang="nl-NL" sz="2000" noProof="0" dirty="0"/>
-          </a:p>
-          <a:p>
-            <a:pPr marL="0" indent="0">
-              <a:buNone/>
-            </a:pPr>
-            <a:endParaRPr lang="nl-NL" sz="2000" dirty="0">
-              <a:cs typeface="Courier New" panose="02070309020205020404" pitchFamily="49" charset="0"/>
-            </a:endParaRPr>
-          </a:p>
-        </p:txBody>
-      </p:sp>
-      <p:sp>
-        <p:nvSpPr>
-          <p:cNvPr id="5" name="Rectangle 4">
-            <a:extLst>
-              <a:ext uri="{FF2B5EF4-FFF2-40B4-BE49-F238E27FC236}">
-                <a16:creationId xmlns:a16="http://schemas.microsoft.com/office/drawing/2014/main" id="{E29DAE97-165D-2317-E548-C65CD2E2B3EF}"/>
-              </a:ext>
-            </a:extLst>
-          </p:cNvPr>
-          <p:cNvSpPr/>
-          <p:nvPr/>
-        </p:nvSpPr>
-        <p:spPr>
-          <a:xfrm>
-            <a:off x="838198" y="2139950"/>
-            <a:ext cx="4571999" cy="2362200"/>
-          </a:xfrm>
-          <a:prstGeom prst="rect">
-            <a:avLst/>
-          </a:prstGeom>
-        </p:spPr>
-        <p:style>
-          <a:lnRef idx="1">
-            <a:schemeClr val="accent3"/>
-          </a:lnRef>
-          <a:fillRef idx="2">
-            <a:schemeClr val="accent3"/>
-          </a:fillRef>
-          <a:effectRef idx="1">
-            <a:schemeClr val="accent3"/>
-          </a:effectRef>
-          <a:fontRef idx="minor">
-            <a:schemeClr val="dk1"/>
-          </a:fontRef>
-        </p:style>
-        <p:txBody>
-          <a:bodyPr rtlCol="0" anchor="ctr"/>
-          <a:lstStyle/>
-          <a:p>
-            <a:pPr algn="ctr"/>
-            <a:endParaRPr lang="en-NL"/>
-          </a:p>
-        </p:txBody>
-      </p:sp>
-      <p:sp>
-        <p:nvSpPr>
-          <p:cNvPr id="3" name="Content Placeholder 2">
-            <a:extLst>
-              <a:ext uri="{FF2B5EF4-FFF2-40B4-BE49-F238E27FC236}">
-                <a16:creationId xmlns:a16="http://schemas.microsoft.com/office/drawing/2014/main" id="{F4C2D286-E049-0AAB-1360-B7157E11AD7E}"/>
-              </a:ext>
-            </a:extLst>
-          </p:cNvPr>
-          <p:cNvSpPr>
-            <a:spLocks noGrp="1"/>
-          </p:cNvSpPr>
-          <p:nvPr>
-            <p:ph idx="1"/>
-          </p:nvPr>
-        </p:nvSpPr>
-        <p:spPr>
-          <a:xfrm>
-            <a:off x="838200" y="1456267"/>
-            <a:ext cx="4571999" cy="4720696"/>
-          </a:xfrm>
-        </p:spPr>
-        <p:txBody>
-          <a:bodyPr>
-            <a:normAutofit/>
-          </a:bodyPr>
-          <a:lstStyle/>
-          <a:p>
-            <a:pPr marL="0" indent="0">
-              <a:buNone/>
-            </a:pPr>
-            <a:r>
-              <a:rPr lang="nl-NL" sz="2000" b="1" noProof="0" dirty="0" err="1"/>
-              <a:t>Mutable</a:t>
-            </a:r>
-            <a:r>
-              <a:rPr lang="nl-NL" sz="2000" b="1" noProof="0" dirty="0"/>
-              <a:t> data</a:t>
-            </a:r>
-          </a:p>
-          <a:p>
-            <a:pPr marL="0" indent="0">
-              <a:buNone/>
-            </a:pPr>
-            <a:endParaRPr lang="nl-NL" sz="2000" noProof="0" dirty="0"/>
-          </a:p>
-          <a:p>
-            <a:pPr marL="0" indent="0">
-              <a:buNone/>
-            </a:pPr>
-            <a:r>
-              <a:rPr lang="nl-NL" sz="2000" b="1" dirty="0" err="1">
-                <a:latin typeface="Courier New" panose="02070309020205020404" pitchFamily="49" charset="0"/>
-                <a:cs typeface="Courier New" panose="02070309020205020404" pitchFamily="49" charset="0"/>
-              </a:rPr>
-              <a:t>def</a:t>
-            </a:r>
-            <a:r>
-              <a:rPr lang="nl-NL" sz="2000" b="1" dirty="0">
-                <a:latin typeface="Courier New" panose="02070309020205020404" pitchFamily="49" charset="0"/>
-                <a:cs typeface="Courier New" panose="02070309020205020404" pitchFamily="49" charset="0"/>
-              </a:rPr>
-              <a:t> test(</a:t>
-            </a:r>
-            <a:r>
-              <a:rPr lang="nl-NL" sz="2000" b="1" dirty="0" err="1">
-                <a:latin typeface="Courier New" panose="02070309020205020404" pitchFamily="49" charset="0"/>
-                <a:cs typeface="Courier New" panose="02070309020205020404" pitchFamily="49" charset="0"/>
-              </a:rPr>
-              <a:t>values</a:t>
-            </a:r>
-            <a:r>
-              <a:rPr lang="nl-NL" sz="2000" b="1" dirty="0">
-                <a:latin typeface="Courier New" panose="02070309020205020404" pitchFamily="49" charset="0"/>
-                <a:cs typeface="Courier New" panose="02070309020205020404" pitchFamily="49" charset="0"/>
-              </a:rPr>
-              <a:t>):</a:t>
-            </a:r>
-          </a:p>
-          <a:p>
-            <a:pPr marL="0" indent="0">
-              <a:buNone/>
-            </a:pPr>
-            <a:r>
-              <a:rPr lang="nl-NL" sz="2000" dirty="0">
-                <a:latin typeface="Courier New" panose="02070309020205020404" pitchFamily="49" charset="0"/>
-                <a:cs typeface="Courier New" panose="02070309020205020404" pitchFamily="49" charset="0"/>
-              </a:rPr>
-              <a:t>  </a:t>
-            </a:r>
-            <a:r>
-              <a:rPr lang="nl-NL" sz="2000" dirty="0" err="1">
-                <a:latin typeface="Courier New" panose="02070309020205020404" pitchFamily="49" charset="0"/>
-                <a:cs typeface="Courier New" panose="02070309020205020404" pitchFamily="49" charset="0"/>
-              </a:rPr>
-              <a:t>values</a:t>
-            </a:r>
-            <a:r>
-              <a:rPr lang="nl-NL" sz="2000" dirty="0">
-                <a:latin typeface="Courier New" panose="02070309020205020404" pitchFamily="49" charset="0"/>
-                <a:cs typeface="Courier New" panose="02070309020205020404" pitchFamily="49" charset="0"/>
-              </a:rPr>
-              <a:t>[0] = None</a:t>
-            </a:r>
-          </a:p>
-          <a:p>
-            <a:pPr marL="0" indent="0">
-              <a:buNone/>
-            </a:pPr>
-            <a:endParaRPr lang="nl-NL" sz="2000" dirty="0">
-              <a:latin typeface="Courier New" panose="02070309020205020404" pitchFamily="49" charset="0"/>
-              <a:cs typeface="Courier New" panose="02070309020205020404" pitchFamily="49" charset="0"/>
-            </a:endParaRPr>
-          </a:p>
-          <a:p>
-            <a:pPr marL="0" indent="0">
-              <a:buNone/>
-            </a:pPr>
-            <a:r>
-              <a:rPr lang="nl-NL" sz="2000" dirty="0" err="1">
-                <a:latin typeface="Courier New" panose="02070309020205020404" pitchFamily="49" charset="0"/>
-                <a:cs typeface="Courier New" panose="02070309020205020404" pitchFamily="49" charset="0"/>
-              </a:rPr>
-              <a:t>values</a:t>
-            </a:r>
-            <a:r>
-              <a:rPr lang="nl-NL" sz="2000" dirty="0">
-                <a:latin typeface="Courier New" panose="02070309020205020404" pitchFamily="49" charset="0"/>
-                <a:cs typeface="Courier New" panose="02070309020205020404" pitchFamily="49" charset="0"/>
-              </a:rPr>
-              <a:t> = [1, 2, 3]</a:t>
-            </a:r>
-            <a:endParaRPr lang="nl-NL" sz="2000" noProof="0" dirty="0">
-              <a:latin typeface="Courier New" panose="02070309020205020404" pitchFamily="49" charset="0"/>
-              <a:cs typeface="Courier New" panose="02070309020205020404" pitchFamily="49" charset="0"/>
-            </a:endParaRPr>
-          </a:p>
-          <a:p>
-            <a:pPr marL="0" indent="0">
-              <a:buNone/>
-            </a:pPr>
-            <a:r>
-              <a:rPr lang="nl-NL" sz="2000" dirty="0">
-                <a:latin typeface="Courier New" panose="02070309020205020404" pitchFamily="49" charset="0"/>
-                <a:cs typeface="Courier New" panose="02070309020205020404" pitchFamily="49" charset="0"/>
-              </a:rPr>
-              <a:t>test(</a:t>
-            </a:r>
-            <a:r>
-              <a:rPr lang="nl-NL" sz="2000" dirty="0" err="1">
-                <a:latin typeface="Courier New" panose="02070309020205020404" pitchFamily="49" charset="0"/>
-                <a:cs typeface="Courier New" panose="02070309020205020404" pitchFamily="49" charset="0"/>
-              </a:rPr>
-              <a:t>values</a:t>
-            </a:r>
-            <a:r>
-              <a:rPr lang="nl-NL" sz="2000" dirty="0">
-                <a:latin typeface="Courier New" panose="02070309020205020404" pitchFamily="49" charset="0"/>
-                <a:cs typeface="Courier New" panose="02070309020205020404" pitchFamily="49" charset="0"/>
-              </a:rPr>
-              <a:t>)</a:t>
-            </a:r>
-          </a:p>
-          <a:p>
-            <a:pPr marL="0" indent="0">
-              <a:buNone/>
-            </a:pPr>
-            <a:endParaRPr lang="nl-NL" sz="2000" noProof="0" dirty="0"/>
-          </a:p>
-          <a:p>
-            <a:pPr marL="0" indent="0">
-              <a:buNone/>
-            </a:pPr>
-            <a:endParaRPr lang="nl-NL" sz="2000" dirty="0"/>
-          </a:p>
-          <a:p>
-            <a:pPr marL="0" indent="0">
-              <a:buNone/>
-            </a:pPr>
-            <a:endParaRPr lang="nl-NL" sz="2000" dirty="0"/>
-          </a:p>
-          <a:p>
-            <a:pPr marL="0" indent="0">
-              <a:buNone/>
-            </a:pPr>
-            <a:r>
-              <a:rPr lang="nl-NL" sz="2000" dirty="0"/>
-              <a:t>Wat is de waarde van </a:t>
-            </a:r>
-            <a:r>
-              <a:rPr lang="nl-NL" sz="2000" dirty="0" err="1">
-                <a:latin typeface="Courier New" panose="02070309020205020404" pitchFamily="49" charset="0"/>
-                <a:cs typeface="Courier New" panose="02070309020205020404" pitchFamily="49" charset="0"/>
-              </a:rPr>
-              <a:t>values</a:t>
-            </a:r>
-            <a:r>
-              <a:rPr lang="nl-NL" sz="2000" dirty="0"/>
-              <a:t>?</a:t>
-            </a:r>
-            <a:endParaRPr lang="nl-NL" sz="2000" noProof="0" dirty="0"/>
-          </a:p>
-        </p:txBody>
-      </p:sp>
-      <p:sp>
-        <p:nvSpPr>
-          <p:cNvPr id="2" name="Title 1">
-            <a:extLst>
-              <a:ext uri="{FF2B5EF4-FFF2-40B4-BE49-F238E27FC236}">
-                <a16:creationId xmlns:a16="http://schemas.microsoft.com/office/drawing/2014/main" id="{39A1D606-8DD1-369C-5C09-471CDD551AD5}"/>
-              </a:ext>
-            </a:extLst>
-          </p:cNvPr>
-          <p:cNvSpPr>
-            <a:spLocks noGrp="1"/>
-          </p:cNvSpPr>
-          <p:nvPr>
-            <p:ph type="title"/>
-          </p:nvPr>
-        </p:nvSpPr>
-        <p:spPr>
-          <a:xfrm>
-            <a:off x="838200" y="365126"/>
-            <a:ext cx="10515600" cy="718608"/>
-          </a:xfrm>
-        </p:spPr>
-        <p:txBody>
-          <a:bodyPr>
-            <a:normAutofit/>
-          </a:bodyPr>
-          <a:lstStyle/>
-          <a:p>
-            <a:r>
-              <a:rPr lang="nl-NL" sz="3600" noProof="0" dirty="0"/>
-              <a:t>Waarom is het relevant?</a:t>
-            </a:r>
-          </a:p>
-        </p:txBody>
-      </p:sp>
-      <p:cxnSp>
-        <p:nvCxnSpPr>
-          <p:cNvPr id="6" name="Straight Connector 5">
-            <a:extLst>
-              <a:ext uri="{FF2B5EF4-FFF2-40B4-BE49-F238E27FC236}">
-                <a16:creationId xmlns:a16="http://schemas.microsoft.com/office/drawing/2014/main" id="{7F162173-AD9E-1ED9-F92B-186066229DD6}"/>
-              </a:ext>
-            </a:extLst>
-          </p:cNvPr>
-          <p:cNvCxnSpPr>
-            <a:cxnSpLocks/>
-          </p:cNvCxnSpPr>
-          <p:nvPr/>
-        </p:nvCxnSpPr>
-        <p:spPr>
-          <a:xfrm>
-            <a:off x="5655733" y="1456267"/>
-            <a:ext cx="0" cy="4809066"/>
-          </a:xfrm>
-          <a:prstGeom prst="line">
-            <a:avLst/>
-          </a:prstGeom>
-        </p:spPr>
-        <p:style>
-          <a:lnRef idx="3">
-            <a:schemeClr val="dk1"/>
-          </a:lnRef>
-          <a:fillRef idx="0">
-            <a:schemeClr val="dk1"/>
-          </a:fillRef>
-          <a:effectRef idx="2">
-            <a:schemeClr val="dk1"/>
-          </a:effectRef>
-          <a:fontRef idx="minor">
-            <a:schemeClr val="tx1"/>
-          </a:fontRef>
-        </p:style>
-      </p:cxnSp>
-    </p:spTree>
-    <p:extLst>
-      <p:ext uri="{BB962C8B-B14F-4D97-AF65-F5344CB8AC3E}">
-        <p14:creationId xmlns:p14="http://schemas.microsoft.com/office/powerpoint/2010/main" val="1145985773"/>
       </p:ext>
     </p:extLst>
   </p:cSld>

--- a/python_engineers/part_2/python_data_engineers_2.pptx
+++ b/python_engineers/part_2/python_data_engineers_2.pptx
@@ -37,8 +37,6 @@
     <p:sldId id="325" r:id="rId31"/>
     <p:sldId id="322" r:id="rId32"/>
     <p:sldId id="261" r:id="rId33"/>
-    <p:sldId id="301" r:id="rId34"/>
-    <p:sldId id="295" r:id="rId35"/>
   </p:sldIdLst>
   <p:sldSz cx="12192000" cy="6858000"/>
   <p:notesSz cx="6858000" cy="9144000"/>
@@ -306,7 +304,7 @@
           <a:p>
             <a:fld id="{0EBB069A-003F-4FC0-8534-236B0C5C7B5F}" type="datetimeFigureOut">
               <a:rPr lang="en-NL" smtClean="0"/>
-              <a:t>13/12/2022</a:t>
+              <a:t>07/02/2023</a:t>
             </a:fld>
             <a:endParaRPr lang="en-NL"/>
           </a:p>
@@ -506,7 +504,7 @@
           <a:p>
             <a:fld id="{0EBB069A-003F-4FC0-8534-236B0C5C7B5F}" type="datetimeFigureOut">
               <a:rPr lang="en-NL" smtClean="0"/>
-              <a:t>13/12/2022</a:t>
+              <a:t>07/02/2023</a:t>
             </a:fld>
             <a:endParaRPr lang="en-NL"/>
           </a:p>
@@ -716,7 +714,7 @@
           <a:p>
             <a:fld id="{0EBB069A-003F-4FC0-8534-236B0C5C7B5F}" type="datetimeFigureOut">
               <a:rPr lang="en-NL" smtClean="0"/>
-              <a:t>13/12/2022</a:t>
+              <a:t>07/02/2023</a:t>
             </a:fld>
             <a:endParaRPr lang="en-NL"/>
           </a:p>
@@ -916,7 +914,7 @@
           <a:p>
             <a:fld id="{0EBB069A-003F-4FC0-8534-236B0C5C7B5F}" type="datetimeFigureOut">
               <a:rPr lang="en-NL" smtClean="0"/>
-              <a:t>13/12/2022</a:t>
+              <a:t>07/02/2023</a:t>
             </a:fld>
             <a:endParaRPr lang="en-NL"/>
           </a:p>
@@ -1192,7 +1190,7 @@
           <a:p>
             <a:fld id="{0EBB069A-003F-4FC0-8534-236B0C5C7B5F}" type="datetimeFigureOut">
               <a:rPr lang="en-NL" smtClean="0"/>
-              <a:t>13/12/2022</a:t>
+              <a:t>07/02/2023</a:t>
             </a:fld>
             <a:endParaRPr lang="en-NL"/>
           </a:p>
@@ -1460,7 +1458,7 @@
           <a:p>
             <a:fld id="{0EBB069A-003F-4FC0-8534-236B0C5C7B5F}" type="datetimeFigureOut">
               <a:rPr lang="en-NL" smtClean="0"/>
-              <a:t>13/12/2022</a:t>
+              <a:t>07/02/2023</a:t>
             </a:fld>
             <a:endParaRPr lang="en-NL"/>
           </a:p>
@@ -1875,7 +1873,7 @@
           <a:p>
             <a:fld id="{0EBB069A-003F-4FC0-8534-236B0C5C7B5F}" type="datetimeFigureOut">
               <a:rPr lang="en-NL" smtClean="0"/>
-              <a:t>13/12/2022</a:t>
+              <a:t>07/02/2023</a:t>
             </a:fld>
             <a:endParaRPr lang="en-NL"/>
           </a:p>
@@ -2017,7 +2015,7 @@
           <a:p>
             <a:fld id="{0EBB069A-003F-4FC0-8534-236B0C5C7B5F}" type="datetimeFigureOut">
               <a:rPr lang="en-NL" smtClean="0"/>
-              <a:t>13/12/2022</a:t>
+              <a:t>07/02/2023</a:t>
             </a:fld>
             <a:endParaRPr lang="en-NL"/>
           </a:p>
@@ -2130,7 +2128,7 @@
           <a:p>
             <a:fld id="{0EBB069A-003F-4FC0-8534-236B0C5C7B5F}" type="datetimeFigureOut">
               <a:rPr lang="en-NL" smtClean="0"/>
-              <a:t>13/12/2022</a:t>
+              <a:t>07/02/2023</a:t>
             </a:fld>
             <a:endParaRPr lang="en-NL"/>
           </a:p>
@@ -2443,7 +2441,7 @@
           <a:p>
             <a:fld id="{0EBB069A-003F-4FC0-8534-236B0C5C7B5F}" type="datetimeFigureOut">
               <a:rPr lang="en-NL" smtClean="0"/>
-              <a:t>13/12/2022</a:t>
+              <a:t>07/02/2023</a:t>
             </a:fld>
             <a:endParaRPr lang="en-NL"/>
           </a:p>
@@ -2732,7 +2730,7 @@
           <a:p>
             <a:fld id="{0EBB069A-003F-4FC0-8534-236B0C5C7B5F}" type="datetimeFigureOut">
               <a:rPr lang="en-NL" smtClean="0"/>
-              <a:t>13/12/2022</a:t>
+              <a:t>07/02/2023</a:t>
             </a:fld>
             <a:endParaRPr lang="en-NL"/>
           </a:p>
@@ -2975,7 +2973,7 @@
           <a:p>
             <a:fld id="{0EBB069A-003F-4FC0-8534-236B0C5C7B5F}" type="datetimeFigureOut">
               <a:rPr lang="en-NL" smtClean="0"/>
-              <a:t>13/12/2022</a:t>
+              <a:t>07/02/2023</a:t>
             </a:fld>
             <a:endParaRPr lang="en-NL"/>
           </a:p>
@@ -18621,882 +18619,6 @@
 </p:sld>
 </file>
 
-<file path=ppt/slides/slide33.xml><?xml version="1.0" encoding="utf-8"?>
-<p:sld xmlns:a="http://schemas.openxmlformats.org/drawingml/2006/main" xmlns:r="http://schemas.openxmlformats.org/officeDocument/2006/relationships" xmlns:p="http://schemas.openxmlformats.org/presentationml/2006/main">
-  <p:cSld>
-    <p:spTree>
-      <p:nvGrpSpPr>
-        <p:cNvPr id="1" name=""/>
-        <p:cNvGrpSpPr/>
-        <p:nvPr/>
-      </p:nvGrpSpPr>
-      <p:grpSpPr>
-        <a:xfrm>
-          <a:off x="0" y="0"/>
-          <a:ext cx="0" cy="0"/>
-          <a:chOff x="0" y="0"/>
-          <a:chExt cx="0" cy="0"/>
-        </a:xfrm>
-      </p:grpSpPr>
-      <p:sp>
-        <p:nvSpPr>
-          <p:cNvPr id="2" name="Title 1">
-            <a:extLst>
-              <a:ext uri="{FF2B5EF4-FFF2-40B4-BE49-F238E27FC236}">
-                <a16:creationId xmlns:a16="http://schemas.microsoft.com/office/drawing/2014/main" id="{39A1D606-8DD1-369C-5C09-471CDD551AD5}"/>
-              </a:ext>
-            </a:extLst>
-          </p:cNvPr>
-          <p:cNvSpPr>
-            <a:spLocks noGrp="1"/>
-          </p:cNvSpPr>
-          <p:nvPr>
-            <p:ph type="title"/>
-          </p:nvPr>
-        </p:nvSpPr>
-        <p:spPr>
-          <a:xfrm>
-            <a:off x="838200" y="365126"/>
-            <a:ext cx="10515600" cy="718608"/>
-          </a:xfrm>
-        </p:spPr>
-        <p:txBody>
-          <a:bodyPr>
-            <a:normAutofit/>
-          </a:bodyPr>
-          <a:lstStyle/>
-          <a:p>
-            <a:r>
-              <a:rPr lang="nl-NL" sz="3600" noProof="0" dirty="0"/>
-              <a:t>Overerving</a:t>
-            </a:r>
-          </a:p>
-        </p:txBody>
-      </p:sp>
-      <p:sp>
-        <p:nvSpPr>
-          <p:cNvPr id="8" name="Rectangle 7">
-            <a:extLst>
-              <a:ext uri="{FF2B5EF4-FFF2-40B4-BE49-F238E27FC236}">
-                <a16:creationId xmlns:a16="http://schemas.microsoft.com/office/drawing/2014/main" id="{8F8A90BB-468A-6D0A-002C-262602B18B4B}"/>
-              </a:ext>
-            </a:extLst>
-          </p:cNvPr>
-          <p:cNvSpPr/>
-          <p:nvPr/>
-        </p:nvSpPr>
-        <p:spPr>
-          <a:xfrm>
-            <a:off x="5262034" y="804334"/>
-            <a:ext cx="1667933" cy="982134"/>
-          </a:xfrm>
-          <a:prstGeom prst="rect">
-            <a:avLst/>
-          </a:prstGeom>
-        </p:spPr>
-        <p:style>
-          <a:lnRef idx="1">
-            <a:schemeClr val="accent4"/>
-          </a:lnRef>
-          <a:fillRef idx="2">
-            <a:schemeClr val="accent4"/>
-          </a:fillRef>
-          <a:effectRef idx="1">
-            <a:schemeClr val="accent4"/>
-          </a:effectRef>
-          <a:fontRef idx="minor">
-            <a:schemeClr val="dk1"/>
-          </a:fontRef>
-        </p:style>
-        <p:txBody>
-          <a:bodyPr rtlCol="0" anchor="ctr"/>
-          <a:lstStyle/>
-          <a:p>
-            <a:pPr algn="ctr"/>
-            <a:r>
-              <a:rPr lang="nl-NL" dirty="0"/>
-              <a:t>Voertuig</a:t>
-            </a:r>
-          </a:p>
-        </p:txBody>
-      </p:sp>
-      <p:sp>
-        <p:nvSpPr>
-          <p:cNvPr id="9" name="Rectangle 8">
-            <a:extLst>
-              <a:ext uri="{FF2B5EF4-FFF2-40B4-BE49-F238E27FC236}">
-                <a16:creationId xmlns:a16="http://schemas.microsoft.com/office/drawing/2014/main" id="{4F0F36A3-E63F-438C-664E-6CCFFF26537D}"/>
-              </a:ext>
-            </a:extLst>
-          </p:cNvPr>
-          <p:cNvSpPr/>
-          <p:nvPr/>
-        </p:nvSpPr>
-        <p:spPr>
-          <a:xfrm>
-            <a:off x="3050117" y="2704572"/>
-            <a:ext cx="1667933" cy="982134"/>
-          </a:xfrm>
-          <a:prstGeom prst="rect">
-            <a:avLst/>
-          </a:prstGeom>
-        </p:spPr>
-        <p:style>
-          <a:lnRef idx="1">
-            <a:schemeClr val="accent5"/>
-          </a:lnRef>
-          <a:fillRef idx="2">
-            <a:schemeClr val="accent5"/>
-          </a:fillRef>
-          <a:effectRef idx="1">
-            <a:schemeClr val="accent5"/>
-          </a:effectRef>
-          <a:fontRef idx="minor">
-            <a:schemeClr val="dk1"/>
-          </a:fontRef>
-        </p:style>
-        <p:txBody>
-          <a:bodyPr rtlCol="0" anchor="ctr"/>
-          <a:lstStyle/>
-          <a:p>
-            <a:pPr algn="ctr"/>
-            <a:r>
-              <a:rPr lang="nl-NL" dirty="0"/>
-              <a:t>Auto</a:t>
-            </a:r>
-          </a:p>
-        </p:txBody>
-      </p:sp>
-      <p:sp>
-        <p:nvSpPr>
-          <p:cNvPr id="10" name="Rectangle 9">
-            <a:extLst>
-              <a:ext uri="{FF2B5EF4-FFF2-40B4-BE49-F238E27FC236}">
-                <a16:creationId xmlns:a16="http://schemas.microsoft.com/office/drawing/2014/main" id="{4176E6D8-DC0A-C2D6-09E4-B96454281B96}"/>
-              </a:ext>
-            </a:extLst>
-          </p:cNvPr>
-          <p:cNvSpPr/>
-          <p:nvPr/>
-        </p:nvSpPr>
-        <p:spPr>
-          <a:xfrm>
-            <a:off x="838200" y="2723358"/>
-            <a:ext cx="1667933" cy="982134"/>
-          </a:xfrm>
-          <a:prstGeom prst="rect">
-            <a:avLst/>
-          </a:prstGeom>
-        </p:spPr>
-        <p:style>
-          <a:lnRef idx="1">
-            <a:schemeClr val="accent6"/>
-          </a:lnRef>
-          <a:fillRef idx="2">
-            <a:schemeClr val="accent6"/>
-          </a:fillRef>
-          <a:effectRef idx="1">
-            <a:schemeClr val="accent6"/>
-          </a:effectRef>
-          <a:fontRef idx="minor">
-            <a:schemeClr val="dk1"/>
-          </a:fontRef>
-        </p:style>
-        <p:txBody>
-          <a:bodyPr rtlCol="0" anchor="ctr"/>
-          <a:lstStyle/>
-          <a:p>
-            <a:pPr algn="ctr"/>
-            <a:r>
-              <a:rPr lang="nl-NL" dirty="0"/>
-              <a:t>Vrachtwagen</a:t>
-            </a:r>
-          </a:p>
-        </p:txBody>
-      </p:sp>
-      <p:sp>
-        <p:nvSpPr>
-          <p:cNvPr id="11" name="Rectangle 10">
-            <a:extLst>
-              <a:ext uri="{FF2B5EF4-FFF2-40B4-BE49-F238E27FC236}">
-                <a16:creationId xmlns:a16="http://schemas.microsoft.com/office/drawing/2014/main" id="{B0FD3C67-D8CC-C794-10C4-88ED519F20DB}"/>
-              </a:ext>
-            </a:extLst>
-          </p:cNvPr>
-          <p:cNvSpPr/>
-          <p:nvPr/>
-        </p:nvSpPr>
-        <p:spPr>
-          <a:xfrm>
-            <a:off x="7473951" y="2704572"/>
-            <a:ext cx="1667933" cy="982134"/>
-          </a:xfrm>
-          <a:prstGeom prst="rect">
-            <a:avLst/>
-          </a:prstGeom>
-        </p:spPr>
-        <p:style>
-          <a:lnRef idx="1">
-            <a:schemeClr val="accent5"/>
-          </a:lnRef>
-          <a:fillRef idx="2">
-            <a:schemeClr val="accent5"/>
-          </a:fillRef>
-          <a:effectRef idx="1">
-            <a:schemeClr val="accent5"/>
-          </a:effectRef>
-          <a:fontRef idx="minor">
-            <a:schemeClr val="dk1"/>
-          </a:fontRef>
-        </p:style>
-        <p:txBody>
-          <a:bodyPr rtlCol="0" anchor="ctr"/>
-          <a:lstStyle/>
-          <a:p>
-            <a:pPr algn="ctr"/>
-            <a:r>
-              <a:rPr lang="nl-NL" dirty="0" err="1"/>
-              <a:t>ElektrischeFiets</a:t>
-            </a:r>
-            <a:endParaRPr lang="nl-NL" dirty="0"/>
-          </a:p>
-        </p:txBody>
-      </p:sp>
-      <p:sp>
-        <p:nvSpPr>
-          <p:cNvPr id="19" name="Rectangle 18">
-            <a:extLst>
-              <a:ext uri="{FF2B5EF4-FFF2-40B4-BE49-F238E27FC236}">
-                <a16:creationId xmlns:a16="http://schemas.microsoft.com/office/drawing/2014/main" id="{3177325D-D211-A5CE-6947-92EF15DD9D6B}"/>
-              </a:ext>
-            </a:extLst>
-          </p:cNvPr>
-          <p:cNvSpPr/>
-          <p:nvPr/>
-        </p:nvSpPr>
-        <p:spPr>
-          <a:xfrm>
-            <a:off x="9685867" y="2704572"/>
-            <a:ext cx="1667933" cy="982134"/>
-          </a:xfrm>
-          <a:prstGeom prst="rect">
-            <a:avLst/>
-          </a:prstGeom>
-        </p:spPr>
-        <p:style>
-          <a:lnRef idx="1">
-            <a:schemeClr val="accent5"/>
-          </a:lnRef>
-          <a:fillRef idx="2">
-            <a:schemeClr val="accent5"/>
-          </a:fillRef>
-          <a:effectRef idx="1">
-            <a:schemeClr val="accent5"/>
-          </a:effectRef>
-          <a:fontRef idx="minor">
-            <a:schemeClr val="dk1"/>
-          </a:fontRef>
-        </p:style>
-        <p:txBody>
-          <a:bodyPr rtlCol="0" anchor="ctr"/>
-          <a:lstStyle/>
-          <a:p>
-            <a:pPr algn="ctr"/>
-            <a:r>
-              <a:rPr lang="nl-NL" dirty="0"/>
-              <a:t>Fiets</a:t>
-            </a:r>
-          </a:p>
-        </p:txBody>
-      </p:sp>
-      <p:sp>
-        <p:nvSpPr>
-          <p:cNvPr id="21" name="Rectangle 20">
-            <a:extLst>
-              <a:ext uri="{FF2B5EF4-FFF2-40B4-BE49-F238E27FC236}">
-                <a16:creationId xmlns:a16="http://schemas.microsoft.com/office/drawing/2014/main" id="{B7A1F8AF-4F1D-615B-7649-D63D9A01F689}"/>
-              </a:ext>
-            </a:extLst>
-          </p:cNvPr>
-          <p:cNvSpPr/>
-          <p:nvPr/>
-        </p:nvSpPr>
-        <p:spPr>
-          <a:xfrm>
-            <a:off x="5262034" y="2704572"/>
-            <a:ext cx="1667933" cy="982134"/>
-          </a:xfrm>
-          <a:prstGeom prst="rect">
-            <a:avLst/>
-          </a:prstGeom>
-        </p:spPr>
-        <p:style>
-          <a:lnRef idx="1">
-            <a:schemeClr val="accent5"/>
-          </a:lnRef>
-          <a:fillRef idx="2">
-            <a:schemeClr val="accent5"/>
-          </a:fillRef>
-          <a:effectRef idx="1">
-            <a:schemeClr val="accent5"/>
-          </a:effectRef>
-          <a:fontRef idx="minor">
-            <a:schemeClr val="dk1"/>
-          </a:fontRef>
-        </p:style>
-        <p:txBody>
-          <a:bodyPr rtlCol="0" anchor="ctr"/>
-          <a:lstStyle/>
-          <a:p>
-            <a:pPr algn="ctr"/>
-            <a:r>
-              <a:rPr lang="nl-NL" dirty="0" err="1"/>
-              <a:t>ElektrischAuto</a:t>
-            </a:r>
-            <a:endParaRPr lang="nl-NL" dirty="0"/>
-          </a:p>
-        </p:txBody>
-      </p:sp>
-      <p:sp>
-        <p:nvSpPr>
-          <p:cNvPr id="3" name="Rectangle 2">
-            <a:extLst>
-              <a:ext uri="{FF2B5EF4-FFF2-40B4-BE49-F238E27FC236}">
-                <a16:creationId xmlns:a16="http://schemas.microsoft.com/office/drawing/2014/main" id="{70C0767A-2AB8-F5A3-9730-EC8D7875C54F}"/>
-              </a:ext>
-            </a:extLst>
-          </p:cNvPr>
-          <p:cNvSpPr/>
-          <p:nvPr/>
-        </p:nvSpPr>
-        <p:spPr>
-          <a:xfrm>
-            <a:off x="7473950" y="804334"/>
-            <a:ext cx="1667933" cy="982134"/>
-          </a:xfrm>
-          <a:prstGeom prst="rect">
-            <a:avLst/>
-          </a:prstGeom>
-        </p:spPr>
-        <p:style>
-          <a:lnRef idx="1">
-            <a:schemeClr val="accent4"/>
-          </a:lnRef>
-          <a:fillRef idx="2">
-            <a:schemeClr val="accent4"/>
-          </a:fillRef>
-          <a:effectRef idx="1">
-            <a:schemeClr val="accent4"/>
-          </a:effectRef>
-          <a:fontRef idx="minor">
-            <a:schemeClr val="dk1"/>
-          </a:fontRef>
-        </p:style>
-        <p:txBody>
-          <a:bodyPr rtlCol="0" anchor="ctr"/>
-          <a:lstStyle/>
-          <a:p>
-            <a:pPr algn="ctr"/>
-            <a:r>
-              <a:rPr lang="nl-NL" dirty="0" err="1"/>
-              <a:t>ElektrischMixin</a:t>
-            </a:r>
-            <a:endParaRPr lang="nl-NL" dirty="0"/>
-          </a:p>
-        </p:txBody>
-      </p:sp>
-    </p:spTree>
-    <p:extLst>
-      <p:ext uri="{BB962C8B-B14F-4D97-AF65-F5344CB8AC3E}">
-        <p14:creationId xmlns:p14="http://schemas.microsoft.com/office/powerpoint/2010/main" val="921584377"/>
-      </p:ext>
-    </p:extLst>
-  </p:cSld>
-  <p:clrMapOvr>
-    <a:masterClrMapping/>
-  </p:clrMapOvr>
-</p:sld>
-</file>
-
-<file path=ppt/slides/slide34.xml><?xml version="1.0" encoding="utf-8"?>
-<p:sld xmlns:a="http://schemas.openxmlformats.org/drawingml/2006/main" xmlns:r="http://schemas.openxmlformats.org/officeDocument/2006/relationships" xmlns:p="http://schemas.openxmlformats.org/presentationml/2006/main">
-  <p:cSld>
-    <p:spTree>
-      <p:nvGrpSpPr>
-        <p:cNvPr id="1" name=""/>
-        <p:cNvGrpSpPr/>
-        <p:nvPr/>
-      </p:nvGrpSpPr>
-      <p:grpSpPr>
-        <a:xfrm>
-          <a:off x="0" y="0"/>
-          <a:ext cx="0" cy="0"/>
-          <a:chOff x="0" y="0"/>
-          <a:chExt cx="0" cy="0"/>
-        </a:xfrm>
-      </p:grpSpPr>
-      <p:sp>
-        <p:nvSpPr>
-          <p:cNvPr id="2" name="Title 1">
-            <a:extLst>
-              <a:ext uri="{FF2B5EF4-FFF2-40B4-BE49-F238E27FC236}">
-                <a16:creationId xmlns:a16="http://schemas.microsoft.com/office/drawing/2014/main" id="{39A1D606-8DD1-369C-5C09-471CDD551AD5}"/>
-              </a:ext>
-            </a:extLst>
-          </p:cNvPr>
-          <p:cNvSpPr>
-            <a:spLocks noGrp="1"/>
-          </p:cNvSpPr>
-          <p:nvPr>
-            <p:ph type="title"/>
-          </p:nvPr>
-        </p:nvSpPr>
-        <p:spPr>
-          <a:xfrm>
-            <a:off x="838200" y="365126"/>
-            <a:ext cx="10515600" cy="718608"/>
-          </a:xfrm>
-        </p:spPr>
-        <p:txBody>
-          <a:bodyPr>
-            <a:normAutofit/>
-          </a:bodyPr>
-          <a:lstStyle/>
-          <a:p>
-            <a:r>
-              <a:rPr lang="nl-NL" sz="3600" noProof="0" dirty="0"/>
-              <a:t>Oefening</a:t>
-            </a:r>
-          </a:p>
-        </p:txBody>
-      </p:sp>
-      <p:sp>
-        <p:nvSpPr>
-          <p:cNvPr id="3" name="Content Placeholder 2">
-            <a:extLst>
-              <a:ext uri="{FF2B5EF4-FFF2-40B4-BE49-F238E27FC236}">
-                <a16:creationId xmlns:a16="http://schemas.microsoft.com/office/drawing/2014/main" id="{F4C2D286-E049-0AAB-1360-B7157E11AD7E}"/>
-              </a:ext>
-            </a:extLst>
-          </p:cNvPr>
-          <p:cNvSpPr>
-            <a:spLocks noGrp="1"/>
-          </p:cNvSpPr>
-          <p:nvPr>
-            <p:ph idx="1"/>
-          </p:nvPr>
-        </p:nvSpPr>
-        <p:spPr>
-          <a:xfrm>
-            <a:off x="838200" y="1456267"/>
-            <a:ext cx="6514322" cy="4720696"/>
-          </a:xfrm>
-        </p:spPr>
-        <p:txBody>
-          <a:bodyPr>
-            <a:normAutofit/>
-          </a:bodyPr>
-          <a:lstStyle/>
-          <a:p>
-            <a:pPr marL="0" indent="0">
-              <a:buNone/>
-            </a:pPr>
-            <a:r>
-              <a:rPr lang="nl-NL" sz="2000" b="1" noProof="0" dirty="0"/>
-              <a:t>Schrijf een script dat:</a:t>
-            </a:r>
-          </a:p>
-          <a:p>
-            <a:pPr marL="0" indent="0">
-              <a:buNone/>
-            </a:pPr>
-            <a:endParaRPr lang="nl-NL" sz="2000" b="1" noProof="0" dirty="0"/>
-          </a:p>
-          <a:p>
-            <a:pPr marL="457200" indent="-457200">
-              <a:buAutoNum type="arabicPeriod"/>
-            </a:pPr>
-            <a:r>
-              <a:rPr lang="nl-NL" sz="2000" noProof="0" dirty="0"/>
-              <a:t>Een CSV-bestand inleest en verwerkt.</a:t>
-            </a:r>
-          </a:p>
-          <a:p>
-            <a:pPr marL="457200" indent="-457200">
-              <a:buAutoNum type="arabicPeriod"/>
-            </a:pPr>
-            <a:r>
-              <a:rPr lang="nl-NL" sz="2000" noProof="0" dirty="0"/>
-              <a:t>Voor elk persoon de faculteit van de leeftijd berekent.</a:t>
-            </a:r>
-          </a:p>
-          <a:p>
-            <a:pPr marL="457200" indent="-457200">
-              <a:buAutoNum type="arabicPeriod"/>
-            </a:pPr>
-            <a:r>
-              <a:rPr lang="nl-NL" sz="2000" noProof="0" dirty="0"/>
-              <a:t>De resultaten wegschrijft naar een nieuw CSV-bestand.</a:t>
-            </a:r>
-          </a:p>
-          <a:p>
-            <a:pPr marL="0" indent="0">
-              <a:buNone/>
-            </a:pPr>
-            <a:endParaRPr lang="nl-NL" sz="2000" noProof="0" dirty="0"/>
-          </a:p>
-          <a:p>
-            <a:pPr marL="0" indent="0">
-              <a:buNone/>
-            </a:pPr>
-            <a:r>
-              <a:rPr lang="nl-NL" sz="2000" b="1" noProof="0" dirty="0"/>
-              <a:t>Bonuspunten:</a:t>
-            </a:r>
-          </a:p>
-          <a:p>
-            <a:pPr>
-              <a:buFontTx/>
-              <a:buChar char="-"/>
-            </a:pPr>
-            <a:endParaRPr lang="nl-NL" sz="2000" noProof="0" dirty="0"/>
-          </a:p>
-          <a:p>
-            <a:pPr>
-              <a:buFontTx/>
-              <a:buChar char="-"/>
-            </a:pPr>
-            <a:r>
-              <a:rPr lang="nl-NL" sz="2000" noProof="0" dirty="0"/>
-              <a:t>Zorg voor een nette structuur (opdelen functies).</a:t>
-            </a:r>
-          </a:p>
-          <a:p>
-            <a:pPr>
-              <a:buFontTx/>
-              <a:buChar char="-"/>
-            </a:pPr>
-            <a:r>
-              <a:rPr lang="nl-NL" sz="2000" noProof="0" dirty="0"/>
-              <a:t>Maak goede documentatie.</a:t>
-            </a:r>
-          </a:p>
-          <a:p>
-            <a:pPr>
-              <a:buFontTx/>
-              <a:buChar char="-"/>
-            </a:pPr>
-            <a:r>
-              <a:rPr lang="nl-NL" sz="2000" noProof="0" dirty="0"/>
-              <a:t>Zorg voor </a:t>
-            </a:r>
-            <a:r>
-              <a:rPr lang="nl-NL" sz="2000" noProof="0" dirty="0" err="1"/>
-              <a:t>logging</a:t>
-            </a:r>
-            <a:r>
-              <a:rPr lang="nl-NL" sz="2000" noProof="0" dirty="0"/>
-              <a:t> naar de terminal.</a:t>
-            </a:r>
-          </a:p>
-        </p:txBody>
-      </p:sp>
-      <p:sp>
-        <p:nvSpPr>
-          <p:cNvPr id="4" name="Content Placeholder 2">
-            <a:extLst>
-              <a:ext uri="{FF2B5EF4-FFF2-40B4-BE49-F238E27FC236}">
-                <a16:creationId xmlns:a16="http://schemas.microsoft.com/office/drawing/2014/main" id="{57E940DA-5AAD-D002-6F9A-E2FF312E3A6C}"/>
-              </a:ext>
-            </a:extLst>
-          </p:cNvPr>
-          <p:cNvSpPr txBox="1">
-            <a:spLocks/>
-          </p:cNvSpPr>
-          <p:nvPr/>
-        </p:nvSpPr>
-        <p:spPr>
-          <a:xfrm>
-            <a:off x="8248260" y="1456267"/>
-            <a:ext cx="2820955" cy="4720696"/>
-          </a:xfrm>
-          <a:prstGeom prst="rect">
-            <a:avLst/>
-          </a:prstGeom>
-        </p:spPr>
-        <p:txBody>
-          <a:bodyPr vert="horz" lIns="91440" tIns="45720" rIns="91440" bIns="45720" rtlCol="0">
-            <a:normAutofit/>
-          </a:bodyPr>
-          <a:lstStyle>
-            <a:lvl1pPr marL="228600" indent="-228600" algn="l" defTabSz="914400" rtl="0" eaLnBrk="1" latinLnBrk="0" hangingPunct="1">
-              <a:lnSpc>
-                <a:spcPct val="90000"/>
-              </a:lnSpc>
-              <a:spcBef>
-                <a:spcPts val="1000"/>
-              </a:spcBef>
-              <a:buFont typeface="Arial" panose="020B0604020202020204" pitchFamily="34" charset="0"/>
-              <a:buChar char="•"/>
-              <a:defRPr sz="2800" kern="1200">
-                <a:solidFill>
-                  <a:schemeClr val="tx1"/>
-                </a:solidFill>
-                <a:latin typeface="+mn-lt"/>
-                <a:ea typeface="+mn-ea"/>
-                <a:cs typeface="+mn-cs"/>
-              </a:defRPr>
-            </a:lvl1pPr>
-            <a:lvl2pPr marL="685800" indent="-228600" algn="l" defTabSz="914400" rtl="0" eaLnBrk="1" latinLnBrk="0" hangingPunct="1">
-              <a:lnSpc>
-                <a:spcPct val="90000"/>
-              </a:lnSpc>
-              <a:spcBef>
-                <a:spcPts val="500"/>
-              </a:spcBef>
-              <a:buFont typeface="Arial" panose="020B0604020202020204" pitchFamily="34" charset="0"/>
-              <a:buChar char="•"/>
-              <a:defRPr sz="2400" kern="1200">
-                <a:solidFill>
-                  <a:schemeClr val="tx1"/>
-                </a:solidFill>
-                <a:latin typeface="+mn-lt"/>
-                <a:ea typeface="+mn-ea"/>
-                <a:cs typeface="+mn-cs"/>
-              </a:defRPr>
-            </a:lvl2pPr>
-            <a:lvl3pPr marL="1143000" indent="-228600" algn="l" defTabSz="914400" rtl="0" eaLnBrk="1" latinLnBrk="0" hangingPunct="1">
-              <a:lnSpc>
-                <a:spcPct val="90000"/>
-              </a:lnSpc>
-              <a:spcBef>
-                <a:spcPts val="500"/>
-              </a:spcBef>
-              <a:buFont typeface="Arial" panose="020B0604020202020204" pitchFamily="34" charset="0"/>
-              <a:buChar char="•"/>
-              <a:defRPr sz="2000" kern="1200">
-                <a:solidFill>
-                  <a:schemeClr val="tx1"/>
-                </a:solidFill>
-                <a:latin typeface="+mn-lt"/>
-                <a:ea typeface="+mn-ea"/>
-                <a:cs typeface="+mn-cs"/>
-              </a:defRPr>
-            </a:lvl3pPr>
-            <a:lvl4pPr marL="1600200" indent="-228600" algn="l" defTabSz="914400" rtl="0" eaLnBrk="1" latinLnBrk="0" hangingPunct="1">
-              <a:lnSpc>
-                <a:spcPct val="90000"/>
-              </a:lnSpc>
-              <a:spcBef>
-                <a:spcPts val="500"/>
-              </a:spcBef>
-              <a:buFont typeface="Arial" panose="020B0604020202020204" pitchFamily="34" charset="0"/>
-              <a:buChar char="•"/>
-              <a:defRPr sz="1800" kern="1200">
-                <a:solidFill>
-                  <a:schemeClr val="tx1"/>
-                </a:solidFill>
-                <a:latin typeface="+mn-lt"/>
-                <a:ea typeface="+mn-ea"/>
-                <a:cs typeface="+mn-cs"/>
-              </a:defRPr>
-            </a:lvl4pPr>
-            <a:lvl5pPr marL="2057400" indent="-228600" algn="l" defTabSz="914400" rtl="0" eaLnBrk="1" latinLnBrk="0" hangingPunct="1">
-              <a:lnSpc>
-                <a:spcPct val="90000"/>
-              </a:lnSpc>
-              <a:spcBef>
-                <a:spcPts val="500"/>
-              </a:spcBef>
-              <a:buFont typeface="Arial" panose="020B0604020202020204" pitchFamily="34" charset="0"/>
-              <a:buChar char="•"/>
-              <a:defRPr sz="1800" kern="1200">
-                <a:solidFill>
-                  <a:schemeClr val="tx1"/>
-                </a:solidFill>
-                <a:latin typeface="+mn-lt"/>
-                <a:ea typeface="+mn-ea"/>
-                <a:cs typeface="+mn-cs"/>
-              </a:defRPr>
-            </a:lvl5pPr>
-            <a:lvl6pPr marL="2514600" indent="-228600" algn="l" defTabSz="914400" rtl="0" eaLnBrk="1" latinLnBrk="0" hangingPunct="1">
-              <a:lnSpc>
-                <a:spcPct val="90000"/>
-              </a:lnSpc>
-              <a:spcBef>
-                <a:spcPts val="500"/>
-              </a:spcBef>
-              <a:buFont typeface="Arial" panose="020B0604020202020204" pitchFamily="34" charset="0"/>
-              <a:buChar char="•"/>
-              <a:defRPr sz="1800" kern="1200">
-                <a:solidFill>
-                  <a:schemeClr val="tx1"/>
-                </a:solidFill>
-                <a:latin typeface="+mn-lt"/>
-                <a:ea typeface="+mn-ea"/>
-                <a:cs typeface="+mn-cs"/>
-              </a:defRPr>
-            </a:lvl6pPr>
-            <a:lvl7pPr marL="2971800" indent="-228600" algn="l" defTabSz="914400" rtl="0" eaLnBrk="1" latinLnBrk="0" hangingPunct="1">
-              <a:lnSpc>
-                <a:spcPct val="90000"/>
-              </a:lnSpc>
-              <a:spcBef>
-                <a:spcPts val="500"/>
-              </a:spcBef>
-              <a:buFont typeface="Arial" panose="020B0604020202020204" pitchFamily="34" charset="0"/>
-              <a:buChar char="•"/>
-              <a:defRPr sz="1800" kern="1200">
-                <a:solidFill>
-                  <a:schemeClr val="tx1"/>
-                </a:solidFill>
-                <a:latin typeface="+mn-lt"/>
-                <a:ea typeface="+mn-ea"/>
-                <a:cs typeface="+mn-cs"/>
-              </a:defRPr>
-            </a:lvl7pPr>
-            <a:lvl8pPr marL="3429000" indent="-228600" algn="l" defTabSz="914400" rtl="0" eaLnBrk="1" latinLnBrk="0" hangingPunct="1">
-              <a:lnSpc>
-                <a:spcPct val="90000"/>
-              </a:lnSpc>
-              <a:spcBef>
-                <a:spcPts val="500"/>
-              </a:spcBef>
-              <a:buFont typeface="Arial" panose="020B0604020202020204" pitchFamily="34" charset="0"/>
-              <a:buChar char="•"/>
-              <a:defRPr sz="1800" kern="1200">
-                <a:solidFill>
-                  <a:schemeClr val="tx1"/>
-                </a:solidFill>
-                <a:latin typeface="+mn-lt"/>
-                <a:ea typeface="+mn-ea"/>
-                <a:cs typeface="+mn-cs"/>
-              </a:defRPr>
-            </a:lvl8pPr>
-            <a:lvl9pPr marL="3886200" indent="-228600" algn="l" defTabSz="914400" rtl="0" eaLnBrk="1" latinLnBrk="0" hangingPunct="1">
-              <a:lnSpc>
-                <a:spcPct val="90000"/>
-              </a:lnSpc>
-              <a:spcBef>
-                <a:spcPts val="500"/>
-              </a:spcBef>
-              <a:buFont typeface="Arial" panose="020B0604020202020204" pitchFamily="34" charset="0"/>
-              <a:buChar char="•"/>
-              <a:defRPr sz="1800" kern="1200">
-                <a:solidFill>
-                  <a:schemeClr val="tx1"/>
-                </a:solidFill>
-                <a:latin typeface="+mn-lt"/>
-                <a:ea typeface="+mn-ea"/>
-                <a:cs typeface="+mn-cs"/>
-              </a:defRPr>
-            </a:lvl9pPr>
-          </a:lstStyle>
-          <a:p>
-            <a:pPr marL="0" indent="0">
-              <a:buFont typeface="Arial" panose="020B0604020202020204" pitchFamily="34" charset="0"/>
-              <a:buNone/>
-            </a:pPr>
-            <a:r>
-              <a:rPr lang="en-US" sz="2000" b="1" dirty="0"/>
-              <a:t>CSV-data</a:t>
-            </a:r>
-          </a:p>
-          <a:p>
-            <a:pPr marL="0" indent="0">
-              <a:buFont typeface="Arial" panose="020B0604020202020204" pitchFamily="34" charset="0"/>
-              <a:buNone/>
-            </a:pPr>
-            <a:endParaRPr lang="en-US" sz="2000" dirty="0"/>
-          </a:p>
-          <a:p>
-            <a:pPr marL="0" indent="0">
-              <a:buFont typeface="Arial" panose="020B0604020202020204" pitchFamily="34" charset="0"/>
-              <a:buNone/>
-            </a:pPr>
-            <a:r>
-              <a:rPr lang="en-US" sz="2000" dirty="0"/>
-              <a:t>Henk,man,44</a:t>
-            </a:r>
-          </a:p>
-          <a:p>
-            <a:pPr marL="0" indent="0">
-              <a:buFont typeface="Arial" panose="020B0604020202020204" pitchFamily="34" charset="0"/>
-              <a:buNone/>
-            </a:pPr>
-            <a:r>
-              <a:rPr lang="en-US" sz="2000" dirty="0"/>
-              <a:t>Ingrid,vrouw,37</a:t>
-            </a:r>
-          </a:p>
-          <a:p>
-            <a:pPr marL="0" indent="0">
-              <a:buFont typeface="Arial" panose="020B0604020202020204" pitchFamily="34" charset="0"/>
-              <a:buNone/>
-            </a:pPr>
-            <a:r>
-              <a:rPr lang="en-US" sz="2000" dirty="0"/>
-              <a:t>Jaap,man,56</a:t>
-            </a:r>
-          </a:p>
-          <a:p>
-            <a:pPr marL="0" indent="0">
-              <a:buFont typeface="Arial" panose="020B0604020202020204" pitchFamily="34" charset="0"/>
-              <a:buNone/>
-            </a:pPr>
-            <a:endParaRPr lang="en-US" sz="2000" dirty="0"/>
-          </a:p>
-        </p:txBody>
-      </p:sp>
-      <p:cxnSp>
-        <p:nvCxnSpPr>
-          <p:cNvPr id="6" name="Straight Connector 5">
-            <a:extLst>
-              <a:ext uri="{FF2B5EF4-FFF2-40B4-BE49-F238E27FC236}">
-                <a16:creationId xmlns:a16="http://schemas.microsoft.com/office/drawing/2014/main" id="{F76A5445-2474-58A8-F1AE-18BB279DAEAF}"/>
-              </a:ext>
-            </a:extLst>
-          </p:cNvPr>
-          <p:cNvCxnSpPr/>
-          <p:nvPr/>
-        </p:nvCxnSpPr>
-        <p:spPr>
-          <a:xfrm>
-            <a:off x="7772400" y="1456267"/>
-            <a:ext cx="0" cy="4720696"/>
-          </a:xfrm>
-          <a:prstGeom prst="line">
-            <a:avLst/>
-          </a:prstGeom>
-        </p:spPr>
-        <p:style>
-          <a:lnRef idx="3">
-            <a:schemeClr val="dk1"/>
-          </a:lnRef>
-          <a:fillRef idx="0">
-            <a:schemeClr val="dk1"/>
-          </a:fillRef>
-          <a:effectRef idx="2">
-            <a:schemeClr val="dk1"/>
-          </a:effectRef>
-          <a:fontRef idx="minor">
-            <a:schemeClr val="tx1"/>
-          </a:fontRef>
-        </p:style>
-      </p:cxnSp>
-    </p:spTree>
-    <p:extLst>
-      <p:ext uri="{BB962C8B-B14F-4D97-AF65-F5344CB8AC3E}">
-        <p14:creationId xmlns:p14="http://schemas.microsoft.com/office/powerpoint/2010/main" val="2639598204"/>
-      </p:ext>
-    </p:extLst>
-  </p:cSld>
-  <p:clrMapOvr>
-    <a:masterClrMapping/>
-  </p:clrMapOvr>
-</p:sld>
-</file>
-
 <file path=ppt/slides/slide4.xml><?xml version="1.0" encoding="utf-8"?>
 <p:sld xmlns:a="http://schemas.openxmlformats.org/drawingml/2006/main" xmlns:r="http://schemas.openxmlformats.org/officeDocument/2006/relationships" xmlns:p="http://schemas.openxmlformats.org/presentationml/2006/main">
   <p:cSld>
